--- a/Presentation/Presentation-StageSwinburne-5Juillet.pptx
+++ b/Presentation/Presentation-StageSwinburne-5Juillet.pptx
@@ -7,12 +7,13 @@
   <p:sldIdLst>
     <p:sldId id="256" r:id="rId2"/>
     <p:sldId id="257" r:id="rId3"/>
-    <p:sldId id="258" r:id="rId4"/>
-    <p:sldId id="259" r:id="rId5"/>
-    <p:sldId id="260" r:id="rId6"/>
-    <p:sldId id="261" r:id="rId7"/>
-    <p:sldId id="263" r:id="rId8"/>
-    <p:sldId id="262" r:id="rId9"/>
+    <p:sldId id="260" r:id="rId4"/>
+    <p:sldId id="261" r:id="rId5"/>
+    <p:sldId id="263" r:id="rId6"/>
+    <p:sldId id="262" r:id="rId7"/>
+    <p:sldId id="258" r:id="rId8"/>
+    <p:sldId id="259" r:id="rId9"/>
+    <p:sldId id="264" r:id="rId10"/>
   </p:sldIdLst>
   <p:sldSz cx="9144000" cy="6858000" type="screen4x3"/>
   <p:notesSz cx="6858000" cy="9144000"/>
@@ -394,7 +395,7 @@
           <a:p>
             <a:fld id="{AA309A6D-C09C-4548-B29A-6CF363A7E532}" type="datetimeFigureOut">
               <a:rPr lang="fr-FR" smtClean="0"/>
-              <a:t>05/07/2016</a:t>
+              <a:t>05/07/16</a:t>
             </a:fld>
             <a:endParaRPr lang="fr-BE"/>
           </a:p>
@@ -623,7 +624,7 @@
           <a:p>
             <a:fld id="{CF4668DC-857F-487D-BFFA-8C0CA5037977}" type="slidenum">
               <a:rPr lang="fr-BE" smtClean="0"/>
-              <a:t>‹N°›</a:t>
+              <a:t>‹#›</a:t>
             </a:fld>
             <a:endParaRPr lang="fr-BE"/>
           </a:p>
@@ -787,7 +788,7 @@
           <a:p>
             <a:fld id="{AA309A6D-C09C-4548-B29A-6CF363A7E532}" type="datetimeFigureOut">
               <a:rPr lang="fr-FR" smtClean="0"/>
-              <a:t>05/07/2016</a:t>
+              <a:t>05/07/16</a:t>
             </a:fld>
             <a:endParaRPr lang="fr-BE"/>
           </a:p>
@@ -829,7 +830,7 @@
           <a:p>
             <a:fld id="{CF4668DC-857F-487D-BFFA-8C0CA5037977}" type="slidenum">
               <a:rPr lang="fr-BE" smtClean="0"/>
-              <a:t>‹N°›</a:t>
+              <a:t>‹#›</a:t>
             </a:fld>
             <a:endParaRPr lang="fr-BE"/>
           </a:p>
@@ -1239,7 +1240,7 @@
           <a:p>
             <a:fld id="{CF4668DC-857F-487D-BFFA-8C0CA5037977}" type="slidenum">
               <a:rPr lang="fr-BE" smtClean="0"/>
-              <a:t>‹N°›</a:t>
+              <a:t>‹#›</a:t>
             </a:fld>
             <a:endParaRPr lang="fr-BE"/>
           </a:p>
@@ -1319,7 +1320,7 @@
           <a:p>
             <a:fld id="{AA309A6D-C09C-4548-B29A-6CF363A7E532}" type="datetimeFigureOut">
               <a:rPr lang="fr-FR" smtClean="0"/>
-              <a:t>05/07/2016</a:t>
+              <a:t>05/07/16</a:t>
             </a:fld>
             <a:endParaRPr lang="fr-BE"/>
           </a:p>
@@ -1452,7 +1453,7 @@
           <a:p>
             <a:fld id="{AA309A6D-C09C-4548-B29A-6CF363A7E532}" type="datetimeFigureOut">
               <a:rPr lang="fr-FR" smtClean="0"/>
-              <a:t>05/07/2016</a:t>
+              <a:t>05/07/16</a:t>
             </a:fld>
             <a:endParaRPr lang="fr-BE"/>
           </a:p>
@@ -1499,7 +1500,7 @@
           <a:p>
             <a:fld id="{CF4668DC-857F-487D-BFFA-8C0CA5037977}" type="slidenum">
               <a:rPr lang="fr-BE" smtClean="0"/>
-              <a:t>‹N°›</a:t>
+              <a:t>‹#›</a:t>
             </a:fld>
             <a:endParaRPr lang="fr-BE"/>
           </a:p>
@@ -1995,7 +1996,7 @@
           <a:p>
             <a:fld id="{AA309A6D-C09C-4548-B29A-6CF363A7E532}" type="datetimeFigureOut">
               <a:rPr lang="fr-FR" smtClean="0"/>
-              <a:t>05/07/2016</a:t>
+              <a:t>05/07/16</a:t>
             </a:fld>
             <a:endParaRPr lang="fr-BE"/>
           </a:p>
@@ -2167,7 +2168,7 @@
           <a:p>
             <a:fld id="{CF4668DC-857F-487D-BFFA-8C0CA5037977}" type="slidenum">
               <a:rPr lang="fr-BE" smtClean="0"/>
-              <a:t>‹N°›</a:t>
+              <a:t>‹#›</a:t>
             </a:fld>
             <a:endParaRPr lang="fr-BE"/>
           </a:p>
@@ -2290,7 +2291,7 @@
           <a:p>
             <a:fld id="{AA309A6D-C09C-4548-B29A-6CF363A7E532}" type="datetimeFigureOut">
               <a:rPr lang="fr-FR" smtClean="0"/>
-              <a:t>05/07/2016</a:t>
+              <a:t>05/07/16</a:t>
             </a:fld>
             <a:endParaRPr lang="fr-BE"/>
           </a:p>
@@ -2332,7 +2333,7 @@
           <a:p>
             <a:fld id="{CF4668DC-857F-487D-BFFA-8C0CA5037977}" type="slidenum">
               <a:rPr lang="fr-BE" smtClean="0"/>
-              <a:t>‹N°›</a:t>
+              <a:t>‹#›</a:t>
             </a:fld>
             <a:endParaRPr lang="fr-BE"/>
           </a:p>
@@ -2949,7 +2950,7 @@
           <a:p>
             <a:fld id="{AA309A6D-C09C-4548-B29A-6CF363A7E532}" type="datetimeFigureOut">
               <a:rPr lang="fr-FR" smtClean="0"/>
-              <a:t>05/07/2016</a:t>
+              <a:t>05/07/16</a:t>
             </a:fld>
             <a:endParaRPr lang="fr-BE"/>
           </a:p>
@@ -3291,7 +3292,7 @@
           <a:p>
             <a:fld id="{CF4668DC-857F-487D-BFFA-8C0CA5037977}" type="slidenum">
               <a:rPr lang="fr-BE" smtClean="0"/>
-              <a:t>‹N°›</a:t>
+              <a:t>‹#›</a:t>
             </a:fld>
             <a:endParaRPr lang="fr-BE"/>
           </a:p>
@@ -3385,7 +3386,7 @@
           <a:p>
             <a:fld id="{AA309A6D-C09C-4548-B29A-6CF363A7E532}" type="datetimeFigureOut">
               <a:rPr lang="fr-FR" smtClean="0"/>
-              <a:t>05/07/2016</a:t>
+              <a:t>05/07/16</a:t>
             </a:fld>
             <a:endParaRPr lang="fr-BE"/>
           </a:p>
@@ -3432,7 +3433,7 @@
           <a:p>
             <a:fld id="{CF4668DC-857F-487D-BFFA-8C0CA5037977}" type="slidenum">
               <a:rPr lang="fr-BE" smtClean="0"/>
-              <a:t>‹N°›</a:t>
+              <a:t>‹#›</a:t>
             </a:fld>
             <a:endParaRPr lang="fr-BE"/>
           </a:p>
@@ -3698,7 +3699,7 @@
           <a:p>
             <a:fld id="{AA309A6D-C09C-4548-B29A-6CF363A7E532}" type="datetimeFigureOut">
               <a:rPr lang="fr-FR" smtClean="0"/>
-              <a:t>05/07/2016</a:t>
+              <a:t>05/07/16</a:t>
             </a:fld>
             <a:endParaRPr lang="fr-BE"/>
           </a:p>
@@ -3753,7 +3754,7 @@
           <a:p>
             <a:fld id="{CF4668DC-857F-487D-BFFA-8C0CA5037977}" type="slidenum">
               <a:rPr lang="fr-BE" smtClean="0"/>
-              <a:t>‹N°›</a:t>
+              <a:t>‹#›</a:t>
             </a:fld>
             <a:endParaRPr lang="fr-BE"/>
           </a:p>
@@ -4371,7 +4372,7 @@
           <a:p>
             <a:fld id="{CF4668DC-857F-487D-BFFA-8C0CA5037977}" type="slidenum">
               <a:rPr lang="fr-BE" smtClean="0"/>
-              <a:t>‹N°›</a:t>
+              <a:t>‹#›</a:t>
             </a:fld>
             <a:endParaRPr lang="fr-BE"/>
           </a:p>
@@ -4430,7 +4431,7 @@
           <a:p>
             <a:fld id="{AA309A6D-C09C-4548-B29A-6CF363A7E532}" type="datetimeFigureOut">
               <a:rPr lang="fr-FR" smtClean="0"/>
-              <a:t>05/07/2016</a:t>
+              <a:t>05/07/16</a:t>
             </a:fld>
             <a:endParaRPr lang="fr-BE"/>
           </a:p>
@@ -4905,7 +4906,7 @@
           <a:p>
             <a:fld id="{CF4668DC-857F-487D-BFFA-8C0CA5037977}" type="slidenum">
               <a:rPr lang="fr-BE" smtClean="0"/>
-              <a:t>‹N°›</a:t>
+              <a:t>‹#›</a:t>
             </a:fld>
             <a:endParaRPr lang="fr-BE"/>
           </a:p>
@@ -5094,7 +5095,7 @@
           <a:p>
             <a:fld id="{AA309A6D-C09C-4548-B29A-6CF363A7E532}" type="datetimeFigureOut">
               <a:rPr lang="fr-FR" smtClean="0"/>
-              <a:t>05/07/2016</a:t>
+              <a:t>05/07/16</a:t>
             </a:fld>
             <a:endParaRPr lang="fr-BE"/>
           </a:p>
@@ -5367,7 +5368,7 @@
           <a:p>
             <a:fld id="{AA309A6D-C09C-4548-B29A-6CF363A7E532}" type="datetimeFigureOut">
               <a:rPr lang="fr-FR" smtClean="0"/>
-              <a:t>05/07/2016</a:t>
+              <a:t>05/07/16</a:t>
             </a:fld>
             <a:endParaRPr lang="fr-BE"/>
           </a:p>
@@ -5617,7 +5618,7 @@
           <a:p>
             <a:fld id="{CF4668DC-857F-487D-BFFA-8C0CA5037977}" type="slidenum">
               <a:rPr lang="fr-BE" smtClean="0"/>
-              <a:t>‹N°›</a:t>
+              <a:t>‹#›</a:t>
             </a:fld>
             <a:endParaRPr lang="fr-BE"/>
           </a:p>
@@ -6237,7 +6238,7 @@
           </a:prstGeom>
           <a:noFill/>
           <a:extLst>
-            <a:ext uri="{909E8E84-426E-40DD-AFC4-6F175D3DCCD1}">
+            <a:ext uri="{909E8E84-426E-40dd-AFC4-6F175D3DCCD1}">
               <a14:hiddenFill xmlns:a14="http://schemas.microsoft.com/office/drawing/2010/main">
                 <a:solidFill>
                   <a:srgbClr val="FFFFFF"/>
@@ -6278,7 +6279,7 @@
           </a:prstGeom>
           <a:noFill/>
           <a:extLst>
-            <a:ext uri="{909E8E84-426E-40DD-AFC4-6F175D3DCCD1}">
+            <a:ext uri="{909E8E84-426E-40dd-AFC4-6F175D3DCCD1}">
               <a14:hiddenFill xmlns:a14="http://schemas.microsoft.com/office/drawing/2010/main">
                 <a:solidFill>
                   <a:srgbClr val="FFFFFF"/>
@@ -6301,7 +6302,7 @@
   <p:timing>
     <p:tnLst>
       <p:par>
-        <p:cTn id="1" dur="indefinite" restart="never" nodeType="tmRoot"/>
+        <p:cTn xmlns:p14="http://schemas.microsoft.com/office/powerpoint/2010/main" id="1" dur="indefinite" restart="never" nodeType="tmRoot"/>
       </p:par>
     </p:tnLst>
   </p:timing>
@@ -6411,7 +6412,11 @@
             </a:r>
             <a:r>
               <a:rPr lang="fr-FR" dirty="0" smtClean="0"/>
-              <a:t> and membranes</a:t>
+              <a:t> and </a:t>
+            </a:r>
+            <a:r>
+              <a:rPr lang="fr-FR" dirty="0" smtClean="0"/>
+              <a:t>membranes</a:t>
             </a:r>
           </a:p>
           <a:p>
@@ -6421,8 +6426,24 @@
               </a:lnSpc>
             </a:pPr>
             <a:r>
-              <a:rPr lang="fr-FR" dirty="0" err="1" smtClean="0"/>
-              <a:t>Resolution</a:t>
+              <a:rPr lang="fr-FR" dirty="0" err="1"/>
+              <a:t>Milling</a:t>
+            </a:r>
+            <a:r>
+              <a:rPr lang="fr-FR" dirty="0"/>
+              <a:t> </a:t>
+            </a:r>
+            <a:r>
+              <a:rPr lang="fr-FR" dirty="0" err="1"/>
+              <a:t>through</a:t>
+            </a:r>
+            <a:r>
+              <a:rPr lang="fr-FR" dirty="0"/>
+              <a:t> the </a:t>
+            </a:r>
+            <a:r>
+              <a:rPr lang="fr-FR" dirty="0" smtClean="0"/>
+              <a:t>membrane</a:t>
             </a:r>
             <a:endParaRPr lang="fr-FR" dirty="0" smtClean="0"/>
           </a:p>
@@ -6434,20 +6455,9 @@
             </a:pPr>
             <a:r>
               <a:rPr lang="fr-FR" dirty="0" err="1" smtClean="0"/>
-              <a:t>Milling</a:t>
-            </a:r>
-            <a:r>
-              <a:rPr lang="fr-FR" dirty="0" smtClean="0"/>
-              <a:t> </a:t>
-            </a:r>
-            <a:r>
-              <a:rPr lang="fr-FR" dirty="0" err="1" smtClean="0"/>
-              <a:t>through</a:t>
-            </a:r>
-            <a:r>
-              <a:rPr lang="fr-FR" dirty="0" smtClean="0"/>
-              <a:t> the membrane</a:t>
-            </a:r>
+              <a:t>Resolution</a:t>
+            </a:r>
+            <a:endParaRPr lang="fr-FR" dirty="0" smtClean="0"/>
           </a:p>
           <a:p>
             <a:endParaRPr lang="fr-FR" dirty="0"/>
@@ -6467,7 +6477,7 @@
   <p:timing>
     <p:tnLst>
       <p:par>
-        <p:cTn id="1" dur="indefinite" restart="never" nodeType="tmRoot"/>
+        <p:cTn xmlns:p14="http://schemas.microsoft.com/office/powerpoint/2010/main" id="1" dur="indefinite" restart="never" nodeType="tmRoot"/>
       </p:par>
     </p:tnLst>
   </p:timing>
@@ -6493,7 +6503,7 @@
       </p:grpSpPr>
       <p:sp>
         <p:nvSpPr>
-          <p:cNvPr id="4" name="Titre 1"/>
+          <p:cNvPr id="2" name="Titre 1"/>
           <p:cNvSpPr>
             <a:spLocks noGrp="1"/>
           </p:cNvSpPr>
@@ -6501,382 +6511,26 @@
             <p:ph type="title"/>
           </p:nvPr>
         </p:nvSpPr>
-        <p:spPr>
-          <a:xfrm>
-            <a:off x="179512" y="0"/>
-            <a:ext cx="8229600" cy="877824"/>
-          </a:xfrm>
-        </p:spPr>
-        <p:txBody>
-          <a:bodyPr>
-            <a:normAutofit/>
-          </a:bodyPr>
-          <a:lstStyle/>
-          <a:p>
-            <a:r>
-              <a:rPr lang="fr-FR" sz="3200" dirty="0" err="1"/>
-              <a:t>Focused</a:t>
-            </a:r>
-            <a:r>
-              <a:rPr lang="fr-FR" sz="3200" dirty="0"/>
-              <a:t> Ion </a:t>
-            </a:r>
-            <a:r>
-              <a:rPr lang="fr-FR" sz="3200" dirty="0" err="1"/>
-              <a:t>Beam</a:t>
-            </a:r>
-            <a:r>
-              <a:rPr lang="fr-FR" sz="3200" dirty="0"/>
-              <a:t> and membranes</a:t>
-            </a:r>
-          </a:p>
-        </p:txBody>
-      </p:sp>
-      <p:sp>
-        <p:nvSpPr>
-          <p:cNvPr id="3" name="Espace réservé du contenu 2"/>
-          <p:cNvSpPr>
-            <a:spLocks noGrp="1"/>
-          </p:cNvSpPr>
-          <p:nvPr>
-            <p:ph sz="quarter" idx="1"/>
-          </p:nvPr>
-        </p:nvSpPr>
         <p:spPr/>
         <p:txBody>
           <a:bodyPr/>
           <a:lstStyle/>
           <a:p>
-            <a:endParaRPr lang="fr-FR" dirty="0" smtClean="0"/>
-          </a:p>
-          <a:p>
+            <a:r>
+              <a:rPr lang="fr-FR" dirty="0" smtClean="0"/>
+              <a:t>Tests of </a:t>
+            </a:r>
+            <a:r>
+              <a:rPr lang="fr-FR" dirty="0" err="1" smtClean="0"/>
+              <a:t>resolution</a:t>
+            </a:r>
             <a:endParaRPr lang="fr-FR" dirty="0"/>
           </a:p>
         </p:txBody>
       </p:sp>
       <p:pic>
         <p:nvPicPr>
-          <p:cNvPr id="2050" name="Picture 2"/>
-          <p:cNvPicPr>
-            <a:picLocks noChangeAspect="1" noChangeArrowheads="1"/>
-          </p:cNvPicPr>
-          <p:nvPr/>
-        </p:nvPicPr>
-        <p:blipFill rotWithShape="1">
-          <a:blip r:embed="rId2">
-            <a:extLst>
-              <a:ext uri="{28A0092B-C50C-407E-A947-70E740481C1C}">
-                <a14:useLocalDpi xmlns:a14="http://schemas.microsoft.com/office/drawing/2010/main" val="0"/>
-              </a:ext>
-            </a:extLst>
-          </a:blip>
-          <a:srcRect l="35943" t="8218" r="19850"/>
-          <a:stretch/>
-        </p:blipFill>
-        <p:spPr bwMode="auto">
-          <a:xfrm>
-            <a:off x="5772116" y="1844824"/>
-            <a:ext cx="2185416" cy="1687259"/>
-          </a:xfrm>
-          <a:prstGeom prst="rect">
-            <a:avLst/>
-          </a:prstGeom>
-          <a:noFill/>
-          <a:ln>
-            <a:noFill/>
-          </a:ln>
-          <a:effectLst/>
-          <a:extLst>
-            <a:ext uri="{909E8E84-426E-40DD-AFC4-6F175D3DCCD1}">
-              <a14:hiddenFill xmlns:a14="http://schemas.microsoft.com/office/drawing/2010/main">
-                <a:solidFill>
-                  <a:schemeClr val="accent1"/>
-                </a:solidFill>
-              </a14:hiddenFill>
-            </a:ext>
-            <a:ext uri="{91240B29-F687-4F45-9708-019B960494DF}">
-              <a14:hiddenLine xmlns:a14="http://schemas.microsoft.com/office/drawing/2010/main" w="9525">
-                <a:solidFill>
-                  <a:schemeClr val="tx1"/>
-                </a:solidFill>
-                <a:miter lim="800000"/>
-                <a:headEnd/>
-                <a:tailEnd/>
-              </a14:hiddenLine>
-            </a:ext>
-            <a:ext uri="{AF507438-7753-43E0-B8FC-AC1667EBCBE1}">
-              <a14:hiddenEffects xmlns:a14="http://schemas.microsoft.com/office/drawing/2010/main">
-                <a:effectLst>
-                  <a:outerShdw dist="35921" dir="2700000" algn="ctr" rotWithShape="0">
-                    <a:schemeClr val="bg2"/>
-                  </a:outerShdw>
-                </a:effectLst>
-              </a14:hiddenEffects>
-            </a:ext>
-          </a:extLst>
-        </p:spPr>
-      </p:pic>
-      <p:sp>
-        <p:nvSpPr>
-          <p:cNvPr id="2" name="ZoneTexte 1"/>
-          <p:cNvSpPr txBox="1"/>
-          <p:nvPr/>
-        </p:nvSpPr>
-        <p:spPr>
-          <a:xfrm>
-            <a:off x="5532676" y="3532082"/>
-            <a:ext cx="2664296" cy="584775"/>
-          </a:xfrm>
-          <a:prstGeom prst="rect">
-            <a:avLst/>
-          </a:prstGeom>
-          <a:noFill/>
-        </p:spPr>
-        <p:txBody>
-          <a:bodyPr wrap="square" rtlCol="0">
-            <a:spAutoFit/>
-          </a:bodyPr>
-          <a:lstStyle/>
-          <a:p>
-            <a:pPr algn="ctr"/>
-            <a:r>
-              <a:rPr lang="fr-FR" sz="1600" dirty="0" err="1" smtClean="0"/>
-              <a:t>Thickness</a:t>
-            </a:r>
-            <a:r>
-              <a:rPr lang="fr-FR" sz="1600" dirty="0" smtClean="0"/>
-              <a:t>: ~100 nm</a:t>
-            </a:r>
-          </a:p>
-          <a:p>
-            <a:pPr algn="ctr"/>
-            <a:r>
-              <a:rPr lang="fr-FR" sz="1600" dirty="0" err="1" smtClean="0"/>
-              <a:t>Coating</a:t>
-            </a:r>
-            <a:r>
-              <a:rPr lang="fr-FR" sz="1600" dirty="0" smtClean="0"/>
-              <a:t>: 5 nm Cr</a:t>
-            </a:r>
-          </a:p>
-        </p:txBody>
-      </p:sp>
-      <p:pic>
-        <p:nvPicPr>
-          <p:cNvPr id="2051" name="Picture 3"/>
-          <p:cNvPicPr>
-            <a:picLocks noChangeAspect="1" noChangeArrowheads="1"/>
-          </p:cNvPicPr>
-          <p:nvPr/>
-        </p:nvPicPr>
-        <p:blipFill rotWithShape="1">
-          <a:blip r:embed="rId3">
-            <a:extLst>
-              <a:ext uri="{28A0092B-C50C-407E-A947-70E740481C1C}">
-                <a14:useLocalDpi xmlns:a14="http://schemas.microsoft.com/office/drawing/2010/main" val="0"/>
-              </a:ext>
-            </a:extLst>
-          </a:blip>
-          <a:srcRect l="14919"/>
-          <a:stretch/>
-        </p:blipFill>
-        <p:spPr bwMode="auto">
-          <a:xfrm>
-            <a:off x="395536" y="1628800"/>
-            <a:ext cx="4176464" cy="4400194"/>
-          </a:xfrm>
-          <a:prstGeom prst="rect">
-            <a:avLst/>
-          </a:prstGeom>
-          <a:noFill/>
-          <a:ln>
-            <a:noFill/>
-          </a:ln>
-          <a:effectLst/>
-          <a:extLst>
-            <a:ext uri="{909E8E84-426E-40DD-AFC4-6F175D3DCCD1}">
-              <a14:hiddenFill xmlns:a14="http://schemas.microsoft.com/office/drawing/2010/main">
-                <a:solidFill>
-                  <a:schemeClr val="accent1"/>
-                </a:solidFill>
-              </a14:hiddenFill>
-            </a:ext>
-            <a:ext uri="{91240B29-F687-4F45-9708-019B960494DF}">
-              <a14:hiddenLine xmlns:a14="http://schemas.microsoft.com/office/drawing/2010/main" w="9525">
-                <a:solidFill>
-                  <a:schemeClr val="tx1"/>
-                </a:solidFill>
-                <a:miter lim="800000"/>
-                <a:headEnd/>
-                <a:tailEnd/>
-              </a14:hiddenLine>
-            </a:ext>
-            <a:ext uri="{AF507438-7753-43E0-B8FC-AC1667EBCBE1}">
-              <a14:hiddenEffects xmlns:a14="http://schemas.microsoft.com/office/drawing/2010/main">
-                <a:effectLst>
-                  <a:outerShdw dist="35921" dir="2700000" algn="ctr" rotWithShape="0">
-                    <a:schemeClr val="bg2"/>
-                  </a:outerShdw>
-                </a:effectLst>
-              </a14:hiddenEffects>
-            </a:ext>
-          </a:extLst>
-        </p:spPr>
-      </p:pic>
-      <p:sp>
-        <p:nvSpPr>
-          <p:cNvPr id="6" name="ZoneTexte 5"/>
-          <p:cNvSpPr txBox="1"/>
-          <p:nvPr/>
-        </p:nvSpPr>
-        <p:spPr>
-          <a:xfrm>
-            <a:off x="4932040" y="4437112"/>
-            <a:ext cx="4211960" cy="1477328"/>
-          </a:xfrm>
-          <a:prstGeom prst="rect">
-            <a:avLst/>
-          </a:prstGeom>
-          <a:noFill/>
-        </p:spPr>
-        <p:txBody>
-          <a:bodyPr wrap="square" rtlCol="0">
-            <a:spAutoFit/>
-          </a:bodyPr>
-          <a:lstStyle/>
-          <a:p>
-            <a:pPr>
-              <a:lnSpc>
-                <a:spcPct val="200000"/>
-              </a:lnSpc>
-            </a:pPr>
-            <a:r>
-              <a:rPr lang="fr-FR" u="sng" dirty="0" err="1" smtClean="0"/>
-              <a:t>Parameters</a:t>
-            </a:r>
-            <a:r>
-              <a:rPr lang="fr-FR" u="sng" dirty="0" smtClean="0"/>
-              <a:t>:</a:t>
-            </a:r>
-          </a:p>
-          <a:p>
-            <a:pPr>
-              <a:spcAft>
-                <a:spcPts val="3000"/>
-              </a:spcAft>
-            </a:pPr>
-            <a:r>
-              <a:rPr lang="fr-FR" dirty="0" err="1" smtClean="0"/>
-              <a:t>Column</a:t>
-            </a:r>
-            <a:r>
-              <a:rPr lang="fr-FR" dirty="0" smtClean="0"/>
-              <a:t>: Voltage - Aperture – </a:t>
-            </a:r>
-            <a:r>
-              <a:rPr lang="fr-FR" dirty="0" err="1" smtClean="0"/>
-              <a:t>Current</a:t>
-            </a:r>
-            <a:r>
-              <a:rPr lang="fr-FR" dirty="0" smtClean="0"/>
-              <a:t/>
-            </a:r>
-            <a:br>
-              <a:rPr lang="fr-FR" dirty="0" smtClean="0"/>
-            </a:br>
-            <a:r>
-              <a:rPr lang="fr-FR" dirty="0" smtClean="0"/>
-              <a:t>Dot, line and area doses (</a:t>
-            </a:r>
-            <a:r>
-              <a:rPr lang="fr-FR" dirty="0" err="1" smtClean="0"/>
-              <a:t>pC</a:t>
-            </a:r>
-            <a:r>
-              <a:rPr lang="fr-FR" dirty="0" smtClean="0"/>
-              <a:t>)</a:t>
-            </a:r>
-            <a:br>
-              <a:rPr lang="fr-FR" dirty="0" smtClean="0"/>
-            </a:br>
-            <a:r>
-              <a:rPr lang="fr-FR" dirty="0" err="1" smtClean="0"/>
-              <a:t>Number</a:t>
-            </a:r>
-            <a:r>
-              <a:rPr lang="fr-FR" dirty="0" smtClean="0"/>
-              <a:t> of </a:t>
-            </a:r>
-            <a:r>
-              <a:rPr lang="fr-FR" dirty="0" err="1" smtClean="0"/>
-              <a:t>loops</a:t>
-            </a:r>
-            <a:endParaRPr lang="fr-FR" dirty="0"/>
-          </a:p>
-        </p:txBody>
-      </p:sp>
-    </p:spTree>
-    <p:extLst>
-      <p:ext uri="{BB962C8B-B14F-4D97-AF65-F5344CB8AC3E}">
-        <p14:creationId xmlns:p14="http://schemas.microsoft.com/office/powerpoint/2010/main" val="3468856319"/>
-      </p:ext>
-    </p:extLst>
-  </p:cSld>
-  <p:clrMapOvr>
-    <a:masterClrMapping/>
-  </p:clrMapOvr>
-  <p:timing>
-    <p:tnLst>
-      <p:par>
-        <p:cTn id="1" dur="indefinite" restart="never" nodeType="tmRoot"/>
-      </p:par>
-    </p:tnLst>
-  </p:timing>
-</p:sld>
-</file>
-
-<file path=ppt/slides/slide4.xml><?xml version="1.0" encoding="utf-8"?>
-<p:sld xmlns:a="http://schemas.openxmlformats.org/drawingml/2006/main" xmlns:r="http://schemas.openxmlformats.org/officeDocument/2006/relationships" xmlns:p="http://schemas.openxmlformats.org/presentationml/2006/main">
-  <p:cSld>
-    <p:spTree>
-      <p:nvGrpSpPr>
-        <p:cNvPr id="1" name=""/>
-        <p:cNvGrpSpPr/>
-        <p:nvPr/>
-      </p:nvGrpSpPr>
-      <p:grpSpPr>
-        <a:xfrm>
-          <a:off x="0" y="0"/>
-          <a:ext cx="0" cy="0"/>
-          <a:chOff x="0" y="0"/>
-          <a:chExt cx="0" cy="0"/>
-        </a:xfrm>
-      </p:grpSpPr>
-      <p:sp>
-        <p:nvSpPr>
-          <p:cNvPr id="3" name="Espace réservé du contenu 2"/>
-          <p:cNvSpPr>
-            <a:spLocks noGrp="1"/>
-          </p:cNvSpPr>
-          <p:nvPr>
-            <p:ph sz="quarter" idx="1"/>
-          </p:nvPr>
-        </p:nvSpPr>
-        <p:spPr/>
-        <p:txBody>
-          <a:bodyPr/>
-          <a:lstStyle/>
-          <a:p>
-            <a:endParaRPr lang="en-AU" dirty="0" smtClean="0"/>
-          </a:p>
-          <a:p>
-            <a:endParaRPr lang="en-AU" dirty="0"/>
-          </a:p>
-        </p:txBody>
-      </p:sp>
-      <p:pic>
-        <p:nvPicPr>
-          <p:cNvPr id="3076" name="Picture 4"/>
+          <p:cNvPr id="5" name="Picture 6"/>
           <p:cNvPicPr>
             <a:picLocks noChangeAspect="1" noChangeArrowheads="1"/>
           </p:cNvPicPr>
@@ -6897,8 +6551,8 @@
         </p:blipFill>
         <p:spPr bwMode="auto">
           <a:xfrm>
-            <a:off x="323528" y="1700809"/>
-            <a:ext cx="4824536" cy="2700120"/>
+            <a:off x="175558" y="1768460"/>
+            <a:ext cx="3364245" cy="3460740"/>
           </a:xfrm>
           <a:prstGeom prst="rect">
             <a:avLst/>
@@ -6909,14 +6563,14 @@
           </a:ln>
           <a:effectLst/>
           <a:extLst>
-            <a:ext uri="{909E8E84-426E-40DD-AFC4-6F175D3DCCD1}">
+            <a:ext uri="{909E8E84-426E-40dd-AFC4-6F175D3DCCD1}">
               <a14:hiddenFill xmlns:a14="http://schemas.microsoft.com/office/drawing/2010/main">
                 <a:solidFill>
                   <a:schemeClr val="accent1"/>
                 </a:solidFill>
               </a14:hiddenFill>
             </a:ext>
-            <a:ext uri="{91240B29-F687-4F45-9708-019B960494DF}">
+            <a:ext uri="{91240B29-F687-4f45-9708-019B960494DF}">
               <a14:hiddenLine xmlns:a14="http://schemas.microsoft.com/office/drawing/2010/main" w="9525">
                 <a:solidFill>
                   <a:schemeClr val="tx1"/>
@@ -6926,7 +6580,7 @@
                 <a:tailEnd/>
               </a14:hiddenLine>
             </a:ext>
-            <a:ext uri="{AF507438-7753-43E0-B8FC-AC1667EBCBE1}">
+            <a:ext uri="{AF507438-7753-43e0-B8FC-AC1667EBCBE1}">
               <a14:hiddenEffects xmlns:a14="http://schemas.microsoft.com/office/drawing/2010/main">
                 <a:effectLst>
                   <a:outerShdw dist="35921" dir="2700000" algn="ctr" rotWithShape="0">
@@ -6940,102 +6594,84 @@
       </p:pic>
       <p:sp>
         <p:nvSpPr>
-          <p:cNvPr id="23" name="ZoneTexte 22"/>
+          <p:cNvPr id="6" name="ZoneTexte 5"/>
           <p:cNvSpPr txBox="1"/>
           <p:nvPr/>
         </p:nvSpPr>
         <p:spPr>
           <a:xfrm>
-            <a:off x="5508104" y="1988840"/>
-            <a:ext cx="4392488" cy="1200329"/>
+            <a:off x="899592" y="4081427"/>
+            <a:ext cx="2468946" cy="584775"/>
           </a:xfrm>
           <a:prstGeom prst="rect">
             <a:avLst/>
           </a:prstGeom>
-          <a:noFill/>
-        </p:spPr>
-        <p:txBody>
-          <a:bodyPr wrap="square" rtlCol="0">
-            <a:spAutoFit/>
-          </a:bodyPr>
-          <a:lstStyle/>
-          <a:p>
-            <a:r>
-              <a:rPr lang="en-AU" dirty="0" smtClean="0"/>
-              <a:t>Repeatability</a:t>
-            </a:r>
-          </a:p>
-          <a:p>
-            <a:r>
-              <a:rPr lang="en-AU" dirty="0" smtClean="0"/>
-              <a:t>Step between dots</a:t>
-            </a:r>
-          </a:p>
-          <a:p>
-            <a:r>
-              <a:rPr lang="en-AU" dirty="0" smtClean="0"/>
-              <a:t>Total charge to mill through</a:t>
-            </a:r>
-          </a:p>
-          <a:p>
-            <a:r>
-              <a:rPr lang="en-AU" dirty="0" smtClean="0"/>
-              <a:t>	Hole size</a:t>
-            </a:r>
-            <a:r>
-              <a:rPr lang="fr-FR" dirty="0" smtClean="0"/>
-              <a:t> </a:t>
-            </a:r>
-            <a:endParaRPr lang="fr-FR" dirty="0"/>
-          </a:p>
-        </p:txBody>
-      </p:sp>
-      <p:cxnSp>
-        <p:nvCxnSpPr>
-          <p:cNvPr id="25" name="Connecteur droit avec flèche 24"/>
-          <p:cNvCxnSpPr/>
-          <p:nvPr/>
-        </p:nvCxnSpPr>
-        <p:spPr>
-          <a:xfrm>
-            <a:off x="5940152" y="2996952"/>
-            <a:ext cx="432048" cy="0"/>
-          </a:xfrm>
-          <a:prstGeom prst="straightConnector1">
-            <a:avLst/>
-          </a:prstGeom>
-          <a:ln w="28575">
+          <a:solidFill>
+            <a:schemeClr val="bg1"/>
+          </a:solidFill>
+          <a:ln w="12700">
             <a:solidFill>
               <a:schemeClr val="tx1"/>
             </a:solidFill>
-            <a:tailEnd type="arrow"/>
+            <a:prstDash val="sysDash"/>
           </a:ln>
         </p:spPr>
-        <p:style>
-          <a:lnRef idx="1">
-            <a:schemeClr val="accent1"/>
-          </a:lnRef>
-          <a:fillRef idx="0">
-            <a:schemeClr val="accent1"/>
-          </a:fillRef>
-          <a:effectRef idx="0">
-            <a:schemeClr val="accent1"/>
-          </a:effectRef>
-          <a:fontRef idx="minor">
-            <a:schemeClr val="tx1"/>
-          </a:fontRef>
-        </p:style>
-      </p:cxnSp>
+        <p:txBody>
+          <a:bodyPr wrap="none" rtlCol="0">
+            <a:spAutoFit/>
+          </a:bodyPr>
+          <a:lstStyle/>
+          <a:p>
+            <a:pPr algn="ctr"/>
+            <a:r>
+              <a:rPr lang="fr-FR" sz="1600" dirty="0" smtClean="0"/>
+              <a:t>1 </a:t>
+            </a:r>
+            <a:r>
+              <a:rPr lang="fr-FR" sz="1600" dirty="0" err="1" smtClean="0"/>
+              <a:t>loop</a:t>
+            </a:r>
+            <a:r>
+              <a:rPr lang="fr-FR" sz="1600" dirty="0" smtClean="0"/>
+              <a:t> </a:t>
+            </a:r>
+          </a:p>
+          <a:p>
+            <a:pPr algn="ctr"/>
+            <a:r>
+              <a:rPr lang="fr-FR" sz="1600" dirty="0" err="1" smtClean="0"/>
+              <a:t>Milled</a:t>
+            </a:r>
+            <a:r>
+              <a:rPr lang="fr-FR" sz="1600" dirty="0" smtClean="0"/>
+              <a:t> </a:t>
+            </a:r>
+            <a:r>
+              <a:rPr lang="fr-FR" sz="1600" dirty="0" err="1" smtClean="0"/>
+              <a:t>through</a:t>
+            </a:r>
+            <a:r>
+              <a:rPr lang="fr-FR" sz="1600" dirty="0" smtClean="0"/>
+              <a:t> for 1,6 </a:t>
+            </a:r>
+            <a:r>
+              <a:rPr lang="fr-FR" sz="1600" dirty="0" err="1" smtClean="0"/>
+              <a:t>pC</a:t>
+            </a:r>
+            <a:endParaRPr lang="fr-FR" sz="1600" dirty="0"/>
+          </a:p>
+        </p:txBody>
+      </p:sp>
       <p:pic>
         <p:nvPicPr>
-          <p:cNvPr id="3080" name="Picture 8"/>
+          <p:cNvPr id="7" name="Picture 7"/>
           <p:cNvPicPr>
             <a:picLocks noChangeAspect="1" noChangeArrowheads="1"/>
           </p:cNvPicPr>
           <p:nvPr/>
         </p:nvPicPr>
         <p:blipFill>
-          <a:blip r:embed="rId3">
+          <a:blip r:embed="rId3" cstate="print">
             <a:extLst>
               <a:ext uri="{28A0092B-C50C-407E-A947-70E740481C1C}">
                 <a14:useLocalDpi xmlns:a14="http://schemas.microsoft.com/office/drawing/2010/main" val="0"/>
@@ -7049,8 +6685,8 @@
         </p:blipFill>
         <p:spPr bwMode="auto">
           <a:xfrm>
-            <a:off x="349051" y="4581128"/>
-            <a:ext cx="5765701" cy="1743119"/>
+            <a:off x="6372200" y="1768460"/>
+            <a:ext cx="2601805" cy="2236604"/>
           </a:xfrm>
           <a:prstGeom prst="rect">
             <a:avLst/>
@@ -7061,14 +6697,14 @@
           </a:ln>
           <a:effectLst/>
           <a:extLst>
-            <a:ext uri="{909E8E84-426E-40DD-AFC4-6F175D3DCCD1}">
+            <a:ext uri="{909E8E84-426E-40dd-AFC4-6F175D3DCCD1}">
               <a14:hiddenFill xmlns:a14="http://schemas.microsoft.com/office/drawing/2010/main">
                 <a:solidFill>
                   <a:schemeClr val="accent1"/>
                 </a:solidFill>
               </a14:hiddenFill>
             </a:ext>
-            <a:ext uri="{91240B29-F687-4F45-9708-019B960494DF}">
+            <a:ext uri="{91240B29-F687-4f45-9708-019B960494DF}">
               <a14:hiddenLine xmlns:a14="http://schemas.microsoft.com/office/drawing/2010/main" w="9525">
                 <a:solidFill>
                   <a:schemeClr val="tx1"/>
@@ -7078,7 +6714,7 @@
                 <a:tailEnd/>
               </a14:hiddenLine>
             </a:ext>
-            <a:ext uri="{AF507438-7753-43E0-B8FC-AC1667EBCBE1}">
+            <a:ext uri="{AF507438-7753-43e0-B8FC-AC1667EBCBE1}">
               <a14:hiddenEffects xmlns:a14="http://schemas.microsoft.com/office/drawing/2010/main">
                 <a:effectLst>
                   <a:outerShdw dist="35921" dir="2700000" algn="ctr" rotWithShape="0">
@@ -7092,14 +6728,14 @@
       </p:pic>
       <p:sp>
         <p:nvSpPr>
-          <p:cNvPr id="26" name="ZoneTexte 25"/>
+          <p:cNvPr id="8" name="ZoneTexte 7"/>
           <p:cNvSpPr txBox="1"/>
           <p:nvPr/>
         </p:nvSpPr>
         <p:spPr>
           <a:xfrm>
-            <a:off x="464613" y="5894164"/>
-            <a:ext cx="2145139" cy="369332"/>
+            <a:off x="6472500" y="4212538"/>
+            <a:ext cx="2502609" cy="584775"/>
           </a:xfrm>
           <a:prstGeom prst="rect">
             <a:avLst/>
@@ -7107,6 +6743,12 @@
           <a:solidFill>
             <a:schemeClr val="bg1"/>
           </a:solidFill>
+          <a:ln w="12700">
+            <a:solidFill>
+              <a:schemeClr val="tx1"/>
+            </a:solidFill>
+            <a:prstDash val="sysDash"/>
+          </a:ln>
         </p:spPr>
         <p:txBody>
           <a:bodyPr wrap="none" rtlCol="0">
@@ -7114,73 +6756,49 @@
           </a:bodyPr>
           <a:lstStyle/>
           <a:p>
-            <a:r>
-              <a:rPr lang="fr-FR" dirty="0" smtClean="0"/>
-              <a:t>Not </a:t>
-            </a:r>
-            <a:r>
-              <a:rPr lang="fr-FR" dirty="0" err="1" smtClean="0"/>
-              <a:t>milled</a:t>
-            </a:r>
-            <a:r>
-              <a:rPr lang="fr-FR" dirty="0" smtClean="0"/>
+            <a:pPr algn="ctr"/>
+            <a:r>
+              <a:rPr lang="fr-FR" sz="1600" dirty="0" smtClean="0"/>
+              <a:t>200 </a:t>
+            </a:r>
+            <a:r>
+              <a:rPr lang="fr-FR" sz="1600" dirty="0" err="1" smtClean="0"/>
+              <a:t>loops</a:t>
+            </a:r>
+            <a:r>
+              <a:rPr lang="fr-FR" sz="1600" dirty="0" smtClean="0"/>
               <a:t> </a:t>
             </a:r>
-            <a:r>
-              <a:rPr lang="fr-FR" dirty="0" err="1" smtClean="0"/>
+          </a:p>
+          <a:p>
+            <a:pPr algn="ctr"/>
+            <a:r>
+              <a:rPr lang="fr-FR" sz="1600" dirty="0" err="1" smtClean="0"/>
+              <a:t>Milled</a:t>
+            </a:r>
+            <a:r>
+              <a:rPr lang="fr-FR" sz="1600" dirty="0" smtClean="0"/>
+              <a:t> </a:t>
+            </a:r>
+            <a:r>
+              <a:rPr lang="fr-FR" sz="1600" dirty="0" err="1" smtClean="0"/>
               <a:t>through</a:t>
             </a:r>
-            <a:endParaRPr lang="fr-FR" dirty="0"/>
-          </a:p>
-        </p:txBody>
-      </p:sp>
-      <p:sp>
-        <p:nvSpPr>
-          <p:cNvPr id="36" name="ZoneTexte 35"/>
-          <p:cNvSpPr txBox="1"/>
-          <p:nvPr/>
-        </p:nvSpPr>
-        <p:spPr>
-          <a:xfrm>
-            <a:off x="3954177" y="5894164"/>
-            <a:ext cx="1923925" cy="369332"/>
-          </a:xfrm>
-          <a:prstGeom prst="rect">
-            <a:avLst/>
-          </a:prstGeom>
-          <a:solidFill>
-            <a:schemeClr val="bg1"/>
-          </a:solidFill>
-        </p:spPr>
-        <p:txBody>
-          <a:bodyPr wrap="none" rtlCol="0">
-            <a:spAutoFit/>
-          </a:bodyPr>
-          <a:lstStyle/>
-          <a:p>
-            <a:r>
-              <a:rPr lang="fr-FR" dirty="0" smtClean="0"/>
-              <a:t>~ </a:t>
-            </a:r>
-            <a:r>
-              <a:rPr lang="fr-FR" dirty="0" err="1" smtClean="0"/>
-              <a:t>Milled</a:t>
-            </a:r>
-            <a:r>
-              <a:rPr lang="fr-FR" dirty="0" smtClean="0"/>
-              <a:t> </a:t>
-            </a:r>
-            <a:r>
-              <a:rPr lang="fr-FR" dirty="0" err="1" smtClean="0"/>
-              <a:t>through</a:t>
-            </a:r>
-            <a:endParaRPr lang="fr-FR" dirty="0"/>
+            <a:r>
+              <a:rPr lang="fr-FR" sz="1600" dirty="0" smtClean="0"/>
+              <a:t> for 2,8 </a:t>
+            </a:r>
+            <a:r>
+              <a:rPr lang="fr-FR" sz="1600" dirty="0" err="1" smtClean="0"/>
+              <a:t>pC</a:t>
+            </a:r>
+            <a:endParaRPr lang="fr-FR" sz="1600" dirty="0"/>
           </a:p>
         </p:txBody>
       </p:sp>
       <p:pic>
         <p:nvPicPr>
-          <p:cNvPr id="3081" name="Picture 9"/>
+          <p:cNvPr id="4098" name="Picture 2"/>
           <p:cNvPicPr>
             <a:picLocks noChangeAspect="1" noChangeArrowheads="1"/>
           </p:cNvPicPr>
@@ -7201,8 +6819,8 @@
         </p:blipFill>
         <p:spPr bwMode="auto">
           <a:xfrm>
-            <a:off x="6804248" y="3857703"/>
-            <a:ext cx="1409700" cy="1990725"/>
+            <a:off x="3491880" y="1768460"/>
+            <a:ext cx="2861908" cy="2444078"/>
           </a:xfrm>
           <a:prstGeom prst="rect">
             <a:avLst/>
@@ -7213,14 +6831,14 @@
           </a:ln>
           <a:effectLst/>
           <a:extLst>
-            <a:ext uri="{909E8E84-426E-40DD-AFC4-6F175D3DCCD1}">
+            <a:ext uri="{909E8E84-426E-40dd-AFC4-6F175D3DCCD1}">
               <a14:hiddenFill xmlns:a14="http://schemas.microsoft.com/office/drawing/2010/main">
                 <a:solidFill>
                   <a:schemeClr val="accent1"/>
                 </a:solidFill>
               </a14:hiddenFill>
             </a:ext>
-            <a:ext uri="{91240B29-F687-4F45-9708-019B960494DF}">
+            <a:ext uri="{91240B29-F687-4f45-9708-019B960494DF}">
               <a14:hiddenLine xmlns:a14="http://schemas.microsoft.com/office/drawing/2010/main" w="9525">
                 <a:solidFill>
                   <a:schemeClr val="tx1"/>
@@ -7230,503 +6848,7 @@
                 <a:tailEnd/>
               </a14:hiddenLine>
             </a:ext>
-            <a:ext uri="{AF507438-7753-43E0-B8FC-AC1667EBCBE1}">
-              <a14:hiddenEffects xmlns:a14="http://schemas.microsoft.com/office/drawing/2010/main">
-                <a:effectLst>
-                  <a:outerShdw dist="35921" dir="2700000" algn="ctr" rotWithShape="0">
-                    <a:schemeClr val="bg2"/>
-                  </a:outerShdw>
-                </a:effectLst>
-              </a14:hiddenEffects>
-            </a:ext>
-          </a:extLst>
-        </p:spPr>
-      </p:pic>
-      <p:sp>
-        <p:nvSpPr>
-          <p:cNvPr id="38" name="ZoneTexte 37"/>
-          <p:cNvSpPr txBox="1"/>
-          <p:nvPr/>
-        </p:nvSpPr>
-        <p:spPr>
-          <a:xfrm>
-            <a:off x="6516216" y="5894164"/>
-            <a:ext cx="2182008" cy="369332"/>
-          </a:xfrm>
-          <a:prstGeom prst="rect">
-            <a:avLst/>
-          </a:prstGeom>
-          <a:solidFill>
-            <a:schemeClr val="bg1"/>
-          </a:solidFill>
-        </p:spPr>
-        <p:txBody>
-          <a:bodyPr wrap="none" rtlCol="0">
-            <a:spAutoFit/>
-          </a:bodyPr>
-          <a:lstStyle/>
-          <a:p>
-            <a:r>
-              <a:rPr lang="fr-FR" dirty="0" smtClean="0"/>
-              <a:t>Not </a:t>
-            </a:r>
-            <a:r>
-              <a:rPr lang="fr-FR" dirty="0" err="1" smtClean="0"/>
-              <a:t>distinguishable</a:t>
-            </a:r>
-            <a:endParaRPr lang="fr-FR" dirty="0"/>
-          </a:p>
-        </p:txBody>
-      </p:sp>
-      <p:sp>
-        <p:nvSpPr>
-          <p:cNvPr id="39" name="ZoneTexte 38"/>
-          <p:cNvSpPr txBox="1"/>
-          <p:nvPr/>
-        </p:nvSpPr>
-        <p:spPr>
-          <a:xfrm>
-            <a:off x="6601962" y="3429000"/>
-            <a:ext cx="1784463" cy="369332"/>
-          </a:xfrm>
-          <a:prstGeom prst="rect">
-            <a:avLst/>
-          </a:prstGeom>
-          <a:solidFill>
-            <a:schemeClr val="bg1"/>
-          </a:solidFill>
-        </p:spPr>
-        <p:txBody>
-          <a:bodyPr wrap="none" rtlCol="0">
-            <a:spAutoFit/>
-          </a:bodyPr>
-          <a:lstStyle/>
-          <a:p>
-            <a:r>
-              <a:rPr lang="fr-FR" dirty="0" err="1" smtClean="0"/>
-              <a:t>Distinguishable</a:t>
-            </a:r>
-            <a:endParaRPr lang="fr-FR" dirty="0"/>
-          </a:p>
-        </p:txBody>
-      </p:sp>
-      <p:sp>
-        <p:nvSpPr>
-          <p:cNvPr id="42" name="Titre 1"/>
-          <p:cNvSpPr>
-            <a:spLocks noGrp="1"/>
-          </p:cNvSpPr>
-          <p:nvPr>
-            <p:ph type="title"/>
-          </p:nvPr>
-        </p:nvSpPr>
-        <p:spPr>
-          <a:xfrm>
-            <a:off x="301752" y="228600"/>
-            <a:ext cx="8534400" cy="758952"/>
-          </a:xfrm>
-        </p:spPr>
-        <p:txBody>
-          <a:bodyPr/>
-          <a:lstStyle/>
-          <a:p>
-            <a:r>
-              <a:rPr lang="fr-FR" dirty="0" smtClean="0"/>
-              <a:t>Tests of </a:t>
-            </a:r>
-            <a:r>
-              <a:rPr lang="fr-FR" dirty="0" err="1" smtClean="0"/>
-              <a:t>resolution</a:t>
-            </a:r>
-            <a:endParaRPr lang="fr-FR" dirty="0"/>
-          </a:p>
-        </p:txBody>
-      </p:sp>
-    </p:spTree>
-    <p:extLst>
-      <p:ext uri="{BB962C8B-B14F-4D97-AF65-F5344CB8AC3E}">
-        <p14:creationId xmlns:p14="http://schemas.microsoft.com/office/powerpoint/2010/main" val="2117400454"/>
-      </p:ext>
-    </p:extLst>
-  </p:cSld>
-  <p:clrMapOvr>
-    <a:masterClrMapping/>
-  </p:clrMapOvr>
-  <p:timing>
-    <p:tnLst>
-      <p:par>
-        <p:cTn id="1" dur="indefinite" restart="never" nodeType="tmRoot"/>
-      </p:par>
-    </p:tnLst>
-  </p:timing>
-</p:sld>
-</file>
-
-<file path=ppt/slides/slide5.xml><?xml version="1.0" encoding="utf-8"?>
-<p:sld xmlns:a="http://schemas.openxmlformats.org/drawingml/2006/main" xmlns:r="http://schemas.openxmlformats.org/officeDocument/2006/relationships" xmlns:p="http://schemas.openxmlformats.org/presentationml/2006/main">
-  <p:cSld>
-    <p:spTree>
-      <p:nvGrpSpPr>
-        <p:cNvPr id="1" name=""/>
-        <p:cNvGrpSpPr/>
-        <p:nvPr/>
-      </p:nvGrpSpPr>
-      <p:grpSpPr>
-        <a:xfrm>
-          <a:off x="0" y="0"/>
-          <a:ext cx="0" cy="0"/>
-          <a:chOff x="0" y="0"/>
-          <a:chExt cx="0" cy="0"/>
-        </a:xfrm>
-      </p:grpSpPr>
-      <p:sp>
-        <p:nvSpPr>
-          <p:cNvPr id="2" name="Titre 1"/>
-          <p:cNvSpPr>
-            <a:spLocks noGrp="1"/>
-          </p:cNvSpPr>
-          <p:nvPr>
-            <p:ph type="title"/>
-          </p:nvPr>
-        </p:nvSpPr>
-        <p:spPr/>
-        <p:txBody>
-          <a:bodyPr/>
-          <a:lstStyle/>
-          <a:p>
-            <a:r>
-              <a:rPr lang="fr-FR" dirty="0" smtClean="0"/>
-              <a:t>Tests of </a:t>
-            </a:r>
-            <a:r>
-              <a:rPr lang="fr-FR" dirty="0" err="1" smtClean="0"/>
-              <a:t>resolution</a:t>
-            </a:r>
-            <a:endParaRPr lang="fr-FR" dirty="0"/>
-          </a:p>
-        </p:txBody>
-      </p:sp>
-      <p:pic>
-        <p:nvPicPr>
-          <p:cNvPr id="5" name="Picture 6"/>
-          <p:cNvPicPr>
-            <a:picLocks noChangeAspect="1" noChangeArrowheads="1"/>
-          </p:cNvPicPr>
-          <p:nvPr/>
-        </p:nvPicPr>
-        <p:blipFill>
-          <a:blip r:embed="rId2">
-            <a:extLst>
-              <a:ext uri="{28A0092B-C50C-407E-A947-70E740481C1C}">
-                <a14:useLocalDpi xmlns:a14="http://schemas.microsoft.com/office/drawing/2010/main" val="0"/>
-              </a:ext>
-            </a:extLst>
-          </a:blip>
-          <a:srcRect/>
-          <a:stretch>
-            <a:fillRect/>
-          </a:stretch>
-        </p:blipFill>
-        <p:spPr bwMode="auto">
-          <a:xfrm>
-            <a:off x="175558" y="1768460"/>
-            <a:ext cx="3364245" cy="3460740"/>
-          </a:xfrm>
-          <a:prstGeom prst="rect">
-            <a:avLst/>
-          </a:prstGeom>
-          <a:noFill/>
-          <a:ln>
-            <a:noFill/>
-          </a:ln>
-          <a:effectLst/>
-          <a:extLst>
-            <a:ext uri="{909E8E84-426E-40DD-AFC4-6F175D3DCCD1}">
-              <a14:hiddenFill xmlns:a14="http://schemas.microsoft.com/office/drawing/2010/main">
-                <a:solidFill>
-                  <a:schemeClr val="accent1"/>
-                </a:solidFill>
-              </a14:hiddenFill>
-            </a:ext>
-            <a:ext uri="{91240B29-F687-4F45-9708-019B960494DF}">
-              <a14:hiddenLine xmlns:a14="http://schemas.microsoft.com/office/drawing/2010/main" w="9525">
-                <a:solidFill>
-                  <a:schemeClr val="tx1"/>
-                </a:solidFill>
-                <a:miter lim="800000"/>
-                <a:headEnd/>
-                <a:tailEnd/>
-              </a14:hiddenLine>
-            </a:ext>
-            <a:ext uri="{AF507438-7753-43E0-B8FC-AC1667EBCBE1}">
-              <a14:hiddenEffects xmlns:a14="http://schemas.microsoft.com/office/drawing/2010/main">
-                <a:effectLst>
-                  <a:outerShdw dist="35921" dir="2700000" algn="ctr" rotWithShape="0">
-                    <a:schemeClr val="bg2"/>
-                  </a:outerShdw>
-                </a:effectLst>
-              </a14:hiddenEffects>
-            </a:ext>
-          </a:extLst>
-        </p:spPr>
-      </p:pic>
-      <p:sp>
-        <p:nvSpPr>
-          <p:cNvPr id="6" name="ZoneTexte 5"/>
-          <p:cNvSpPr txBox="1"/>
-          <p:nvPr/>
-        </p:nvSpPr>
-        <p:spPr>
-          <a:xfrm>
-            <a:off x="899592" y="4081427"/>
-            <a:ext cx="2468946" cy="584775"/>
-          </a:xfrm>
-          <a:prstGeom prst="rect">
-            <a:avLst/>
-          </a:prstGeom>
-          <a:solidFill>
-            <a:schemeClr val="bg1"/>
-          </a:solidFill>
-          <a:ln w="12700">
-            <a:solidFill>
-              <a:schemeClr val="tx1"/>
-            </a:solidFill>
-            <a:prstDash val="sysDash"/>
-          </a:ln>
-        </p:spPr>
-        <p:txBody>
-          <a:bodyPr wrap="none" rtlCol="0">
-            <a:spAutoFit/>
-          </a:bodyPr>
-          <a:lstStyle/>
-          <a:p>
-            <a:pPr algn="ctr"/>
-            <a:r>
-              <a:rPr lang="fr-FR" sz="1600" dirty="0" smtClean="0"/>
-              <a:t>1 </a:t>
-            </a:r>
-            <a:r>
-              <a:rPr lang="fr-FR" sz="1600" dirty="0" err="1" smtClean="0"/>
-              <a:t>loop</a:t>
-            </a:r>
-            <a:r>
-              <a:rPr lang="fr-FR" sz="1600" dirty="0" smtClean="0"/>
-              <a:t> </a:t>
-            </a:r>
-          </a:p>
-          <a:p>
-            <a:pPr algn="ctr"/>
-            <a:r>
-              <a:rPr lang="fr-FR" sz="1600" dirty="0" err="1" smtClean="0"/>
-              <a:t>Milled</a:t>
-            </a:r>
-            <a:r>
-              <a:rPr lang="fr-FR" sz="1600" dirty="0" smtClean="0"/>
-              <a:t> </a:t>
-            </a:r>
-            <a:r>
-              <a:rPr lang="fr-FR" sz="1600" dirty="0" err="1" smtClean="0"/>
-              <a:t>through</a:t>
-            </a:r>
-            <a:r>
-              <a:rPr lang="fr-FR" sz="1600" dirty="0" smtClean="0"/>
-              <a:t> for 1,6 </a:t>
-            </a:r>
-            <a:r>
-              <a:rPr lang="fr-FR" sz="1600" dirty="0" err="1" smtClean="0"/>
-              <a:t>pC</a:t>
-            </a:r>
-            <a:endParaRPr lang="fr-FR" sz="1600" dirty="0"/>
-          </a:p>
-        </p:txBody>
-      </p:sp>
-      <p:pic>
-        <p:nvPicPr>
-          <p:cNvPr id="7" name="Picture 7"/>
-          <p:cNvPicPr>
-            <a:picLocks noChangeAspect="1" noChangeArrowheads="1"/>
-          </p:cNvPicPr>
-          <p:nvPr/>
-        </p:nvPicPr>
-        <p:blipFill>
-          <a:blip r:embed="rId3" cstate="print">
-            <a:extLst>
-              <a:ext uri="{28A0092B-C50C-407E-A947-70E740481C1C}">
-                <a14:useLocalDpi xmlns:a14="http://schemas.microsoft.com/office/drawing/2010/main" val="0"/>
-              </a:ext>
-            </a:extLst>
-          </a:blip>
-          <a:srcRect/>
-          <a:stretch>
-            <a:fillRect/>
-          </a:stretch>
-        </p:blipFill>
-        <p:spPr bwMode="auto">
-          <a:xfrm>
-            <a:off x="6372200" y="1768460"/>
-            <a:ext cx="2601805" cy="2236604"/>
-          </a:xfrm>
-          <a:prstGeom prst="rect">
-            <a:avLst/>
-          </a:prstGeom>
-          <a:noFill/>
-          <a:ln>
-            <a:noFill/>
-          </a:ln>
-          <a:effectLst/>
-          <a:extLst>
-            <a:ext uri="{909E8E84-426E-40DD-AFC4-6F175D3DCCD1}">
-              <a14:hiddenFill xmlns:a14="http://schemas.microsoft.com/office/drawing/2010/main">
-                <a:solidFill>
-                  <a:schemeClr val="accent1"/>
-                </a:solidFill>
-              </a14:hiddenFill>
-            </a:ext>
-            <a:ext uri="{91240B29-F687-4F45-9708-019B960494DF}">
-              <a14:hiddenLine xmlns:a14="http://schemas.microsoft.com/office/drawing/2010/main" w="9525">
-                <a:solidFill>
-                  <a:schemeClr val="tx1"/>
-                </a:solidFill>
-                <a:miter lim="800000"/>
-                <a:headEnd/>
-                <a:tailEnd/>
-              </a14:hiddenLine>
-            </a:ext>
-            <a:ext uri="{AF507438-7753-43E0-B8FC-AC1667EBCBE1}">
-              <a14:hiddenEffects xmlns:a14="http://schemas.microsoft.com/office/drawing/2010/main">
-                <a:effectLst>
-                  <a:outerShdw dist="35921" dir="2700000" algn="ctr" rotWithShape="0">
-                    <a:schemeClr val="bg2"/>
-                  </a:outerShdw>
-                </a:effectLst>
-              </a14:hiddenEffects>
-            </a:ext>
-          </a:extLst>
-        </p:spPr>
-      </p:pic>
-      <p:sp>
-        <p:nvSpPr>
-          <p:cNvPr id="8" name="ZoneTexte 7"/>
-          <p:cNvSpPr txBox="1"/>
-          <p:nvPr/>
-        </p:nvSpPr>
-        <p:spPr>
-          <a:xfrm>
-            <a:off x="6472500" y="4212538"/>
-            <a:ext cx="2502609" cy="584775"/>
-          </a:xfrm>
-          <a:prstGeom prst="rect">
-            <a:avLst/>
-          </a:prstGeom>
-          <a:solidFill>
-            <a:schemeClr val="bg1"/>
-          </a:solidFill>
-          <a:ln w="12700">
-            <a:solidFill>
-              <a:schemeClr val="tx1"/>
-            </a:solidFill>
-            <a:prstDash val="sysDash"/>
-          </a:ln>
-        </p:spPr>
-        <p:txBody>
-          <a:bodyPr wrap="none" rtlCol="0">
-            <a:spAutoFit/>
-          </a:bodyPr>
-          <a:lstStyle/>
-          <a:p>
-            <a:pPr algn="ctr"/>
-            <a:r>
-              <a:rPr lang="fr-FR" sz="1600" dirty="0" smtClean="0"/>
-              <a:t>200 </a:t>
-            </a:r>
-            <a:r>
-              <a:rPr lang="fr-FR" sz="1600" dirty="0" err="1" smtClean="0"/>
-              <a:t>loops</a:t>
-            </a:r>
-            <a:r>
-              <a:rPr lang="fr-FR" sz="1600" dirty="0" smtClean="0"/>
-              <a:t> </a:t>
-            </a:r>
-          </a:p>
-          <a:p>
-            <a:pPr algn="ctr"/>
-            <a:r>
-              <a:rPr lang="fr-FR" sz="1600" dirty="0" err="1" smtClean="0"/>
-              <a:t>Milled</a:t>
-            </a:r>
-            <a:r>
-              <a:rPr lang="fr-FR" sz="1600" dirty="0" smtClean="0"/>
-              <a:t> </a:t>
-            </a:r>
-            <a:r>
-              <a:rPr lang="fr-FR" sz="1600" dirty="0" err="1" smtClean="0"/>
-              <a:t>through</a:t>
-            </a:r>
-            <a:r>
-              <a:rPr lang="fr-FR" sz="1600" dirty="0" smtClean="0"/>
-              <a:t> for 2,8 </a:t>
-            </a:r>
-            <a:r>
-              <a:rPr lang="fr-FR" sz="1600" dirty="0" err="1" smtClean="0"/>
-              <a:t>pC</a:t>
-            </a:r>
-            <a:endParaRPr lang="fr-FR" sz="1600" dirty="0"/>
-          </a:p>
-        </p:txBody>
-      </p:sp>
-      <p:pic>
-        <p:nvPicPr>
-          <p:cNvPr id="4098" name="Picture 2"/>
-          <p:cNvPicPr>
-            <a:picLocks noChangeAspect="1" noChangeArrowheads="1"/>
-          </p:cNvPicPr>
-          <p:nvPr/>
-        </p:nvPicPr>
-        <p:blipFill>
-          <a:blip r:embed="rId4">
-            <a:extLst>
-              <a:ext uri="{28A0092B-C50C-407E-A947-70E740481C1C}">
-                <a14:useLocalDpi xmlns:a14="http://schemas.microsoft.com/office/drawing/2010/main" val="0"/>
-              </a:ext>
-            </a:extLst>
-          </a:blip>
-          <a:srcRect/>
-          <a:stretch>
-            <a:fillRect/>
-          </a:stretch>
-        </p:blipFill>
-        <p:spPr bwMode="auto">
-          <a:xfrm>
-            <a:off x="3491880" y="1768460"/>
-            <a:ext cx="2861908" cy="2444078"/>
-          </a:xfrm>
-          <a:prstGeom prst="rect">
-            <a:avLst/>
-          </a:prstGeom>
-          <a:noFill/>
-          <a:ln>
-            <a:noFill/>
-          </a:ln>
-          <a:effectLst/>
-          <a:extLst>
-            <a:ext uri="{909E8E84-426E-40DD-AFC4-6F175D3DCCD1}">
-              <a14:hiddenFill xmlns:a14="http://schemas.microsoft.com/office/drawing/2010/main">
-                <a:solidFill>
-                  <a:schemeClr val="accent1"/>
-                </a:solidFill>
-              </a14:hiddenFill>
-            </a:ext>
-            <a:ext uri="{91240B29-F687-4F45-9708-019B960494DF}">
-              <a14:hiddenLine xmlns:a14="http://schemas.microsoft.com/office/drawing/2010/main" w="9525">
-                <a:solidFill>
-                  <a:schemeClr val="tx1"/>
-                </a:solidFill>
-                <a:miter lim="800000"/>
-                <a:headEnd/>
-                <a:tailEnd/>
-              </a14:hiddenLine>
-            </a:ext>
-            <a:ext uri="{AF507438-7753-43E0-B8FC-AC1667EBCBE1}">
+            <a:ext uri="{AF507438-7753-43e0-B8FC-AC1667EBCBE1}">
               <a14:hiddenEffects xmlns:a14="http://schemas.microsoft.com/office/drawing/2010/main">
                 <a:effectLst>
                   <a:outerShdw dist="35921" dir="2700000" algn="ctr" rotWithShape="0">
@@ -8078,7 +7200,7 @@
 </p:sld>
 </file>
 
-<file path=ppt/slides/slide6.xml><?xml version="1.0" encoding="utf-8"?>
+<file path=ppt/slides/slide4.xml><?xml version="1.0" encoding="utf-8"?>
 <p:sld xmlns:a="http://schemas.openxmlformats.org/drawingml/2006/main" xmlns:r="http://schemas.openxmlformats.org/officeDocument/2006/relationships" xmlns:p="http://schemas.openxmlformats.org/presentationml/2006/main">
   <p:cSld>
     <p:spTree>
@@ -8362,14 +7484,14 @@
             </a:ln>
             <a:effectLst/>
             <a:extLst>
-              <a:ext uri="{909E8E84-426E-40DD-AFC4-6F175D3DCCD1}">
+              <a:ext uri="{909E8E84-426E-40dd-AFC4-6F175D3DCCD1}">
                 <a14:hiddenFill xmlns:a14="http://schemas.microsoft.com/office/drawing/2010/main">
                   <a:solidFill>
                     <a:schemeClr val="accent1"/>
                   </a:solidFill>
                 </a14:hiddenFill>
               </a:ext>
-              <a:ext uri="{91240B29-F687-4F45-9708-019B960494DF}">
+              <a:ext uri="{91240B29-F687-4f45-9708-019B960494DF}">
                 <a14:hiddenLine xmlns:a14="http://schemas.microsoft.com/office/drawing/2010/main" w="9525">
                   <a:solidFill>
                     <a:schemeClr val="tx1"/>
@@ -8379,7 +7501,7 @@
                   <a:tailEnd/>
                 </a14:hiddenLine>
               </a:ext>
-              <a:ext uri="{AF507438-7753-43E0-B8FC-AC1667EBCBE1}">
+              <a:ext uri="{AF507438-7753-43e0-B8FC-AC1667EBCBE1}">
                 <a14:hiddenEffects xmlns:a14="http://schemas.microsoft.com/office/drawing/2010/main">
                   <a:effectLst>
                     <a:outerShdw dist="35921" dir="2700000" algn="ctr" rotWithShape="0">
@@ -8424,14 +7546,14 @@
             </a:ln>
             <a:effectLst/>
             <a:extLst>
-              <a:ext uri="{909E8E84-426E-40DD-AFC4-6F175D3DCCD1}">
+              <a:ext uri="{909E8E84-426E-40dd-AFC4-6F175D3DCCD1}">
                 <a14:hiddenFill xmlns:a14="http://schemas.microsoft.com/office/drawing/2010/main">
                   <a:solidFill>
                     <a:schemeClr val="accent1"/>
                   </a:solidFill>
                 </a14:hiddenFill>
               </a:ext>
-              <a:ext uri="{91240B29-F687-4F45-9708-019B960494DF}">
+              <a:ext uri="{91240B29-F687-4f45-9708-019B960494DF}">
                 <a14:hiddenLine xmlns:a14="http://schemas.microsoft.com/office/drawing/2010/main" w="9525">
                   <a:solidFill>
                     <a:schemeClr val="tx1"/>
@@ -8441,7 +7563,7 @@
                   <a:tailEnd/>
                 </a14:hiddenLine>
               </a:ext>
-              <a:ext uri="{AF507438-7753-43E0-B8FC-AC1667EBCBE1}">
+              <a:ext uri="{AF507438-7753-43e0-B8FC-AC1667EBCBE1}">
                 <a14:hiddenEffects xmlns:a14="http://schemas.microsoft.com/office/drawing/2010/main">
                   <a:effectLst>
                     <a:outerShdw dist="35921" dir="2700000" algn="ctr" rotWithShape="0">
@@ -8702,14 +7824,14 @@
             </a:ln>
             <a:effectLst/>
             <a:extLst>
-              <a:ext uri="{909E8E84-426E-40DD-AFC4-6F175D3DCCD1}">
+              <a:ext uri="{909E8E84-426E-40dd-AFC4-6F175D3DCCD1}">
                 <a14:hiddenFill xmlns:a14="http://schemas.microsoft.com/office/drawing/2010/main">
                   <a:solidFill>
                     <a:schemeClr val="accent1"/>
                   </a:solidFill>
                 </a14:hiddenFill>
               </a:ext>
-              <a:ext uri="{91240B29-F687-4F45-9708-019B960494DF}">
+              <a:ext uri="{91240B29-F687-4f45-9708-019B960494DF}">
                 <a14:hiddenLine xmlns:a14="http://schemas.microsoft.com/office/drawing/2010/main" w="9525">
                   <a:solidFill>
                     <a:schemeClr val="tx1"/>
@@ -8719,7 +7841,7 @@
                   <a:tailEnd/>
                 </a14:hiddenLine>
               </a:ext>
-              <a:ext uri="{AF507438-7753-43E0-B8FC-AC1667EBCBE1}">
+              <a:ext uri="{AF507438-7753-43e0-B8FC-AC1667EBCBE1}">
                 <a14:hiddenEffects xmlns:a14="http://schemas.microsoft.com/office/drawing/2010/main">
                   <a:effectLst>
                     <a:outerShdw dist="35921" dir="2700000" algn="ctr" rotWithShape="0">
@@ -8957,7 +8079,680 @@
   <p:timing>
     <p:tnLst>
       <p:par>
-        <p:cTn id="1" dur="indefinite" restart="never" nodeType="tmRoot"/>
+        <p:cTn xmlns:p14="http://schemas.microsoft.com/office/powerpoint/2010/main" id="1" dur="indefinite" restart="never" nodeType="tmRoot"/>
+      </p:par>
+    </p:tnLst>
+  </p:timing>
+</p:sld>
+</file>
+
+<file path=ppt/slides/slide5.xml><?xml version="1.0" encoding="utf-8"?>
+<p:sld xmlns:a="http://schemas.openxmlformats.org/drawingml/2006/main" xmlns:r="http://schemas.openxmlformats.org/officeDocument/2006/relationships" xmlns:p="http://schemas.openxmlformats.org/presentationml/2006/main">
+  <p:cSld>
+    <p:spTree>
+      <p:nvGrpSpPr>
+        <p:cNvPr id="1" name=""/>
+        <p:cNvGrpSpPr/>
+        <p:nvPr/>
+      </p:nvGrpSpPr>
+      <p:grpSpPr>
+        <a:xfrm>
+          <a:off x="0" y="0"/>
+          <a:ext cx="0" cy="0"/>
+          <a:chOff x="0" y="0"/>
+          <a:chExt cx="0" cy="0"/>
+        </a:xfrm>
+      </p:grpSpPr>
+      <p:sp>
+        <p:nvSpPr>
+          <p:cNvPr id="4" name="Titre 1"/>
+          <p:cNvSpPr>
+            <a:spLocks noGrp="1"/>
+          </p:cNvSpPr>
+          <p:nvPr>
+            <p:ph type="title"/>
+          </p:nvPr>
+        </p:nvSpPr>
+        <p:spPr/>
+        <p:txBody>
+          <a:bodyPr>
+            <a:normAutofit/>
+          </a:bodyPr>
+          <a:lstStyle/>
+          <a:p>
+            <a:r>
+              <a:rPr lang="fr-FR" dirty="0" err="1" smtClean="0"/>
+              <a:t>Milling</a:t>
+            </a:r>
+            <a:r>
+              <a:rPr lang="fr-FR" dirty="0" smtClean="0"/>
+              <a:t> </a:t>
+            </a:r>
+            <a:r>
+              <a:rPr lang="fr-FR" dirty="0" err="1" smtClean="0"/>
+              <a:t>through</a:t>
+            </a:r>
+            <a:r>
+              <a:rPr lang="fr-FR" dirty="0" smtClean="0"/>
+              <a:t> the membrane</a:t>
+            </a:r>
+            <a:endParaRPr lang="fr-FR" dirty="0"/>
+          </a:p>
+        </p:txBody>
+      </p:sp>
+      <p:pic>
+        <p:nvPicPr>
+          <p:cNvPr id="5122" name="Picture 2"/>
+          <p:cNvPicPr>
+            <a:picLocks noChangeAspect="1" noChangeArrowheads="1"/>
+          </p:cNvPicPr>
+          <p:nvPr/>
+        </p:nvPicPr>
+        <p:blipFill>
+          <a:blip r:embed="rId2">
+            <a:extLst>
+              <a:ext uri="{28A0092B-C50C-407E-A947-70E740481C1C}">
+                <a14:useLocalDpi xmlns:a14="http://schemas.microsoft.com/office/drawing/2010/main" val="0"/>
+              </a:ext>
+            </a:extLst>
+          </a:blip>
+          <a:srcRect/>
+          <a:stretch>
+            <a:fillRect/>
+          </a:stretch>
+        </p:blipFill>
+        <p:spPr bwMode="auto">
+          <a:xfrm>
+            <a:off x="5436096" y="1941759"/>
+            <a:ext cx="3129076" cy="3590743"/>
+          </a:xfrm>
+          <a:prstGeom prst="rect">
+            <a:avLst/>
+          </a:prstGeom>
+          <a:noFill/>
+          <a:ln w="9525">
+            <a:solidFill>
+              <a:schemeClr val="tx1"/>
+            </a:solidFill>
+            <a:miter lim="800000"/>
+            <a:headEnd/>
+            <a:tailEnd/>
+          </a:ln>
+          <a:effectLst/>
+          <a:extLst>
+            <a:ext uri="{909E8E84-426E-40dd-AFC4-6F175D3DCCD1}">
+              <a14:hiddenFill xmlns:a14="http://schemas.microsoft.com/office/drawing/2010/main">
+                <a:solidFill>
+                  <a:schemeClr val="accent1"/>
+                </a:solidFill>
+              </a14:hiddenFill>
+            </a:ext>
+            <a:ext uri="{AF507438-7753-43e0-B8FC-AC1667EBCBE1}">
+              <a14:hiddenEffects xmlns:a14="http://schemas.microsoft.com/office/drawing/2010/main">
+                <a:effectLst>
+                  <a:outerShdw dist="35921" dir="2700000" algn="ctr" rotWithShape="0">
+                    <a:schemeClr val="bg2"/>
+                  </a:outerShdw>
+                </a:effectLst>
+              </a14:hiddenEffects>
+            </a:ext>
+          </a:extLst>
+        </p:spPr>
+      </p:pic>
+      <p:pic>
+        <p:nvPicPr>
+          <p:cNvPr id="5124" name="Picture 4"/>
+          <p:cNvPicPr>
+            <a:picLocks noChangeAspect="1" noChangeArrowheads="1"/>
+          </p:cNvPicPr>
+          <p:nvPr/>
+        </p:nvPicPr>
+        <p:blipFill>
+          <a:blip r:embed="rId3">
+            <a:extLst>
+              <a:ext uri="{28A0092B-C50C-407E-A947-70E740481C1C}">
+                <a14:useLocalDpi xmlns:a14="http://schemas.microsoft.com/office/drawing/2010/main" val="0"/>
+              </a:ext>
+            </a:extLst>
+          </a:blip>
+          <a:srcRect/>
+          <a:stretch>
+            <a:fillRect/>
+          </a:stretch>
+        </p:blipFill>
+        <p:spPr bwMode="auto">
+          <a:xfrm>
+            <a:off x="467544" y="2144740"/>
+            <a:ext cx="4549416" cy="3012451"/>
+          </a:xfrm>
+          <a:prstGeom prst="rect">
+            <a:avLst/>
+          </a:prstGeom>
+          <a:noFill/>
+          <a:ln w="9525">
+            <a:solidFill>
+              <a:schemeClr val="tx1"/>
+            </a:solidFill>
+            <a:miter lim="800000"/>
+            <a:headEnd/>
+            <a:tailEnd/>
+          </a:ln>
+          <a:effectLst/>
+          <a:extLst>
+            <a:ext uri="{909E8E84-426E-40dd-AFC4-6F175D3DCCD1}">
+              <a14:hiddenFill xmlns:a14="http://schemas.microsoft.com/office/drawing/2010/main">
+                <a:solidFill>
+                  <a:schemeClr val="accent1"/>
+                </a:solidFill>
+              </a14:hiddenFill>
+            </a:ext>
+            <a:ext uri="{AF507438-7753-43e0-B8FC-AC1667EBCBE1}">
+              <a14:hiddenEffects xmlns:a14="http://schemas.microsoft.com/office/drawing/2010/main">
+                <a:effectLst>
+                  <a:outerShdw dist="35921" dir="2700000" algn="ctr" rotWithShape="0">
+                    <a:schemeClr val="bg2"/>
+                  </a:outerShdw>
+                </a:effectLst>
+              </a14:hiddenEffects>
+            </a:ext>
+          </a:extLst>
+        </p:spPr>
+      </p:pic>
+      <p:sp>
+        <p:nvSpPr>
+          <p:cNvPr id="7" name="ZoneTexte 6"/>
+          <p:cNvSpPr txBox="1"/>
+          <p:nvPr/>
+        </p:nvSpPr>
+        <p:spPr>
+          <a:xfrm>
+            <a:off x="467544" y="1601480"/>
+            <a:ext cx="7920880" cy="369332"/>
+          </a:xfrm>
+          <a:prstGeom prst="rect">
+            <a:avLst/>
+          </a:prstGeom>
+          <a:noFill/>
+        </p:spPr>
+        <p:txBody>
+          <a:bodyPr wrap="square" rtlCol="0">
+            <a:spAutoFit/>
+          </a:bodyPr>
+          <a:lstStyle/>
+          <a:p>
+            <a:r>
+              <a:rPr lang="fr-FR" dirty="0" err="1" smtClean="0"/>
+              <a:t>Detect</a:t>
+            </a:r>
+            <a:r>
+              <a:rPr lang="fr-FR" dirty="0" smtClean="0"/>
+              <a:t> the </a:t>
+            </a:r>
+            <a:r>
+              <a:rPr lang="fr-FR" dirty="0" err="1" smtClean="0"/>
+              <a:t>breakthrough</a:t>
+            </a:r>
+            <a:r>
+              <a:rPr lang="fr-FR" dirty="0" smtClean="0"/>
+              <a:t> for </a:t>
+            </a:r>
+            <a:r>
+              <a:rPr lang="fr-FR" dirty="0" err="1" smtClean="0"/>
+              <a:t>holes</a:t>
+            </a:r>
+            <a:r>
+              <a:rPr lang="fr-FR" dirty="0" smtClean="0"/>
+              <a:t> and </a:t>
+            </a:r>
+            <a:r>
+              <a:rPr lang="fr-FR" dirty="0" err="1" smtClean="0"/>
+              <a:t>lines</a:t>
+            </a:r>
+            <a:endParaRPr lang="fr-FR" dirty="0" smtClean="0"/>
+          </a:p>
+        </p:txBody>
+      </p:sp>
+      <p:sp>
+        <p:nvSpPr>
+          <p:cNvPr id="2" name="ZoneTexte 1"/>
+          <p:cNvSpPr txBox="1"/>
+          <p:nvPr/>
+        </p:nvSpPr>
+        <p:spPr>
+          <a:xfrm>
+            <a:off x="2123728" y="5347836"/>
+            <a:ext cx="1162498" cy="369332"/>
+          </a:xfrm>
+          <a:prstGeom prst="rect">
+            <a:avLst/>
+          </a:prstGeom>
+          <a:noFill/>
+        </p:spPr>
+        <p:txBody>
+          <a:bodyPr wrap="none" rtlCol="0">
+            <a:spAutoFit/>
+          </a:bodyPr>
+          <a:lstStyle/>
+          <a:p>
+            <a:r>
+              <a:rPr lang="fr-FR" dirty="0" err="1" smtClean="0"/>
+              <a:t>Make-fall</a:t>
+            </a:r>
+            <a:endParaRPr lang="fr-FR" dirty="0"/>
+          </a:p>
+        </p:txBody>
+      </p:sp>
+      <p:sp>
+        <p:nvSpPr>
+          <p:cNvPr id="3" name="ZoneTexte 2"/>
+          <p:cNvSpPr txBox="1"/>
+          <p:nvPr/>
+        </p:nvSpPr>
+        <p:spPr>
+          <a:xfrm>
+            <a:off x="5796136" y="5717168"/>
+            <a:ext cx="1720343" cy="369332"/>
+          </a:xfrm>
+          <a:prstGeom prst="rect">
+            <a:avLst/>
+          </a:prstGeom>
+          <a:noFill/>
+        </p:spPr>
+        <p:txBody>
+          <a:bodyPr wrap="none" rtlCol="0">
+            <a:spAutoFit/>
+          </a:bodyPr>
+          <a:lstStyle/>
+          <a:p>
+            <a:r>
+              <a:rPr lang="fr-FR" dirty="0" smtClean="0"/>
+              <a:t>Use of </a:t>
+            </a:r>
+            <a:r>
+              <a:rPr lang="fr-FR" dirty="0" err="1" smtClean="0"/>
+              <a:t>contrast</a:t>
+            </a:r>
+            <a:endParaRPr lang="fr-FR" dirty="0"/>
+          </a:p>
+        </p:txBody>
+      </p:sp>
+    </p:spTree>
+    <p:extLst>
+      <p:ext uri="{BB962C8B-B14F-4D97-AF65-F5344CB8AC3E}">
+        <p14:creationId xmlns:p14="http://schemas.microsoft.com/office/powerpoint/2010/main" val="311896214"/>
+      </p:ext>
+    </p:extLst>
+  </p:cSld>
+  <p:clrMapOvr>
+    <a:masterClrMapping/>
+  </p:clrMapOvr>
+  <p:timing>
+    <p:tnLst>
+      <p:par>
+        <p:cTn xmlns:p14="http://schemas.microsoft.com/office/powerpoint/2010/main" id="1" dur="indefinite" restart="never" nodeType="tmRoot"/>
+      </p:par>
+    </p:tnLst>
+  </p:timing>
+</p:sld>
+</file>
+
+<file path=ppt/slides/slide6.xml><?xml version="1.0" encoding="utf-8"?>
+<p:sld xmlns:a="http://schemas.openxmlformats.org/drawingml/2006/main" xmlns:r="http://schemas.openxmlformats.org/officeDocument/2006/relationships" xmlns:p="http://schemas.openxmlformats.org/presentationml/2006/main">
+  <p:cSld>
+    <p:spTree>
+      <p:nvGrpSpPr>
+        <p:cNvPr id="1" name=""/>
+        <p:cNvGrpSpPr/>
+        <p:nvPr/>
+      </p:nvGrpSpPr>
+      <p:grpSpPr>
+        <a:xfrm>
+          <a:off x="0" y="0"/>
+          <a:ext cx="0" cy="0"/>
+          <a:chOff x="0" y="0"/>
+          <a:chExt cx="0" cy="0"/>
+        </a:xfrm>
+      </p:grpSpPr>
+      <p:sp>
+        <p:nvSpPr>
+          <p:cNvPr id="4" name="Titre 1"/>
+          <p:cNvSpPr>
+            <a:spLocks noGrp="1"/>
+          </p:cNvSpPr>
+          <p:nvPr>
+            <p:ph type="title"/>
+          </p:nvPr>
+        </p:nvSpPr>
+        <p:spPr/>
+        <p:txBody>
+          <a:bodyPr>
+            <a:normAutofit/>
+          </a:bodyPr>
+          <a:lstStyle/>
+          <a:p>
+            <a:r>
+              <a:rPr lang="fr-FR" dirty="0" err="1" smtClean="0"/>
+              <a:t>Milling</a:t>
+            </a:r>
+            <a:r>
+              <a:rPr lang="fr-FR" dirty="0" smtClean="0"/>
+              <a:t> </a:t>
+            </a:r>
+            <a:r>
+              <a:rPr lang="fr-FR" dirty="0" err="1" smtClean="0"/>
+              <a:t>through</a:t>
+            </a:r>
+            <a:r>
+              <a:rPr lang="fr-FR" dirty="0" smtClean="0"/>
+              <a:t> the membrane</a:t>
+            </a:r>
+            <a:endParaRPr lang="fr-FR" dirty="0"/>
+          </a:p>
+        </p:txBody>
+      </p:sp>
+      <p:sp>
+        <p:nvSpPr>
+          <p:cNvPr id="5" name="ZoneTexte 4"/>
+          <p:cNvSpPr txBox="1"/>
+          <p:nvPr/>
+        </p:nvSpPr>
+        <p:spPr>
+          <a:xfrm>
+            <a:off x="5004048" y="1556792"/>
+            <a:ext cx="3600400" cy="3693319"/>
+          </a:xfrm>
+          <a:prstGeom prst="rect">
+            <a:avLst/>
+          </a:prstGeom>
+          <a:noFill/>
+        </p:spPr>
+        <p:txBody>
+          <a:bodyPr wrap="square" rtlCol="0">
+            <a:spAutoFit/>
+          </a:bodyPr>
+          <a:lstStyle/>
+          <a:p>
+            <a:r>
+              <a:rPr lang="fr-FR" u="sng" dirty="0" err="1" smtClean="0"/>
+              <a:t>Remarks</a:t>
+            </a:r>
+            <a:r>
+              <a:rPr lang="fr-FR" u="sng" dirty="0" smtClean="0"/>
+              <a:t>:</a:t>
+            </a:r>
+          </a:p>
+          <a:p>
+            <a:pPr marL="285750" indent="-285750">
+              <a:buFont typeface="Arial" pitchFamily="34" charset="0"/>
+              <a:buChar char="•"/>
+            </a:pPr>
+            <a:endParaRPr lang="fr-FR" dirty="0"/>
+          </a:p>
+          <a:p>
+            <a:pPr marL="285750" indent="-285750">
+              <a:buFont typeface="Arial" pitchFamily="34" charset="0"/>
+              <a:buChar char="•"/>
+            </a:pPr>
+            <a:r>
+              <a:rPr lang="fr-FR" dirty="0" smtClean="0"/>
+              <a:t>If the </a:t>
+            </a:r>
+            <a:r>
+              <a:rPr lang="fr-FR" dirty="0" err="1" smtClean="0"/>
+              <a:t>number</a:t>
+            </a:r>
+            <a:r>
+              <a:rPr lang="fr-FR" dirty="0" smtClean="0"/>
+              <a:t> of </a:t>
+            </a:r>
+            <a:r>
+              <a:rPr lang="fr-FR" dirty="0" err="1" smtClean="0"/>
+              <a:t>loops</a:t>
+            </a:r>
+            <a:r>
+              <a:rPr lang="fr-FR" dirty="0" smtClean="0"/>
+              <a:t> </a:t>
+            </a:r>
+            <a:r>
+              <a:rPr lang="fr-FR" dirty="0" err="1" smtClean="0"/>
+              <a:t>is</a:t>
+            </a:r>
+            <a:r>
+              <a:rPr lang="fr-FR" dirty="0" smtClean="0"/>
+              <a:t> </a:t>
+            </a:r>
+            <a:r>
+              <a:rPr lang="fr-FR" dirty="0" err="1" smtClean="0"/>
+              <a:t>increased</a:t>
+            </a:r>
+            <a:r>
+              <a:rPr lang="fr-FR" dirty="0" smtClean="0"/>
+              <a:t>, </a:t>
+            </a:r>
+            <a:r>
+              <a:rPr lang="fr-FR" dirty="0" err="1" smtClean="0"/>
+              <a:t>we</a:t>
+            </a:r>
+            <a:r>
+              <a:rPr lang="fr-FR" dirty="0" smtClean="0"/>
+              <a:t> must </a:t>
+            </a:r>
+            <a:r>
+              <a:rPr lang="fr-FR" dirty="0" err="1" smtClean="0"/>
+              <a:t>increase</a:t>
+            </a:r>
+            <a:r>
+              <a:rPr lang="fr-FR" dirty="0" smtClean="0"/>
+              <a:t> the total charge to </a:t>
+            </a:r>
+            <a:r>
+              <a:rPr lang="fr-FR" dirty="0" err="1" smtClean="0"/>
+              <a:t>mill</a:t>
+            </a:r>
+            <a:r>
+              <a:rPr lang="fr-FR" dirty="0" smtClean="0"/>
+              <a:t> </a:t>
+            </a:r>
+            <a:r>
+              <a:rPr lang="fr-FR" dirty="0" err="1" smtClean="0"/>
+              <a:t>through</a:t>
+            </a:r>
+            <a:r>
+              <a:rPr lang="fr-FR" dirty="0" smtClean="0"/>
+              <a:t>. </a:t>
+            </a:r>
+          </a:p>
+          <a:p>
+            <a:pPr marL="285750" indent="-285750">
+              <a:buFont typeface="Arial" pitchFamily="34" charset="0"/>
+              <a:buChar char="•"/>
+            </a:pPr>
+            <a:r>
+              <a:rPr lang="fr-FR" dirty="0" err="1" smtClean="0"/>
+              <a:t>Some</a:t>
+            </a:r>
+            <a:r>
+              <a:rPr lang="fr-FR" dirty="0" smtClean="0"/>
+              <a:t> line </a:t>
+            </a:r>
+            <a:r>
+              <a:rPr lang="fr-FR" dirty="0" err="1" smtClean="0"/>
+              <a:t>milling</a:t>
+            </a:r>
+            <a:r>
+              <a:rPr lang="fr-FR" dirty="0" smtClean="0"/>
+              <a:t> are </a:t>
+            </a:r>
+            <a:r>
+              <a:rPr lang="fr-FR" dirty="0" err="1" smtClean="0"/>
+              <a:t>inhomogeneous</a:t>
+            </a:r>
+            <a:r>
+              <a:rPr lang="fr-FR" dirty="0" smtClean="0"/>
+              <a:t>:</a:t>
+            </a:r>
+          </a:p>
+          <a:p>
+            <a:pPr marL="285750" indent="-285750">
+              <a:buFont typeface="Arial" pitchFamily="34" charset="0"/>
+              <a:buChar char="•"/>
+            </a:pPr>
+            <a:endParaRPr lang="fr-FR" dirty="0" smtClean="0"/>
+          </a:p>
+          <a:p>
+            <a:endParaRPr lang="fr-FR" dirty="0" smtClean="0"/>
+          </a:p>
+          <a:p>
+            <a:pPr marL="285750" indent="-285750">
+              <a:buFont typeface="Arial" pitchFamily="34" charset="0"/>
+              <a:buChar char="•"/>
+            </a:pPr>
+            <a:r>
+              <a:rPr lang="fr-FR" dirty="0" err="1" smtClean="0"/>
+              <a:t>When</a:t>
+            </a:r>
+            <a:r>
+              <a:rPr lang="fr-FR" dirty="0" smtClean="0"/>
+              <a:t> </a:t>
+            </a:r>
+            <a:r>
+              <a:rPr lang="fr-FR" dirty="0" err="1" smtClean="0"/>
+              <a:t>we</a:t>
+            </a:r>
+            <a:r>
+              <a:rPr lang="fr-FR" dirty="0" smtClean="0"/>
+              <a:t> </a:t>
+            </a:r>
+            <a:r>
+              <a:rPr lang="fr-FR" dirty="0" err="1" smtClean="0"/>
+              <a:t>mill</a:t>
+            </a:r>
+            <a:r>
+              <a:rPr lang="fr-FR" dirty="0" smtClean="0"/>
+              <a:t> a large area, </a:t>
+            </a:r>
+            <a:r>
+              <a:rPr lang="fr-FR" dirty="0" err="1" smtClean="0"/>
+              <a:t>it</a:t>
+            </a:r>
+            <a:r>
+              <a:rPr lang="fr-FR" dirty="0"/>
+              <a:t> </a:t>
+            </a:r>
+            <a:r>
+              <a:rPr lang="fr-FR" dirty="0" err="1" smtClean="0"/>
+              <a:t>boosts</a:t>
+            </a:r>
+            <a:r>
+              <a:rPr lang="fr-FR" dirty="0" smtClean="0"/>
+              <a:t> the </a:t>
+            </a:r>
+            <a:r>
+              <a:rPr lang="fr-FR" dirty="0" err="1" smtClean="0"/>
+              <a:t>milling</a:t>
+            </a:r>
+            <a:r>
+              <a:rPr lang="fr-FR" dirty="0" smtClean="0"/>
+              <a:t> of the </a:t>
+            </a:r>
+            <a:r>
+              <a:rPr lang="fr-FR" dirty="0" err="1" smtClean="0"/>
+              <a:t>surrounding</a:t>
+            </a:r>
+            <a:r>
+              <a:rPr lang="fr-FR" dirty="0" smtClean="0"/>
+              <a:t> membrane.</a:t>
+            </a:r>
+            <a:endParaRPr lang="fr-FR" dirty="0"/>
+          </a:p>
+        </p:txBody>
+      </p:sp>
+      <p:pic>
+        <p:nvPicPr>
+          <p:cNvPr id="9" name="Image 8"/>
+          <p:cNvPicPr/>
+          <p:nvPr/>
+        </p:nvPicPr>
+        <p:blipFill>
+          <a:blip r:embed="rId2">
+            <a:extLst>
+              <a:ext uri="{28A0092B-C50C-407E-A947-70E740481C1C}">
+                <a14:useLocalDpi xmlns:a14="http://schemas.microsoft.com/office/drawing/2010/main" val="0"/>
+              </a:ext>
+            </a:extLst>
+          </a:blip>
+          <a:srcRect/>
+          <a:stretch>
+            <a:fillRect/>
+          </a:stretch>
+        </p:blipFill>
+        <p:spPr bwMode="auto">
+          <a:xfrm>
+            <a:off x="7668344" y="3177540"/>
+            <a:ext cx="1150059" cy="1051054"/>
+          </a:xfrm>
+          <a:prstGeom prst="rect">
+            <a:avLst/>
+          </a:prstGeom>
+          <a:noFill/>
+          <a:ln>
+            <a:noFill/>
+          </a:ln>
+        </p:spPr>
+      </p:pic>
+      <p:pic>
+        <p:nvPicPr>
+          <p:cNvPr id="6147" name="Picture 3" descr="C:\Users\Adrien\Documents\GitHub\Australie\Presentation\exp6.jpg"/>
+          <p:cNvPicPr>
+            <a:picLocks noChangeAspect="1" noChangeArrowheads="1"/>
+          </p:cNvPicPr>
+          <p:nvPr/>
+        </p:nvPicPr>
+        <p:blipFill rotWithShape="1">
+          <a:blip r:embed="rId3">
+            <a:extLst>
+              <a:ext uri="{28A0092B-C50C-407E-A947-70E740481C1C}">
+                <a14:useLocalDpi xmlns:a14="http://schemas.microsoft.com/office/drawing/2010/main" val="0"/>
+              </a:ext>
+            </a:extLst>
+          </a:blip>
+          <a:srcRect l="13429" t="16884" r="14540" b="23725"/>
+          <a:stretch/>
+        </p:blipFill>
+        <p:spPr bwMode="auto">
+          <a:xfrm>
+            <a:off x="404704" y="1700808"/>
+            <a:ext cx="4346327" cy="3450664"/>
+          </a:xfrm>
+          <a:prstGeom prst="rect">
+            <a:avLst/>
+          </a:prstGeom>
+          <a:noFill/>
+          <a:extLst>
+            <a:ext uri="{909E8E84-426E-40dd-AFC4-6F175D3DCCD1}">
+              <a14:hiddenFill xmlns:a14="http://schemas.microsoft.com/office/drawing/2010/main">
+                <a:solidFill>
+                  <a:srgbClr val="FFFFFF"/>
+                </a:solidFill>
+              </a14:hiddenFill>
+            </a:ext>
+          </a:extLst>
+        </p:spPr>
+      </p:pic>
+    </p:spTree>
+    <p:extLst>
+      <p:ext uri="{BB962C8B-B14F-4D97-AF65-F5344CB8AC3E}">
+        <p14:creationId xmlns:p14="http://schemas.microsoft.com/office/powerpoint/2010/main" val="4083486582"/>
+      </p:ext>
+    </p:extLst>
+  </p:cSld>
+  <p:clrMapOvr>
+    <a:masterClrMapping/>
+  </p:clrMapOvr>
+  <p:timing>
+    <p:tnLst>
+      <p:par>
+        <p:cTn xmlns:p14="http://schemas.microsoft.com/office/powerpoint/2010/main" id="1" dur="indefinite" restart="never" nodeType="tmRoot"/>
       </p:par>
     </p:tnLst>
   </p:timing>
@@ -8991,7 +8786,12 @@
             <p:ph type="title"/>
           </p:nvPr>
         </p:nvSpPr>
-        <p:spPr/>
+        <p:spPr>
+          <a:xfrm>
+            <a:off x="179512" y="0"/>
+            <a:ext cx="8229600" cy="877824"/>
+          </a:xfrm>
+        </p:spPr>
         <p:txBody>
           <a:bodyPr>
             <a:normAutofit/>
@@ -8999,34 +8799,55 @@
           <a:lstStyle/>
           <a:p>
             <a:r>
-              <a:rPr lang="fr-FR" dirty="0" err="1" smtClean="0"/>
-              <a:t>Milling</a:t>
-            </a:r>
-            <a:r>
-              <a:rPr lang="fr-FR" dirty="0" smtClean="0"/>
-              <a:t> </a:t>
-            </a:r>
-            <a:r>
-              <a:rPr lang="fr-FR" dirty="0" err="1" smtClean="0"/>
-              <a:t>through</a:t>
-            </a:r>
-            <a:r>
-              <a:rPr lang="fr-FR" dirty="0" smtClean="0"/>
-              <a:t> the membrane</a:t>
-            </a:r>
+              <a:rPr lang="fr-FR" sz="3200" dirty="0" err="1"/>
+              <a:t>Focused</a:t>
+            </a:r>
+            <a:r>
+              <a:rPr lang="fr-FR" sz="3200" dirty="0"/>
+              <a:t> Ion </a:t>
+            </a:r>
+            <a:r>
+              <a:rPr lang="fr-FR" sz="3200" dirty="0" err="1"/>
+              <a:t>Beam</a:t>
+            </a:r>
+            <a:r>
+              <a:rPr lang="fr-FR" sz="3200" dirty="0"/>
+              <a:t> and membranes</a:t>
+            </a:r>
+          </a:p>
+        </p:txBody>
+      </p:sp>
+      <p:sp>
+        <p:nvSpPr>
+          <p:cNvPr id="3" name="Espace réservé du contenu 2"/>
+          <p:cNvSpPr>
+            <a:spLocks noGrp="1"/>
+          </p:cNvSpPr>
+          <p:nvPr>
+            <p:ph sz="quarter" idx="1"/>
+          </p:nvPr>
+        </p:nvSpPr>
+        <p:spPr/>
+        <p:txBody>
+          <a:bodyPr/>
+          <a:lstStyle/>
+          <a:p>
+            <a:endParaRPr lang="fr-FR" dirty="0" smtClean="0"/>
+          </a:p>
+          <a:p>
             <a:endParaRPr lang="fr-FR" dirty="0"/>
           </a:p>
         </p:txBody>
       </p:sp>
       <p:pic>
         <p:nvPicPr>
-          <p:cNvPr id="5122" name="Picture 2"/>
+          <p:cNvPr id="2050" name="Picture 2"/>
           <p:cNvPicPr>
             <a:picLocks noChangeAspect="1" noChangeArrowheads="1"/>
           </p:cNvPicPr>
           <p:nvPr/>
         </p:nvPicPr>
-        <p:blipFill>
+        <p:blipFill rotWithShape="1">
           <a:blip r:embed="rId2">
             <a:extLst>
               <a:ext uri="{28A0092B-C50C-407E-A947-70E740481C1C}">
@@ -9034,38 +8855,41 @@
               </a:ext>
             </a:extLst>
           </a:blip>
-          <a:srcRect/>
-          <a:stretch>
-            <a:fillRect/>
-          </a:stretch>
+          <a:srcRect l="35943" t="8218" r="19850"/>
+          <a:stretch/>
         </p:blipFill>
         <p:spPr bwMode="auto">
           <a:xfrm>
-            <a:off x="5436096" y="1941759"/>
-            <a:ext cx="3129076" cy="3590743"/>
+            <a:off x="5772116" y="1844824"/>
+            <a:ext cx="2185416" cy="1687259"/>
           </a:xfrm>
           <a:prstGeom prst="rect">
             <a:avLst/>
           </a:prstGeom>
           <a:noFill/>
-          <a:ln w="9525">
-            <a:solidFill>
-              <a:schemeClr val="tx1"/>
-            </a:solidFill>
-            <a:miter lim="800000"/>
-            <a:headEnd/>
-            <a:tailEnd/>
+          <a:ln>
+            <a:noFill/>
           </a:ln>
           <a:effectLst/>
           <a:extLst>
-            <a:ext uri="{909E8E84-426E-40DD-AFC4-6F175D3DCCD1}">
+            <a:ext uri="{909E8E84-426E-40dd-AFC4-6F175D3DCCD1}">
               <a14:hiddenFill xmlns:a14="http://schemas.microsoft.com/office/drawing/2010/main">
                 <a:solidFill>
                   <a:schemeClr val="accent1"/>
                 </a:solidFill>
               </a14:hiddenFill>
             </a:ext>
-            <a:ext uri="{AF507438-7753-43E0-B8FC-AC1667EBCBE1}">
+            <a:ext uri="{91240B29-F687-4f45-9708-019B960494DF}">
+              <a14:hiddenLine xmlns:a14="http://schemas.microsoft.com/office/drawing/2010/main" w="9525">
+                <a:solidFill>
+                  <a:schemeClr val="tx1"/>
+                </a:solidFill>
+                <a:miter lim="800000"/>
+                <a:headEnd/>
+                <a:tailEnd/>
+              </a14:hiddenLine>
+            </a:ext>
+            <a:ext uri="{AF507438-7753-43e0-B8FC-AC1667EBCBE1}">
               <a14:hiddenEffects xmlns:a14="http://schemas.microsoft.com/office/drawing/2010/main">
                 <a:effectLst>
                   <a:outerShdw dist="35921" dir="2700000" algn="ctr" rotWithShape="0">
@@ -9077,15 +8901,60 @@
           </a:extLst>
         </p:spPr>
       </p:pic>
+      <p:sp>
+        <p:nvSpPr>
+          <p:cNvPr id="2" name="ZoneTexte 1"/>
+          <p:cNvSpPr txBox="1"/>
+          <p:nvPr/>
+        </p:nvSpPr>
+        <p:spPr>
+          <a:xfrm>
+            <a:off x="5532676" y="3532082"/>
+            <a:ext cx="2664296" cy="584775"/>
+          </a:xfrm>
+          <a:prstGeom prst="rect">
+            <a:avLst/>
+          </a:prstGeom>
+          <a:noFill/>
+        </p:spPr>
+        <p:txBody>
+          <a:bodyPr wrap="square" rtlCol="0">
+            <a:spAutoFit/>
+          </a:bodyPr>
+          <a:lstStyle/>
+          <a:p>
+            <a:pPr algn="ctr"/>
+            <a:r>
+              <a:rPr lang="fr-FR" sz="1600" dirty="0" err="1" smtClean="0"/>
+              <a:t>Thickness</a:t>
+            </a:r>
+            <a:r>
+              <a:rPr lang="fr-FR" sz="1600" dirty="0" smtClean="0"/>
+              <a:t>: ~100 nm</a:t>
+            </a:r>
+          </a:p>
+          <a:p>
+            <a:pPr algn="ctr"/>
+            <a:r>
+              <a:rPr lang="fr-FR" sz="1600" dirty="0" err="1" smtClean="0"/>
+              <a:t>Coating</a:t>
+            </a:r>
+            <a:r>
+              <a:rPr lang="fr-FR" sz="1600" dirty="0" smtClean="0"/>
+              <a:t>: 5 nm Cr</a:t>
+            </a:r>
+          </a:p>
+        </p:txBody>
+      </p:sp>
       <p:pic>
         <p:nvPicPr>
-          <p:cNvPr id="5124" name="Picture 4"/>
+          <p:cNvPr id="2051" name="Picture 3"/>
           <p:cNvPicPr>
             <a:picLocks noChangeAspect="1" noChangeArrowheads="1"/>
           </p:cNvPicPr>
           <p:nvPr/>
         </p:nvPicPr>
-        <p:blipFill>
+        <p:blipFill rotWithShape="1">
           <a:blip r:embed="rId3">
             <a:extLst>
               <a:ext uri="{28A0092B-C50C-407E-A947-70E740481C1C}">
@@ -9093,38 +8962,41 @@
               </a:ext>
             </a:extLst>
           </a:blip>
-          <a:srcRect/>
-          <a:stretch>
-            <a:fillRect/>
-          </a:stretch>
+          <a:srcRect l="14919"/>
+          <a:stretch/>
         </p:blipFill>
         <p:spPr bwMode="auto">
           <a:xfrm>
-            <a:off x="467544" y="2144740"/>
-            <a:ext cx="4549416" cy="3012451"/>
+            <a:off x="395536" y="1628800"/>
+            <a:ext cx="4176464" cy="4400194"/>
           </a:xfrm>
           <a:prstGeom prst="rect">
             <a:avLst/>
           </a:prstGeom>
           <a:noFill/>
-          <a:ln w="9525">
-            <a:solidFill>
-              <a:schemeClr val="tx1"/>
-            </a:solidFill>
-            <a:miter lim="800000"/>
-            <a:headEnd/>
-            <a:tailEnd/>
+          <a:ln>
+            <a:noFill/>
           </a:ln>
           <a:effectLst/>
           <a:extLst>
-            <a:ext uri="{909E8E84-426E-40DD-AFC4-6F175D3DCCD1}">
+            <a:ext uri="{909E8E84-426E-40dd-AFC4-6F175D3DCCD1}">
               <a14:hiddenFill xmlns:a14="http://schemas.microsoft.com/office/drawing/2010/main">
                 <a:solidFill>
                   <a:schemeClr val="accent1"/>
                 </a:solidFill>
               </a14:hiddenFill>
             </a:ext>
-            <a:ext uri="{AF507438-7753-43E0-B8FC-AC1667EBCBE1}">
+            <a:ext uri="{91240B29-F687-4f45-9708-019B960494DF}">
+              <a14:hiddenLine xmlns:a14="http://schemas.microsoft.com/office/drawing/2010/main" w="9525">
+                <a:solidFill>
+                  <a:schemeClr val="tx1"/>
+                </a:solidFill>
+                <a:miter lim="800000"/>
+                <a:headEnd/>
+                <a:tailEnd/>
+              </a14:hiddenLine>
+            </a:ext>
+            <a:ext uri="{AF507438-7753-43e0-B8FC-AC1667EBCBE1}">
               <a14:hiddenEffects xmlns:a14="http://schemas.microsoft.com/office/drawing/2010/main">
                 <a:effectLst>
                   <a:outerShdw dist="35921" dir="2700000" algn="ctr" rotWithShape="0">
@@ -9138,14 +9010,14 @@
       </p:pic>
       <p:sp>
         <p:nvSpPr>
-          <p:cNvPr id="7" name="ZoneTexte 6"/>
+          <p:cNvPr id="6" name="ZoneTexte 5"/>
           <p:cNvSpPr txBox="1"/>
           <p:nvPr/>
         </p:nvSpPr>
         <p:spPr>
           <a:xfrm>
-            <a:off x="467544" y="1601480"/>
-            <a:ext cx="7920880" cy="369332"/>
+            <a:off x="4932040" y="4437112"/>
+            <a:ext cx="4211960" cy="1477328"/>
           </a:xfrm>
           <a:prstGeom prst="rect">
             <a:avLst/>
@@ -9158,97 +9030,71 @@
           </a:bodyPr>
           <a:lstStyle/>
           <a:p>
+            <a:pPr>
+              <a:lnSpc>
+                <a:spcPct val="200000"/>
+              </a:lnSpc>
+            </a:pPr>
+            <a:r>
+              <a:rPr lang="fr-FR" u="sng" dirty="0" err="1" smtClean="0"/>
+              <a:t>Parameters</a:t>
+            </a:r>
+            <a:r>
+              <a:rPr lang="fr-FR" u="sng" dirty="0" smtClean="0"/>
+              <a:t>:</a:t>
+            </a:r>
+          </a:p>
+          <a:p>
+            <a:pPr>
+              <a:spcAft>
+                <a:spcPts val="3000"/>
+              </a:spcAft>
+            </a:pPr>
             <a:r>
               <a:rPr lang="fr-FR" dirty="0" err="1" smtClean="0"/>
-              <a:t>Detect</a:t>
+              <a:t>Column</a:t>
             </a:r>
             <a:r>
               <a:rPr lang="fr-FR" dirty="0" smtClean="0"/>
-              <a:t> the </a:t>
+              <a:t>: Voltage - Aperture – </a:t>
             </a:r>
             <a:r>
               <a:rPr lang="fr-FR" dirty="0" err="1" smtClean="0"/>
-              <a:t>breakthrough</a:t>
+              <a:t>Current</a:t>
             </a:r>
             <a:r>
               <a:rPr lang="fr-FR" dirty="0" smtClean="0"/>
-              <a:t> for </a:t>
+              <a:t/>
+            </a:r>
+            <a:br>
+              <a:rPr lang="fr-FR" dirty="0" smtClean="0"/>
+            </a:br>
+            <a:r>
+              <a:rPr lang="fr-FR" dirty="0" smtClean="0"/>
+              <a:t>Dot, line and area doses (</a:t>
             </a:r>
             <a:r>
               <a:rPr lang="fr-FR" dirty="0" err="1" smtClean="0"/>
-              <a:t>holes</a:t>
+              <a:t>pC</a:t>
             </a:r>
             <a:r>
               <a:rPr lang="fr-FR" dirty="0" smtClean="0"/>
-              <a:t> and </a:t>
-            </a:r>
+              <a:t>)</a:t>
+            </a:r>
+            <a:br>
+              <a:rPr lang="fr-FR" dirty="0" smtClean="0"/>
+            </a:br>
             <a:r>
               <a:rPr lang="fr-FR" dirty="0" err="1" smtClean="0"/>
-              <a:t>lines</a:t>
-            </a:r>
-            <a:endParaRPr lang="fr-FR" dirty="0" smtClean="0"/>
-          </a:p>
-        </p:txBody>
-      </p:sp>
-      <p:sp>
-        <p:nvSpPr>
-          <p:cNvPr id="2" name="ZoneTexte 1"/>
-          <p:cNvSpPr txBox="1"/>
-          <p:nvPr/>
-        </p:nvSpPr>
-        <p:spPr>
-          <a:xfrm>
-            <a:off x="2123728" y="5347836"/>
-            <a:ext cx="1162498" cy="369332"/>
-          </a:xfrm>
-          <a:prstGeom prst="rect">
-            <a:avLst/>
-          </a:prstGeom>
-          <a:noFill/>
-        </p:spPr>
-        <p:txBody>
-          <a:bodyPr wrap="none" rtlCol="0">
-            <a:spAutoFit/>
-          </a:bodyPr>
-          <a:lstStyle/>
-          <a:p>
+              <a:t>Number</a:t>
+            </a:r>
+            <a:r>
+              <a:rPr lang="fr-FR" dirty="0" smtClean="0"/>
+              <a:t> of </a:t>
+            </a:r>
             <a:r>
               <a:rPr lang="fr-FR" dirty="0" err="1" smtClean="0"/>
-              <a:t>Make-fall</a:t>
-            </a:r>
-            <a:endParaRPr lang="fr-FR" dirty="0"/>
-          </a:p>
-        </p:txBody>
-      </p:sp>
-      <p:sp>
-        <p:nvSpPr>
-          <p:cNvPr id="3" name="ZoneTexte 2"/>
-          <p:cNvSpPr txBox="1"/>
-          <p:nvPr/>
-        </p:nvSpPr>
-        <p:spPr>
-          <a:xfrm>
-            <a:off x="5796136" y="5717168"/>
-            <a:ext cx="1720343" cy="369332"/>
-          </a:xfrm>
-          <a:prstGeom prst="rect">
-            <a:avLst/>
-          </a:prstGeom>
-          <a:noFill/>
-        </p:spPr>
-        <p:txBody>
-          <a:bodyPr wrap="none" rtlCol="0">
-            <a:spAutoFit/>
-          </a:bodyPr>
-          <a:lstStyle/>
-          <a:p>
-            <a:r>
-              <a:rPr lang="fr-FR" dirty="0" smtClean="0"/>
-              <a:t>Use of </a:t>
-            </a:r>
-            <a:r>
-              <a:rPr lang="fr-FR" dirty="0" err="1" smtClean="0"/>
-              <a:t>contrast</a:t>
+              <a:t>loops</a:t>
             </a:r>
             <a:endParaRPr lang="fr-FR" dirty="0"/>
           </a:p>
@@ -9257,7 +9103,7 @@
     </p:spTree>
     <p:extLst>
       <p:ext uri="{BB962C8B-B14F-4D97-AF65-F5344CB8AC3E}">
-        <p14:creationId xmlns:p14="http://schemas.microsoft.com/office/powerpoint/2010/main" val="311896214"/>
+        <p14:creationId xmlns:p14="http://schemas.microsoft.com/office/powerpoint/2010/main" val="3468856319"/>
       </p:ext>
     </p:extLst>
   </p:cSld>
@@ -9267,7 +9113,7 @@
   <p:timing>
     <p:tnLst>
       <p:par>
-        <p:cTn id="1" dur="indefinite" restart="never" nodeType="tmRoot"/>
+        <p:cTn xmlns:p14="http://schemas.microsoft.com/office/powerpoint/2010/main" id="1" dur="indefinite" restart="never" nodeType="tmRoot"/>
       </p:par>
     </p:tnLst>
   </p:timing>
@@ -9293,262 +9139,32 @@
       </p:grpSpPr>
       <p:sp>
         <p:nvSpPr>
-          <p:cNvPr id="4" name="Titre 1"/>
+          <p:cNvPr id="3" name="Espace réservé du contenu 2"/>
           <p:cNvSpPr>
             <a:spLocks noGrp="1"/>
           </p:cNvSpPr>
           <p:nvPr>
-            <p:ph type="title"/>
+            <p:ph sz="quarter" idx="1"/>
           </p:nvPr>
         </p:nvSpPr>
         <p:spPr/>
         <p:txBody>
-          <a:bodyPr>
-            <a:normAutofit/>
-          </a:bodyPr>
-          <a:lstStyle/>
-          <a:p>
-            <a:r>
-              <a:rPr lang="fr-FR" dirty="0" err="1" smtClean="0"/>
-              <a:t>Milling</a:t>
-            </a:r>
-            <a:r>
-              <a:rPr lang="fr-FR" dirty="0" smtClean="0"/>
-              <a:t> </a:t>
-            </a:r>
-            <a:r>
-              <a:rPr lang="fr-FR" dirty="0" err="1" smtClean="0"/>
-              <a:t>through</a:t>
-            </a:r>
-            <a:r>
-              <a:rPr lang="fr-FR" dirty="0" smtClean="0"/>
-              <a:t> the membrane</a:t>
-            </a:r>
-            <a:endParaRPr lang="fr-FR" dirty="0"/>
-          </a:p>
-        </p:txBody>
-      </p:sp>
-      <p:sp>
-        <p:nvSpPr>
-          <p:cNvPr id="5" name="ZoneTexte 4"/>
-          <p:cNvSpPr txBox="1"/>
-          <p:nvPr/>
-        </p:nvSpPr>
-        <p:spPr>
-          <a:xfrm>
-            <a:off x="5004048" y="1556792"/>
-            <a:ext cx="3600400" cy="3693319"/>
-          </a:xfrm>
-          <a:prstGeom prst="rect">
-            <a:avLst/>
-          </a:prstGeom>
-          <a:noFill/>
-        </p:spPr>
-        <p:txBody>
-          <a:bodyPr wrap="square" rtlCol="0">
-            <a:spAutoFit/>
-          </a:bodyPr>
-          <a:lstStyle/>
-          <a:p>
-            <a:r>
-              <a:rPr lang="fr-FR" u="sng" dirty="0" err="1" smtClean="0"/>
-              <a:t>Remarks</a:t>
-            </a:r>
-            <a:r>
-              <a:rPr lang="fr-FR" u="sng" dirty="0" smtClean="0"/>
-              <a:t>:</a:t>
-            </a:r>
-          </a:p>
-          <a:p>
-            <a:pPr marL="285750" indent="-285750">
-              <a:buFont typeface="Arial" pitchFamily="34" charset="0"/>
-              <a:buChar char="•"/>
-            </a:pPr>
-            <a:endParaRPr lang="fr-FR" dirty="0"/>
-          </a:p>
-          <a:p>
-            <a:pPr marL="285750" indent="-285750">
-              <a:buFont typeface="Arial" pitchFamily="34" charset="0"/>
-              <a:buChar char="•"/>
-            </a:pPr>
-            <a:r>
-              <a:rPr lang="fr-FR" dirty="0" smtClean="0"/>
-              <a:t>If the </a:t>
-            </a:r>
-            <a:r>
-              <a:rPr lang="fr-FR" dirty="0" err="1" smtClean="0"/>
-              <a:t>number</a:t>
-            </a:r>
-            <a:r>
-              <a:rPr lang="fr-FR" dirty="0" smtClean="0"/>
-              <a:t> of </a:t>
-            </a:r>
-            <a:r>
-              <a:rPr lang="fr-FR" dirty="0" err="1" smtClean="0"/>
-              <a:t>loops</a:t>
-            </a:r>
-            <a:r>
-              <a:rPr lang="fr-FR" dirty="0" smtClean="0"/>
-              <a:t> </a:t>
-            </a:r>
-            <a:r>
-              <a:rPr lang="fr-FR" dirty="0" err="1" smtClean="0"/>
-              <a:t>is</a:t>
-            </a:r>
-            <a:r>
-              <a:rPr lang="fr-FR" dirty="0" smtClean="0"/>
-              <a:t> </a:t>
-            </a:r>
-            <a:r>
-              <a:rPr lang="fr-FR" dirty="0" err="1" smtClean="0"/>
-              <a:t>increased</a:t>
-            </a:r>
-            <a:r>
-              <a:rPr lang="fr-FR" dirty="0" smtClean="0"/>
-              <a:t>, </a:t>
-            </a:r>
-            <a:r>
-              <a:rPr lang="fr-FR" dirty="0" err="1" smtClean="0"/>
-              <a:t>we</a:t>
-            </a:r>
-            <a:r>
-              <a:rPr lang="fr-FR" dirty="0" smtClean="0"/>
-              <a:t> must </a:t>
-            </a:r>
-            <a:r>
-              <a:rPr lang="fr-FR" dirty="0" err="1" smtClean="0"/>
-              <a:t>increase</a:t>
-            </a:r>
-            <a:r>
-              <a:rPr lang="fr-FR" dirty="0" smtClean="0"/>
-              <a:t> the total charge to </a:t>
-            </a:r>
-            <a:r>
-              <a:rPr lang="fr-FR" dirty="0" err="1" smtClean="0"/>
-              <a:t>mill</a:t>
-            </a:r>
-            <a:r>
-              <a:rPr lang="fr-FR" dirty="0" smtClean="0"/>
-              <a:t> </a:t>
-            </a:r>
-            <a:r>
-              <a:rPr lang="fr-FR" dirty="0" err="1" smtClean="0"/>
-              <a:t>through</a:t>
-            </a:r>
-            <a:r>
-              <a:rPr lang="fr-FR" dirty="0" smtClean="0"/>
-              <a:t>. </a:t>
-            </a:r>
-          </a:p>
-          <a:p>
-            <a:pPr marL="285750" indent="-285750">
-              <a:buFont typeface="Arial" pitchFamily="34" charset="0"/>
-              <a:buChar char="•"/>
-            </a:pPr>
-            <a:r>
-              <a:rPr lang="fr-FR" dirty="0" err="1" smtClean="0"/>
-              <a:t>Some</a:t>
-            </a:r>
-            <a:r>
-              <a:rPr lang="fr-FR" dirty="0" smtClean="0"/>
-              <a:t> line </a:t>
-            </a:r>
-            <a:r>
-              <a:rPr lang="fr-FR" dirty="0" err="1" smtClean="0"/>
-              <a:t>milling</a:t>
-            </a:r>
-            <a:r>
-              <a:rPr lang="fr-FR" dirty="0" smtClean="0"/>
-              <a:t> are </a:t>
-            </a:r>
-            <a:r>
-              <a:rPr lang="fr-FR" dirty="0" err="1" smtClean="0"/>
-              <a:t>inhomogeneous</a:t>
-            </a:r>
-            <a:r>
-              <a:rPr lang="fr-FR" dirty="0" smtClean="0"/>
-              <a:t>:</a:t>
-            </a:r>
-          </a:p>
-          <a:p>
-            <a:pPr marL="285750" indent="-285750">
-              <a:buFont typeface="Arial" pitchFamily="34" charset="0"/>
-              <a:buChar char="•"/>
-            </a:pPr>
-            <a:endParaRPr lang="fr-FR" dirty="0" smtClean="0"/>
-          </a:p>
-          <a:p>
-            <a:endParaRPr lang="fr-FR" dirty="0" smtClean="0"/>
-          </a:p>
-          <a:p>
-            <a:pPr marL="285750" indent="-285750">
-              <a:buFont typeface="Arial" pitchFamily="34" charset="0"/>
-              <a:buChar char="•"/>
-            </a:pPr>
-            <a:r>
-              <a:rPr lang="fr-FR" dirty="0" err="1" smtClean="0"/>
-              <a:t>When</a:t>
-            </a:r>
-            <a:r>
-              <a:rPr lang="fr-FR" dirty="0" smtClean="0"/>
-              <a:t> </a:t>
-            </a:r>
-            <a:r>
-              <a:rPr lang="fr-FR" dirty="0" err="1" smtClean="0"/>
-              <a:t>we</a:t>
-            </a:r>
-            <a:r>
-              <a:rPr lang="fr-FR" dirty="0" smtClean="0"/>
-              <a:t> </a:t>
-            </a:r>
-            <a:r>
-              <a:rPr lang="fr-FR" dirty="0" err="1" smtClean="0"/>
-              <a:t>mill</a:t>
-            </a:r>
-            <a:r>
-              <a:rPr lang="fr-FR" dirty="0" smtClean="0"/>
-              <a:t> a large area, </a:t>
-            </a:r>
-            <a:r>
-              <a:rPr lang="fr-FR" dirty="0" err="1" smtClean="0"/>
-              <a:t>it</a:t>
-            </a:r>
-            <a:r>
-              <a:rPr lang="fr-FR" dirty="0"/>
-              <a:t> </a:t>
-            </a:r>
-            <a:r>
-              <a:rPr lang="fr-FR" dirty="0" err="1" smtClean="0"/>
-              <a:t>boosts</a:t>
-            </a:r>
-            <a:r>
-              <a:rPr lang="fr-FR" dirty="0" smtClean="0"/>
-              <a:t> the </a:t>
-            </a:r>
-            <a:r>
-              <a:rPr lang="fr-FR" dirty="0" err="1" smtClean="0"/>
-              <a:t>milling</a:t>
-            </a:r>
-            <a:r>
-              <a:rPr lang="fr-FR" dirty="0" smtClean="0"/>
-              <a:t> of the </a:t>
-            </a:r>
-            <a:r>
-              <a:rPr lang="fr-FR" dirty="0" err="1" smtClean="0"/>
-              <a:t>surrounding</a:t>
-            </a:r>
-            <a:r>
-              <a:rPr lang="fr-FR" dirty="0" smtClean="0"/>
-              <a:t> membrane.</a:t>
-            </a:r>
-            <a:endParaRPr lang="fr-FR" dirty="0"/>
+          <a:bodyPr/>
+          <a:lstStyle/>
+          <a:p>
+            <a:endParaRPr lang="en-AU" dirty="0" smtClean="0"/>
+          </a:p>
+          <a:p>
+            <a:endParaRPr lang="en-AU" dirty="0"/>
           </a:p>
         </p:txBody>
       </p:sp>
       <p:pic>
         <p:nvPicPr>
-          <p:cNvPr id="9" name="Image 8"/>
-          <p:cNvPicPr/>
+          <p:cNvPr id="3076" name="Picture 4"/>
+          <p:cNvPicPr>
+            <a:picLocks noChangeAspect="1" noChangeArrowheads="1"/>
+          </p:cNvPicPr>
           <p:nvPr/>
         </p:nvPicPr>
         <p:blipFill>
@@ -9566,8 +9182,8 @@
         </p:blipFill>
         <p:spPr bwMode="auto">
           <a:xfrm>
-            <a:off x="7668344" y="3177540"/>
-            <a:ext cx="1150059" cy="1051054"/>
+            <a:off x="323528" y="1700809"/>
+            <a:ext cx="4824536" cy="2700120"/>
           </a:xfrm>
           <a:prstGeom prst="rect">
             <a:avLst/>
@@ -9576,17 +9192,134 @@
           <a:ln>
             <a:noFill/>
           </a:ln>
+          <a:effectLst/>
+          <a:extLst>
+            <a:ext uri="{909E8E84-426E-40dd-AFC4-6F175D3DCCD1}">
+              <a14:hiddenFill xmlns:a14="http://schemas.microsoft.com/office/drawing/2010/main">
+                <a:solidFill>
+                  <a:schemeClr val="accent1"/>
+                </a:solidFill>
+              </a14:hiddenFill>
+            </a:ext>
+            <a:ext uri="{91240B29-F687-4f45-9708-019B960494DF}">
+              <a14:hiddenLine xmlns:a14="http://schemas.microsoft.com/office/drawing/2010/main" w="9525">
+                <a:solidFill>
+                  <a:schemeClr val="tx1"/>
+                </a:solidFill>
+                <a:miter lim="800000"/>
+                <a:headEnd/>
+                <a:tailEnd/>
+              </a14:hiddenLine>
+            </a:ext>
+            <a:ext uri="{AF507438-7753-43e0-B8FC-AC1667EBCBE1}">
+              <a14:hiddenEffects xmlns:a14="http://schemas.microsoft.com/office/drawing/2010/main">
+                <a:effectLst>
+                  <a:outerShdw dist="35921" dir="2700000" algn="ctr" rotWithShape="0">
+                    <a:schemeClr val="bg2"/>
+                  </a:outerShdw>
+                </a:effectLst>
+              </a14:hiddenEffects>
+            </a:ext>
+          </a:extLst>
         </p:spPr>
       </p:pic>
+      <p:sp>
+        <p:nvSpPr>
+          <p:cNvPr id="23" name="ZoneTexte 22"/>
+          <p:cNvSpPr txBox="1"/>
+          <p:nvPr/>
+        </p:nvSpPr>
+        <p:spPr>
+          <a:xfrm>
+            <a:off x="5508104" y="1988840"/>
+            <a:ext cx="4392488" cy="1200329"/>
+          </a:xfrm>
+          <a:prstGeom prst="rect">
+            <a:avLst/>
+          </a:prstGeom>
+          <a:noFill/>
+        </p:spPr>
+        <p:txBody>
+          <a:bodyPr wrap="square" rtlCol="0">
+            <a:spAutoFit/>
+          </a:bodyPr>
+          <a:lstStyle/>
+          <a:p>
+            <a:r>
+              <a:rPr lang="en-AU" dirty="0" smtClean="0"/>
+              <a:t>Repeatability</a:t>
+            </a:r>
+          </a:p>
+          <a:p>
+            <a:r>
+              <a:rPr lang="en-AU" dirty="0" smtClean="0"/>
+              <a:t>Step between dots</a:t>
+            </a:r>
+          </a:p>
+          <a:p>
+            <a:r>
+              <a:rPr lang="en-AU" dirty="0" smtClean="0"/>
+              <a:t>Total charge to mill through</a:t>
+            </a:r>
+          </a:p>
+          <a:p>
+            <a:r>
+              <a:rPr lang="en-AU" dirty="0" smtClean="0"/>
+              <a:t>	Hole size</a:t>
+            </a:r>
+            <a:r>
+              <a:rPr lang="fr-FR" dirty="0" smtClean="0"/>
+              <a:t> </a:t>
+            </a:r>
+            <a:endParaRPr lang="fr-FR" dirty="0"/>
+          </a:p>
+        </p:txBody>
+      </p:sp>
+      <p:cxnSp>
+        <p:nvCxnSpPr>
+          <p:cNvPr id="25" name="Connecteur droit avec flèche 24"/>
+          <p:cNvCxnSpPr/>
+          <p:nvPr/>
+        </p:nvCxnSpPr>
+        <p:spPr>
+          <a:xfrm>
+            <a:off x="5940152" y="2996952"/>
+            <a:ext cx="432048" cy="0"/>
+          </a:xfrm>
+          <a:prstGeom prst="straightConnector1">
+            <a:avLst/>
+          </a:prstGeom>
+          <a:ln w="28575">
+            <a:solidFill>
+              <a:schemeClr val="tx1"/>
+            </a:solidFill>
+            <a:tailEnd type="arrow"/>
+          </a:ln>
+        </p:spPr>
+        <p:style>
+          <a:lnRef idx="1">
+            <a:schemeClr val="accent1"/>
+          </a:lnRef>
+          <a:fillRef idx="0">
+            <a:schemeClr val="accent1"/>
+          </a:fillRef>
+          <a:effectRef idx="0">
+            <a:schemeClr val="accent1"/>
+          </a:effectRef>
+          <a:fontRef idx="minor">
+            <a:schemeClr val="tx1"/>
+          </a:fontRef>
+        </p:style>
+      </p:cxnSp>
       <p:pic>
         <p:nvPicPr>
-          <p:cNvPr id="6147" name="Picture 3" descr="C:\Users\Adrien\Documents\GitHub\Australie\Presentation\exp6.jpg"/>
+          <p:cNvPr id="3080" name="Picture 8"/>
           <p:cNvPicPr>
             <a:picLocks noChangeAspect="1" noChangeArrowheads="1"/>
           </p:cNvPicPr>
           <p:nvPr/>
         </p:nvPicPr>
-        <p:blipFill rotWithShape="1">
+        <p:blipFill>
           <a:blip r:embed="rId3">
             <a:extLst>
               <a:ext uri="{28A0092B-C50C-407E-A947-70E740481C1C}">
@@ -9594,33 +9327,310 @@
               </a:ext>
             </a:extLst>
           </a:blip>
-          <a:srcRect l="13429" t="16884" r="14540" b="23725"/>
-          <a:stretch/>
+          <a:srcRect/>
+          <a:stretch>
+            <a:fillRect/>
+          </a:stretch>
         </p:blipFill>
         <p:spPr bwMode="auto">
           <a:xfrm>
-            <a:off x="404704" y="1700808"/>
-            <a:ext cx="4346327" cy="3450664"/>
+            <a:off x="349051" y="4581128"/>
+            <a:ext cx="5765701" cy="1743119"/>
           </a:xfrm>
           <a:prstGeom prst="rect">
             <a:avLst/>
           </a:prstGeom>
           <a:noFill/>
+          <a:ln>
+            <a:noFill/>
+          </a:ln>
+          <a:effectLst/>
           <a:extLst>
-            <a:ext uri="{909E8E84-426E-40DD-AFC4-6F175D3DCCD1}">
+            <a:ext uri="{909E8E84-426E-40dd-AFC4-6F175D3DCCD1}">
               <a14:hiddenFill xmlns:a14="http://schemas.microsoft.com/office/drawing/2010/main">
                 <a:solidFill>
-                  <a:srgbClr val="FFFFFF"/>
+                  <a:schemeClr val="accent1"/>
                 </a:solidFill>
               </a14:hiddenFill>
             </a:ext>
+            <a:ext uri="{91240B29-F687-4f45-9708-019B960494DF}">
+              <a14:hiddenLine xmlns:a14="http://schemas.microsoft.com/office/drawing/2010/main" w="9525">
+                <a:solidFill>
+                  <a:schemeClr val="tx1"/>
+                </a:solidFill>
+                <a:miter lim="800000"/>
+                <a:headEnd/>
+                <a:tailEnd/>
+              </a14:hiddenLine>
+            </a:ext>
+            <a:ext uri="{AF507438-7753-43e0-B8FC-AC1667EBCBE1}">
+              <a14:hiddenEffects xmlns:a14="http://schemas.microsoft.com/office/drawing/2010/main">
+                <a:effectLst>
+                  <a:outerShdw dist="35921" dir="2700000" algn="ctr" rotWithShape="0">
+                    <a:schemeClr val="bg2"/>
+                  </a:outerShdw>
+                </a:effectLst>
+              </a14:hiddenEffects>
+            </a:ext>
           </a:extLst>
         </p:spPr>
       </p:pic>
+      <p:sp>
+        <p:nvSpPr>
+          <p:cNvPr id="26" name="ZoneTexte 25"/>
+          <p:cNvSpPr txBox="1"/>
+          <p:nvPr/>
+        </p:nvSpPr>
+        <p:spPr>
+          <a:xfrm>
+            <a:off x="464613" y="5894164"/>
+            <a:ext cx="2145139" cy="369332"/>
+          </a:xfrm>
+          <a:prstGeom prst="rect">
+            <a:avLst/>
+          </a:prstGeom>
+          <a:solidFill>
+            <a:schemeClr val="bg1"/>
+          </a:solidFill>
+        </p:spPr>
+        <p:txBody>
+          <a:bodyPr wrap="none" rtlCol="0">
+            <a:spAutoFit/>
+          </a:bodyPr>
+          <a:lstStyle/>
+          <a:p>
+            <a:r>
+              <a:rPr lang="fr-FR" dirty="0" smtClean="0"/>
+              <a:t>Not </a:t>
+            </a:r>
+            <a:r>
+              <a:rPr lang="fr-FR" dirty="0" err="1" smtClean="0"/>
+              <a:t>milled</a:t>
+            </a:r>
+            <a:r>
+              <a:rPr lang="fr-FR" dirty="0" smtClean="0"/>
+              <a:t> </a:t>
+            </a:r>
+            <a:r>
+              <a:rPr lang="fr-FR" dirty="0" err="1" smtClean="0"/>
+              <a:t>through</a:t>
+            </a:r>
+            <a:endParaRPr lang="fr-FR" dirty="0"/>
+          </a:p>
+        </p:txBody>
+      </p:sp>
+      <p:sp>
+        <p:nvSpPr>
+          <p:cNvPr id="36" name="ZoneTexte 35"/>
+          <p:cNvSpPr txBox="1"/>
+          <p:nvPr/>
+        </p:nvSpPr>
+        <p:spPr>
+          <a:xfrm>
+            <a:off x="3954177" y="5894164"/>
+            <a:ext cx="1923925" cy="369332"/>
+          </a:xfrm>
+          <a:prstGeom prst="rect">
+            <a:avLst/>
+          </a:prstGeom>
+          <a:solidFill>
+            <a:schemeClr val="bg1"/>
+          </a:solidFill>
+        </p:spPr>
+        <p:txBody>
+          <a:bodyPr wrap="none" rtlCol="0">
+            <a:spAutoFit/>
+          </a:bodyPr>
+          <a:lstStyle/>
+          <a:p>
+            <a:r>
+              <a:rPr lang="fr-FR" dirty="0" smtClean="0"/>
+              <a:t>~ </a:t>
+            </a:r>
+            <a:r>
+              <a:rPr lang="fr-FR" dirty="0" err="1" smtClean="0"/>
+              <a:t>Milled</a:t>
+            </a:r>
+            <a:r>
+              <a:rPr lang="fr-FR" dirty="0" smtClean="0"/>
+              <a:t> </a:t>
+            </a:r>
+            <a:r>
+              <a:rPr lang="fr-FR" dirty="0" err="1" smtClean="0"/>
+              <a:t>through</a:t>
+            </a:r>
+            <a:endParaRPr lang="fr-FR" dirty="0"/>
+          </a:p>
+        </p:txBody>
+      </p:sp>
+      <p:pic>
+        <p:nvPicPr>
+          <p:cNvPr id="3081" name="Picture 9"/>
+          <p:cNvPicPr>
+            <a:picLocks noChangeAspect="1" noChangeArrowheads="1"/>
+          </p:cNvPicPr>
+          <p:nvPr/>
+        </p:nvPicPr>
+        <p:blipFill>
+          <a:blip r:embed="rId4">
+            <a:extLst>
+              <a:ext uri="{28A0092B-C50C-407E-A947-70E740481C1C}">
+                <a14:useLocalDpi xmlns:a14="http://schemas.microsoft.com/office/drawing/2010/main" val="0"/>
+              </a:ext>
+            </a:extLst>
+          </a:blip>
+          <a:srcRect/>
+          <a:stretch>
+            <a:fillRect/>
+          </a:stretch>
+        </p:blipFill>
+        <p:spPr bwMode="auto">
+          <a:xfrm>
+            <a:off x="6804248" y="3857703"/>
+            <a:ext cx="1409700" cy="1990725"/>
+          </a:xfrm>
+          <a:prstGeom prst="rect">
+            <a:avLst/>
+          </a:prstGeom>
+          <a:noFill/>
+          <a:ln>
+            <a:noFill/>
+          </a:ln>
+          <a:effectLst/>
+          <a:extLst>
+            <a:ext uri="{909E8E84-426E-40dd-AFC4-6F175D3DCCD1}">
+              <a14:hiddenFill xmlns:a14="http://schemas.microsoft.com/office/drawing/2010/main">
+                <a:solidFill>
+                  <a:schemeClr val="accent1"/>
+                </a:solidFill>
+              </a14:hiddenFill>
+            </a:ext>
+            <a:ext uri="{91240B29-F687-4f45-9708-019B960494DF}">
+              <a14:hiddenLine xmlns:a14="http://schemas.microsoft.com/office/drawing/2010/main" w="9525">
+                <a:solidFill>
+                  <a:schemeClr val="tx1"/>
+                </a:solidFill>
+                <a:miter lim="800000"/>
+                <a:headEnd/>
+                <a:tailEnd/>
+              </a14:hiddenLine>
+            </a:ext>
+            <a:ext uri="{AF507438-7753-43e0-B8FC-AC1667EBCBE1}">
+              <a14:hiddenEffects xmlns:a14="http://schemas.microsoft.com/office/drawing/2010/main">
+                <a:effectLst>
+                  <a:outerShdw dist="35921" dir="2700000" algn="ctr" rotWithShape="0">
+                    <a:schemeClr val="bg2"/>
+                  </a:outerShdw>
+                </a:effectLst>
+              </a14:hiddenEffects>
+            </a:ext>
+          </a:extLst>
+        </p:spPr>
+      </p:pic>
+      <p:sp>
+        <p:nvSpPr>
+          <p:cNvPr id="38" name="ZoneTexte 37"/>
+          <p:cNvSpPr txBox="1"/>
+          <p:nvPr/>
+        </p:nvSpPr>
+        <p:spPr>
+          <a:xfrm>
+            <a:off x="6516216" y="5894164"/>
+            <a:ext cx="2182008" cy="369332"/>
+          </a:xfrm>
+          <a:prstGeom prst="rect">
+            <a:avLst/>
+          </a:prstGeom>
+          <a:solidFill>
+            <a:schemeClr val="bg1"/>
+          </a:solidFill>
+        </p:spPr>
+        <p:txBody>
+          <a:bodyPr wrap="none" rtlCol="0">
+            <a:spAutoFit/>
+          </a:bodyPr>
+          <a:lstStyle/>
+          <a:p>
+            <a:r>
+              <a:rPr lang="fr-FR" dirty="0" smtClean="0"/>
+              <a:t>Not </a:t>
+            </a:r>
+            <a:r>
+              <a:rPr lang="fr-FR" dirty="0" err="1" smtClean="0"/>
+              <a:t>distinguishable</a:t>
+            </a:r>
+            <a:endParaRPr lang="fr-FR" dirty="0"/>
+          </a:p>
+        </p:txBody>
+      </p:sp>
+      <p:sp>
+        <p:nvSpPr>
+          <p:cNvPr id="39" name="ZoneTexte 38"/>
+          <p:cNvSpPr txBox="1"/>
+          <p:nvPr/>
+        </p:nvSpPr>
+        <p:spPr>
+          <a:xfrm>
+            <a:off x="6601962" y="3429000"/>
+            <a:ext cx="1784463" cy="369332"/>
+          </a:xfrm>
+          <a:prstGeom prst="rect">
+            <a:avLst/>
+          </a:prstGeom>
+          <a:solidFill>
+            <a:schemeClr val="bg1"/>
+          </a:solidFill>
+        </p:spPr>
+        <p:txBody>
+          <a:bodyPr wrap="none" rtlCol="0">
+            <a:spAutoFit/>
+          </a:bodyPr>
+          <a:lstStyle/>
+          <a:p>
+            <a:r>
+              <a:rPr lang="fr-FR" dirty="0" err="1" smtClean="0"/>
+              <a:t>Distinguishable</a:t>
+            </a:r>
+            <a:endParaRPr lang="fr-FR" dirty="0"/>
+          </a:p>
+        </p:txBody>
+      </p:sp>
+      <p:sp>
+        <p:nvSpPr>
+          <p:cNvPr id="42" name="Titre 1"/>
+          <p:cNvSpPr>
+            <a:spLocks noGrp="1"/>
+          </p:cNvSpPr>
+          <p:nvPr>
+            <p:ph type="title"/>
+          </p:nvPr>
+        </p:nvSpPr>
+        <p:spPr>
+          <a:xfrm>
+            <a:off x="301752" y="228600"/>
+            <a:ext cx="8534400" cy="758952"/>
+          </a:xfrm>
+        </p:spPr>
+        <p:txBody>
+          <a:bodyPr/>
+          <a:lstStyle/>
+          <a:p>
+            <a:r>
+              <a:rPr lang="fr-FR" dirty="0" smtClean="0"/>
+              <a:t>Tests of </a:t>
+            </a:r>
+            <a:r>
+              <a:rPr lang="fr-FR" dirty="0" err="1" smtClean="0"/>
+              <a:t>resolution</a:t>
+            </a:r>
+            <a:endParaRPr lang="fr-FR" dirty="0"/>
+          </a:p>
+        </p:txBody>
+      </p:sp>
     </p:spTree>
     <p:extLst>
       <p:ext uri="{BB962C8B-B14F-4D97-AF65-F5344CB8AC3E}">
-        <p14:creationId xmlns:p14="http://schemas.microsoft.com/office/powerpoint/2010/main" val="4083486582"/>
+        <p14:creationId xmlns:p14="http://schemas.microsoft.com/office/powerpoint/2010/main" val="2117400454"/>
       </p:ext>
     </p:extLst>
   </p:cSld>
@@ -9630,10 +9640,158 @@
   <p:timing>
     <p:tnLst>
       <p:par>
-        <p:cTn id="1" dur="indefinite" restart="never" nodeType="tmRoot"/>
+        <p:cTn xmlns:p14="http://schemas.microsoft.com/office/powerpoint/2010/main" id="1" dur="indefinite" restart="never" nodeType="tmRoot"/>
       </p:par>
     </p:tnLst>
   </p:timing>
+</p:sld>
+</file>
+
+<file path=ppt/slides/slide9.xml><?xml version="1.0" encoding="utf-8"?>
+<p:sld xmlns:a="http://schemas.openxmlformats.org/drawingml/2006/main" xmlns:r="http://schemas.openxmlformats.org/officeDocument/2006/relationships" xmlns:p="http://schemas.openxmlformats.org/presentationml/2006/main">
+  <p:cSld>
+    <p:spTree>
+      <p:nvGrpSpPr>
+        <p:cNvPr id="1" name=""/>
+        <p:cNvGrpSpPr/>
+        <p:nvPr/>
+      </p:nvGrpSpPr>
+      <p:grpSpPr>
+        <a:xfrm>
+          <a:off x="0" y="0"/>
+          <a:ext cx="0" cy="0"/>
+          <a:chOff x="0" y="0"/>
+          <a:chExt cx="0" cy="0"/>
+        </a:xfrm>
+      </p:grpSpPr>
+      <p:sp>
+        <p:nvSpPr>
+          <p:cNvPr id="2" name="Titre 1"/>
+          <p:cNvSpPr>
+            <a:spLocks noGrp="1"/>
+          </p:cNvSpPr>
+          <p:nvPr>
+            <p:ph type="title"/>
+          </p:nvPr>
+        </p:nvSpPr>
+        <p:spPr/>
+        <p:txBody>
+          <a:bodyPr/>
+          <a:lstStyle/>
+          <a:p>
+            <a:r>
+              <a:rPr lang="fr-FR" dirty="0" smtClean="0"/>
+              <a:t>Conclusion</a:t>
+            </a:r>
+            <a:endParaRPr lang="fr-FR" dirty="0"/>
+          </a:p>
+        </p:txBody>
+      </p:sp>
+      <p:sp>
+        <p:nvSpPr>
+          <p:cNvPr id="3" name="Espace réservé du contenu 2"/>
+          <p:cNvSpPr>
+            <a:spLocks noGrp="1"/>
+          </p:cNvSpPr>
+          <p:nvPr>
+            <p:ph sz="quarter" idx="1"/>
+          </p:nvPr>
+        </p:nvSpPr>
+        <p:spPr/>
+        <p:txBody>
+          <a:bodyPr/>
+          <a:lstStyle/>
+          <a:p>
+            <a:pPr marL="0" indent="0">
+              <a:buNone/>
+            </a:pPr>
+            <a:r>
+              <a:rPr lang="fr-FR" dirty="0" err="1" smtClean="0"/>
+              <a:t>Next</a:t>
+            </a:r>
+            <a:r>
+              <a:rPr lang="fr-FR" dirty="0" smtClean="0"/>
+              <a:t> </a:t>
+            </a:r>
+            <a:r>
+              <a:rPr lang="fr-FR" dirty="0" err="1" smtClean="0"/>
+              <a:t>weeks</a:t>
+            </a:r>
+            <a:r>
+              <a:rPr lang="fr-FR" dirty="0" smtClean="0"/>
+              <a:t>:</a:t>
+            </a:r>
+          </a:p>
+          <a:p>
+            <a:r>
+              <a:rPr lang="fr-FR" dirty="0" smtClean="0"/>
+              <a:t>Use of SEM</a:t>
+            </a:r>
+          </a:p>
+          <a:p>
+            <a:r>
+              <a:rPr lang="fr-FR" dirty="0" smtClean="0"/>
+              <a:t>Use the 1 </a:t>
+            </a:r>
+            <a:r>
+              <a:rPr lang="fr-FR" dirty="0" err="1" smtClean="0"/>
+              <a:t>pA</a:t>
+            </a:r>
+            <a:r>
+              <a:rPr lang="fr-FR" dirty="0" smtClean="0"/>
+              <a:t> </a:t>
+            </a:r>
+            <a:r>
+              <a:rPr lang="fr-FR" dirty="0" err="1" smtClean="0"/>
+              <a:t>column</a:t>
+            </a:r>
+            <a:endParaRPr lang="fr-FR" dirty="0" smtClean="0"/>
+          </a:p>
+          <a:p>
+            <a:r>
+              <a:rPr lang="fr-FR" dirty="0" smtClean="0"/>
+              <a:t>Change the </a:t>
+            </a:r>
+            <a:r>
+              <a:rPr lang="fr-FR" dirty="0" err="1" smtClean="0"/>
+              <a:t>coating</a:t>
+            </a:r>
+            <a:r>
+              <a:rPr lang="fr-FR" dirty="0" smtClean="0"/>
+              <a:t> (10 nm Cr)</a:t>
+            </a:r>
+          </a:p>
+          <a:p>
+            <a:r>
+              <a:rPr lang="fr-FR" dirty="0" err="1" smtClean="0"/>
+              <a:t>Milling</a:t>
+            </a:r>
+            <a:r>
+              <a:rPr lang="fr-FR" dirty="0" smtClean="0"/>
+              <a:t> </a:t>
+            </a:r>
+            <a:r>
+              <a:rPr lang="fr-FR" dirty="0" err="1" smtClean="0"/>
+              <a:t>at</a:t>
+            </a:r>
+            <a:r>
+              <a:rPr lang="fr-FR" dirty="0" smtClean="0"/>
+              <a:t> angle</a:t>
+            </a:r>
+            <a:endParaRPr lang="fr-FR" dirty="0"/>
+          </a:p>
+        </p:txBody>
+      </p:sp>
+    </p:spTree>
+    <p:extLst>
+      <p:ext uri="{BB962C8B-B14F-4D97-AF65-F5344CB8AC3E}">
+        <p14:creationId xmlns:p14="http://schemas.microsoft.com/office/powerpoint/2010/main" val="401819385"/>
+      </p:ext>
+    </p:extLst>
+  </p:cSld>
+  <p:clrMapOvr>
+    <a:masterClrMapping/>
+  </p:clrMapOvr>
 </p:sld>
 </file>
 

--- a/Presentation/Presentation-StageSwinburne-5Juillet.pptx
+++ b/Presentation/Presentation-StageSwinburne-5Juillet.pptx
@@ -7,12 +7,12 @@
   <p:sldIdLst>
     <p:sldId id="256" r:id="rId2"/>
     <p:sldId id="257" r:id="rId3"/>
-    <p:sldId id="260" r:id="rId4"/>
-    <p:sldId id="261" r:id="rId5"/>
-    <p:sldId id="263" r:id="rId6"/>
-    <p:sldId id="262" r:id="rId7"/>
-    <p:sldId id="258" r:id="rId8"/>
-    <p:sldId id="259" r:id="rId9"/>
+    <p:sldId id="265" r:id="rId4"/>
+    <p:sldId id="266" r:id="rId5"/>
+    <p:sldId id="267" r:id="rId6"/>
+    <p:sldId id="268" r:id="rId7"/>
+    <p:sldId id="269" r:id="rId8"/>
+    <p:sldId id="260" r:id="rId9"/>
     <p:sldId id="264" r:id="rId10"/>
   </p:sldIdLst>
   <p:sldSz cx="9144000" cy="6858000" type="screen4x3"/>
@@ -395,7 +395,7 @@
           <a:p>
             <a:fld id="{AA309A6D-C09C-4548-B29A-6CF363A7E532}" type="datetimeFigureOut">
               <a:rPr lang="fr-FR" smtClean="0"/>
-              <a:t>05/07/16</a:t>
+              <a:t>06/07/2016</a:t>
             </a:fld>
             <a:endParaRPr lang="fr-BE"/>
           </a:p>
@@ -624,7 +624,7 @@
           <a:p>
             <a:fld id="{CF4668DC-857F-487D-BFFA-8C0CA5037977}" type="slidenum">
               <a:rPr lang="fr-BE" smtClean="0"/>
-              <a:t>‹#›</a:t>
+              <a:t>‹N°›</a:t>
             </a:fld>
             <a:endParaRPr lang="fr-BE"/>
           </a:p>
@@ -788,7 +788,7 @@
           <a:p>
             <a:fld id="{AA309A6D-C09C-4548-B29A-6CF363A7E532}" type="datetimeFigureOut">
               <a:rPr lang="fr-FR" smtClean="0"/>
-              <a:t>05/07/16</a:t>
+              <a:t>06/07/2016</a:t>
             </a:fld>
             <a:endParaRPr lang="fr-BE"/>
           </a:p>
@@ -830,7 +830,7 @@
           <a:p>
             <a:fld id="{CF4668DC-857F-487D-BFFA-8C0CA5037977}" type="slidenum">
               <a:rPr lang="fr-BE" smtClean="0"/>
-              <a:t>‹#›</a:t>
+              <a:t>‹N°›</a:t>
             </a:fld>
             <a:endParaRPr lang="fr-BE"/>
           </a:p>
@@ -1240,7 +1240,7 @@
           <a:p>
             <a:fld id="{CF4668DC-857F-487D-BFFA-8C0CA5037977}" type="slidenum">
               <a:rPr lang="fr-BE" smtClean="0"/>
-              <a:t>‹#›</a:t>
+              <a:t>‹N°›</a:t>
             </a:fld>
             <a:endParaRPr lang="fr-BE"/>
           </a:p>
@@ -1320,7 +1320,7 @@
           <a:p>
             <a:fld id="{AA309A6D-C09C-4548-B29A-6CF363A7E532}" type="datetimeFigureOut">
               <a:rPr lang="fr-FR" smtClean="0"/>
-              <a:t>05/07/16</a:t>
+              <a:t>06/07/2016</a:t>
             </a:fld>
             <a:endParaRPr lang="fr-BE"/>
           </a:p>
@@ -1453,7 +1453,7 @@
           <a:p>
             <a:fld id="{AA309A6D-C09C-4548-B29A-6CF363A7E532}" type="datetimeFigureOut">
               <a:rPr lang="fr-FR" smtClean="0"/>
-              <a:t>05/07/16</a:t>
+              <a:t>06/07/2016</a:t>
             </a:fld>
             <a:endParaRPr lang="fr-BE"/>
           </a:p>
@@ -1500,7 +1500,7 @@
           <a:p>
             <a:fld id="{CF4668DC-857F-487D-BFFA-8C0CA5037977}" type="slidenum">
               <a:rPr lang="fr-BE" smtClean="0"/>
-              <a:t>‹#›</a:t>
+              <a:t>‹N°›</a:t>
             </a:fld>
             <a:endParaRPr lang="fr-BE"/>
           </a:p>
@@ -1996,7 +1996,7 @@
           <a:p>
             <a:fld id="{AA309A6D-C09C-4548-B29A-6CF363A7E532}" type="datetimeFigureOut">
               <a:rPr lang="fr-FR" smtClean="0"/>
-              <a:t>05/07/16</a:t>
+              <a:t>06/07/2016</a:t>
             </a:fld>
             <a:endParaRPr lang="fr-BE"/>
           </a:p>
@@ -2168,7 +2168,7 @@
           <a:p>
             <a:fld id="{CF4668DC-857F-487D-BFFA-8C0CA5037977}" type="slidenum">
               <a:rPr lang="fr-BE" smtClean="0"/>
-              <a:t>‹#›</a:t>
+              <a:t>‹N°›</a:t>
             </a:fld>
             <a:endParaRPr lang="fr-BE"/>
           </a:p>
@@ -2291,7 +2291,7 @@
           <a:p>
             <a:fld id="{AA309A6D-C09C-4548-B29A-6CF363A7E532}" type="datetimeFigureOut">
               <a:rPr lang="fr-FR" smtClean="0"/>
-              <a:t>05/07/16</a:t>
+              <a:t>06/07/2016</a:t>
             </a:fld>
             <a:endParaRPr lang="fr-BE"/>
           </a:p>
@@ -2333,7 +2333,7 @@
           <a:p>
             <a:fld id="{CF4668DC-857F-487D-BFFA-8C0CA5037977}" type="slidenum">
               <a:rPr lang="fr-BE" smtClean="0"/>
-              <a:t>‹#›</a:t>
+              <a:t>‹N°›</a:t>
             </a:fld>
             <a:endParaRPr lang="fr-BE"/>
           </a:p>
@@ -2950,7 +2950,7 @@
           <a:p>
             <a:fld id="{AA309A6D-C09C-4548-B29A-6CF363A7E532}" type="datetimeFigureOut">
               <a:rPr lang="fr-FR" smtClean="0"/>
-              <a:t>05/07/16</a:t>
+              <a:t>06/07/2016</a:t>
             </a:fld>
             <a:endParaRPr lang="fr-BE"/>
           </a:p>
@@ -3292,7 +3292,7 @@
           <a:p>
             <a:fld id="{CF4668DC-857F-487D-BFFA-8C0CA5037977}" type="slidenum">
               <a:rPr lang="fr-BE" smtClean="0"/>
-              <a:t>‹#›</a:t>
+              <a:t>‹N°›</a:t>
             </a:fld>
             <a:endParaRPr lang="fr-BE"/>
           </a:p>
@@ -3386,7 +3386,7 @@
           <a:p>
             <a:fld id="{AA309A6D-C09C-4548-B29A-6CF363A7E532}" type="datetimeFigureOut">
               <a:rPr lang="fr-FR" smtClean="0"/>
-              <a:t>05/07/16</a:t>
+              <a:t>06/07/2016</a:t>
             </a:fld>
             <a:endParaRPr lang="fr-BE"/>
           </a:p>
@@ -3433,7 +3433,7 @@
           <a:p>
             <a:fld id="{CF4668DC-857F-487D-BFFA-8C0CA5037977}" type="slidenum">
               <a:rPr lang="fr-BE" smtClean="0"/>
-              <a:t>‹#›</a:t>
+              <a:t>‹N°›</a:t>
             </a:fld>
             <a:endParaRPr lang="fr-BE"/>
           </a:p>
@@ -3699,7 +3699,7 @@
           <a:p>
             <a:fld id="{AA309A6D-C09C-4548-B29A-6CF363A7E532}" type="datetimeFigureOut">
               <a:rPr lang="fr-FR" smtClean="0"/>
-              <a:t>05/07/16</a:t>
+              <a:t>06/07/2016</a:t>
             </a:fld>
             <a:endParaRPr lang="fr-BE"/>
           </a:p>
@@ -3754,7 +3754,7 @@
           <a:p>
             <a:fld id="{CF4668DC-857F-487D-BFFA-8C0CA5037977}" type="slidenum">
               <a:rPr lang="fr-BE" smtClean="0"/>
-              <a:t>‹#›</a:t>
+              <a:t>‹N°›</a:t>
             </a:fld>
             <a:endParaRPr lang="fr-BE"/>
           </a:p>
@@ -4372,7 +4372,7 @@
           <a:p>
             <a:fld id="{CF4668DC-857F-487D-BFFA-8C0CA5037977}" type="slidenum">
               <a:rPr lang="fr-BE" smtClean="0"/>
-              <a:t>‹#›</a:t>
+              <a:t>‹N°›</a:t>
             </a:fld>
             <a:endParaRPr lang="fr-BE"/>
           </a:p>
@@ -4431,7 +4431,7 @@
           <a:p>
             <a:fld id="{AA309A6D-C09C-4548-B29A-6CF363A7E532}" type="datetimeFigureOut">
               <a:rPr lang="fr-FR" smtClean="0"/>
-              <a:t>05/07/16</a:t>
+              <a:t>06/07/2016</a:t>
             </a:fld>
             <a:endParaRPr lang="fr-BE"/>
           </a:p>
@@ -4906,7 +4906,7 @@
           <a:p>
             <a:fld id="{CF4668DC-857F-487D-BFFA-8C0CA5037977}" type="slidenum">
               <a:rPr lang="fr-BE" smtClean="0"/>
-              <a:t>‹#›</a:t>
+              <a:t>‹N°›</a:t>
             </a:fld>
             <a:endParaRPr lang="fr-BE"/>
           </a:p>
@@ -5095,7 +5095,7 @@
           <a:p>
             <a:fld id="{AA309A6D-C09C-4548-B29A-6CF363A7E532}" type="datetimeFigureOut">
               <a:rPr lang="fr-FR" smtClean="0"/>
-              <a:t>05/07/16</a:t>
+              <a:t>06/07/2016</a:t>
             </a:fld>
             <a:endParaRPr lang="fr-BE"/>
           </a:p>
@@ -5368,7 +5368,7 @@
           <a:p>
             <a:fld id="{AA309A6D-C09C-4548-B29A-6CF363A7E532}" type="datetimeFigureOut">
               <a:rPr lang="fr-FR" smtClean="0"/>
-              <a:t>05/07/16</a:t>
+              <a:t>06/07/2016</a:t>
             </a:fld>
             <a:endParaRPr lang="fr-BE"/>
           </a:p>
@@ -5618,7 +5618,7 @@
           <a:p>
             <a:fld id="{CF4668DC-857F-487D-BFFA-8C0CA5037977}" type="slidenum">
               <a:rPr lang="fr-BE" smtClean="0"/>
-              <a:t>‹#›</a:t>
+              <a:t>‹N°›</a:t>
             </a:fld>
             <a:endParaRPr lang="fr-BE"/>
           </a:p>
@@ -6238,7 +6238,7 @@
           </a:prstGeom>
           <a:noFill/>
           <a:extLst>
-            <a:ext uri="{909E8E84-426E-40dd-AFC4-6F175D3DCCD1}">
+            <a:ext uri="{909E8E84-426E-40DD-AFC4-6F175D3DCCD1}">
               <a14:hiddenFill xmlns:a14="http://schemas.microsoft.com/office/drawing/2010/main">
                 <a:solidFill>
                   <a:srgbClr val="FFFFFF"/>
@@ -6279,7 +6279,7 @@
           </a:prstGeom>
           <a:noFill/>
           <a:extLst>
-            <a:ext uri="{909E8E84-426E-40dd-AFC4-6F175D3DCCD1}">
+            <a:ext uri="{909E8E84-426E-40DD-AFC4-6F175D3DCCD1}">
               <a14:hiddenFill xmlns:a14="http://schemas.microsoft.com/office/drawing/2010/main">
                 <a:solidFill>
                   <a:srgbClr val="FFFFFF"/>
@@ -6302,7 +6302,7 @@
   <p:timing>
     <p:tnLst>
       <p:par>
-        <p:cTn xmlns:p14="http://schemas.microsoft.com/office/powerpoint/2010/main" id="1" dur="indefinite" restart="never" nodeType="tmRoot"/>
+        <p:cTn id="1" dur="indefinite" restart="never" nodeType="tmRoot"/>
       </p:par>
     </p:tnLst>
   </p:timing>
@@ -6412,11 +6412,7 @@
             </a:r>
             <a:r>
               <a:rPr lang="fr-FR" dirty="0" smtClean="0"/>
-              <a:t> and </a:t>
-            </a:r>
-            <a:r>
-              <a:rPr lang="fr-FR" dirty="0" smtClean="0"/>
-              <a:t>membranes</a:t>
+              <a:t> and membranes</a:t>
             </a:r>
           </a:p>
           <a:p>
@@ -6445,7 +6441,6 @@
               <a:rPr lang="fr-FR" dirty="0" smtClean="0"/>
               <a:t>membrane</a:t>
             </a:r>
-            <a:endParaRPr lang="fr-FR" dirty="0" smtClean="0"/>
           </a:p>
           <a:p>
             <a:pPr>
@@ -6477,7 +6472,7 @@
   <p:timing>
     <p:tnLst>
       <p:par>
-        <p:cTn xmlns:p14="http://schemas.microsoft.com/office/powerpoint/2010/main" id="1" dur="indefinite" restart="never" nodeType="tmRoot"/>
+        <p:cTn id="1" dur="indefinite" restart="never" nodeType="tmRoot"/>
       </p:par>
     </p:tnLst>
   </p:timing>
@@ -6503,7 +6498,7 @@
       </p:grpSpPr>
       <p:sp>
         <p:nvSpPr>
-          <p:cNvPr id="2" name="Titre 1"/>
+          <p:cNvPr id="4" name="Titre 1"/>
           <p:cNvSpPr>
             <a:spLocks noGrp="1"/>
           </p:cNvSpPr>
@@ -6511,32 +6506,68 @@
             <p:ph type="title"/>
           </p:nvPr>
         </p:nvSpPr>
+        <p:spPr>
+          <a:xfrm>
+            <a:off x="179512" y="0"/>
+            <a:ext cx="8229600" cy="877824"/>
+          </a:xfrm>
+        </p:spPr>
+        <p:txBody>
+          <a:bodyPr>
+            <a:normAutofit/>
+          </a:bodyPr>
+          <a:lstStyle/>
+          <a:p>
+            <a:r>
+              <a:rPr lang="fr-FR" sz="3200" dirty="0" err="1"/>
+              <a:t>Focused</a:t>
+            </a:r>
+            <a:r>
+              <a:rPr lang="fr-FR" sz="3200" dirty="0"/>
+              <a:t> Ion </a:t>
+            </a:r>
+            <a:r>
+              <a:rPr lang="fr-FR" sz="3200" dirty="0" err="1"/>
+              <a:t>Beam</a:t>
+            </a:r>
+            <a:r>
+              <a:rPr lang="fr-FR" sz="3200" dirty="0"/>
+              <a:t> and membranes</a:t>
+            </a:r>
+          </a:p>
+        </p:txBody>
+      </p:sp>
+      <p:sp>
+        <p:nvSpPr>
+          <p:cNvPr id="3" name="Espace réservé du contenu 2"/>
+          <p:cNvSpPr>
+            <a:spLocks noGrp="1"/>
+          </p:cNvSpPr>
+          <p:nvPr>
+            <p:ph sz="quarter" idx="1"/>
+          </p:nvPr>
+        </p:nvSpPr>
         <p:spPr/>
         <p:txBody>
           <a:bodyPr/>
           <a:lstStyle/>
           <a:p>
-            <a:r>
-              <a:rPr lang="fr-FR" dirty="0" smtClean="0"/>
-              <a:t>Tests of </a:t>
-            </a:r>
-            <a:r>
-              <a:rPr lang="fr-FR" dirty="0" err="1" smtClean="0"/>
-              <a:t>resolution</a:t>
-            </a:r>
+            <a:endParaRPr lang="fr-FR" dirty="0" smtClean="0"/>
+          </a:p>
+          <a:p>
             <a:endParaRPr lang="fr-FR" dirty="0"/>
           </a:p>
         </p:txBody>
       </p:sp>
       <p:pic>
         <p:nvPicPr>
-          <p:cNvPr id="5" name="Picture 6"/>
+          <p:cNvPr id="2050" name="Picture 2"/>
           <p:cNvPicPr>
             <a:picLocks noChangeAspect="1" noChangeArrowheads="1"/>
           </p:cNvPicPr>
           <p:nvPr/>
         </p:nvPicPr>
-        <p:blipFill>
+        <p:blipFill rotWithShape="1">
           <a:blip r:embed="rId2">
             <a:extLst>
               <a:ext uri="{28A0092B-C50C-407E-A947-70E740481C1C}">
@@ -6544,15 +6575,13 @@
               </a:ext>
             </a:extLst>
           </a:blip>
-          <a:srcRect/>
-          <a:stretch>
-            <a:fillRect/>
-          </a:stretch>
+          <a:srcRect l="35943" t="8218" r="19850"/>
+          <a:stretch/>
         </p:blipFill>
         <p:spPr bwMode="auto">
           <a:xfrm>
-            <a:off x="175558" y="1768460"/>
-            <a:ext cx="3364245" cy="3460740"/>
+            <a:off x="5772116" y="1844824"/>
+            <a:ext cx="2185416" cy="1687259"/>
           </a:xfrm>
           <a:prstGeom prst="rect">
             <a:avLst/>
@@ -6563,14 +6592,14 @@
           </a:ln>
           <a:effectLst/>
           <a:extLst>
-            <a:ext uri="{909E8E84-426E-40dd-AFC4-6F175D3DCCD1}">
+            <a:ext uri="{909E8E84-426E-40DD-AFC4-6F175D3DCCD1}">
               <a14:hiddenFill xmlns:a14="http://schemas.microsoft.com/office/drawing/2010/main">
                 <a:solidFill>
                   <a:schemeClr val="accent1"/>
                 </a:solidFill>
               </a14:hiddenFill>
             </a:ext>
-            <a:ext uri="{91240B29-F687-4f45-9708-019B960494DF}">
+            <a:ext uri="{91240B29-F687-4F45-9708-019B960494DF}">
               <a14:hiddenLine xmlns:a14="http://schemas.microsoft.com/office/drawing/2010/main" w="9525">
                 <a:solidFill>
                   <a:schemeClr val="tx1"/>
@@ -6580,7 +6609,7 @@
                 <a:tailEnd/>
               </a14:hiddenLine>
             </a:ext>
-            <a:ext uri="{AF507438-7753-43e0-B8FC-AC1667EBCBE1}">
+            <a:ext uri="{AF507438-7753-43E0-B8FC-AC1667EBCBE1}">
               <a14:hiddenEffects xmlns:a14="http://schemas.microsoft.com/office/drawing/2010/main">
                 <a:effectLst>
                   <a:outerShdw dist="35921" dir="2700000" algn="ctr" rotWithShape="0">
@@ -6594,99 +6623,72 @@
       </p:pic>
       <p:sp>
         <p:nvSpPr>
-          <p:cNvPr id="6" name="ZoneTexte 5"/>
+          <p:cNvPr id="2" name="ZoneTexte 1"/>
           <p:cNvSpPr txBox="1"/>
           <p:nvPr/>
         </p:nvSpPr>
         <p:spPr>
           <a:xfrm>
-            <a:off x="899592" y="4081427"/>
-            <a:ext cx="2468946" cy="584775"/>
+            <a:off x="5532676" y="3532082"/>
+            <a:ext cx="2664296" cy="584775"/>
           </a:xfrm>
           <a:prstGeom prst="rect">
             <a:avLst/>
           </a:prstGeom>
-          <a:solidFill>
-            <a:schemeClr val="bg1"/>
-          </a:solidFill>
-          <a:ln w="12700">
-            <a:solidFill>
-              <a:schemeClr val="tx1"/>
-            </a:solidFill>
-            <a:prstDash val="sysDash"/>
-          </a:ln>
-        </p:spPr>
-        <p:txBody>
-          <a:bodyPr wrap="none" rtlCol="0">
+          <a:noFill/>
+        </p:spPr>
+        <p:txBody>
+          <a:bodyPr wrap="square" rtlCol="0">
             <a:spAutoFit/>
           </a:bodyPr>
           <a:lstStyle/>
           <a:p>
             <a:pPr algn="ctr"/>
             <a:r>
+              <a:rPr lang="fr-FR" sz="1600" dirty="0" err="1" smtClean="0"/>
+              <a:t>Thickness</a:t>
+            </a:r>
+            <a:r>
               <a:rPr lang="fr-FR" sz="1600" dirty="0" smtClean="0"/>
-              <a:t>1 </a:t>
-            </a:r>
+              <a:t>: ~100 nm</a:t>
+            </a:r>
+          </a:p>
+          <a:p>
+            <a:pPr algn="ctr"/>
             <a:r>
               <a:rPr lang="fr-FR" sz="1600" dirty="0" err="1" smtClean="0"/>
-              <a:t>loop</a:t>
+              <a:t>Coating</a:t>
             </a:r>
             <a:r>
               <a:rPr lang="fr-FR" sz="1600" dirty="0" smtClean="0"/>
-              <a:t> </a:t>
-            </a:r>
-          </a:p>
-          <a:p>
-            <a:pPr algn="ctr"/>
-            <a:r>
-              <a:rPr lang="fr-FR" sz="1600" dirty="0" err="1" smtClean="0"/>
-              <a:t>Milled</a:t>
-            </a:r>
-            <a:r>
-              <a:rPr lang="fr-FR" sz="1600" dirty="0" smtClean="0"/>
-              <a:t> </a:t>
-            </a:r>
-            <a:r>
-              <a:rPr lang="fr-FR" sz="1600" dirty="0" err="1" smtClean="0"/>
-              <a:t>through</a:t>
-            </a:r>
-            <a:r>
-              <a:rPr lang="fr-FR" sz="1600" dirty="0" smtClean="0"/>
-              <a:t> for 1,6 </a:t>
-            </a:r>
-            <a:r>
-              <a:rPr lang="fr-FR" sz="1600" dirty="0" err="1" smtClean="0"/>
-              <a:t>pC</a:t>
-            </a:r>
-            <a:endParaRPr lang="fr-FR" sz="1600" dirty="0"/>
+              <a:t>: 5 nm Cr</a:t>
+            </a:r>
           </a:p>
         </p:txBody>
       </p:sp>
       <p:pic>
         <p:nvPicPr>
-          <p:cNvPr id="7" name="Picture 7"/>
+          <p:cNvPr id="2051" name="Picture 3"/>
           <p:cNvPicPr>
             <a:picLocks noChangeAspect="1" noChangeArrowheads="1"/>
           </p:cNvPicPr>
           <p:nvPr/>
         </p:nvPicPr>
-        <p:blipFill>
-          <a:blip r:embed="rId3" cstate="print">
+        <p:blipFill rotWithShape="1">
+          <a:blip r:embed="rId3">
             <a:extLst>
               <a:ext uri="{28A0092B-C50C-407E-A947-70E740481C1C}">
                 <a14:useLocalDpi xmlns:a14="http://schemas.microsoft.com/office/drawing/2010/main" val="0"/>
               </a:ext>
             </a:extLst>
           </a:blip>
-          <a:srcRect/>
-          <a:stretch>
-            <a:fillRect/>
-          </a:stretch>
+          <a:srcRect l="14919"/>
+          <a:stretch/>
         </p:blipFill>
         <p:spPr bwMode="auto">
           <a:xfrm>
-            <a:off x="6372200" y="1768460"/>
-            <a:ext cx="2601805" cy="2236604"/>
+            <a:off x="395536" y="1628800"/>
+            <a:ext cx="4176464" cy="4400194"/>
           </a:xfrm>
           <a:prstGeom prst="rect">
             <a:avLst/>
@@ -6697,14 +6699,14 @@
           </a:ln>
           <a:effectLst/>
           <a:extLst>
-            <a:ext uri="{909E8E84-426E-40dd-AFC4-6F175D3DCCD1}">
+            <a:ext uri="{909E8E84-426E-40DD-AFC4-6F175D3DCCD1}">
               <a14:hiddenFill xmlns:a14="http://schemas.microsoft.com/office/drawing/2010/main">
                 <a:solidFill>
                   <a:schemeClr val="accent1"/>
                 </a:solidFill>
               </a14:hiddenFill>
             </a:ext>
-            <a:ext uri="{91240B29-F687-4f45-9708-019B960494DF}">
+            <a:ext uri="{91240B29-F687-4F45-9708-019B960494DF}">
               <a14:hiddenLine xmlns:a14="http://schemas.microsoft.com/office/drawing/2010/main" w="9525">
                 <a:solidFill>
                   <a:schemeClr val="tx1"/>
@@ -6714,7 +6716,7 @@
                 <a:tailEnd/>
               </a14:hiddenLine>
             </a:ext>
-            <a:ext uri="{AF507438-7753-43e0-B8FC-AC1667EBCBE1}">
+            <a:ext uri="{AF507438-7753-43E0-B8FC-AC1667EBCBE1}">
               <a14:hiddenEffects xmlns:a14="http://schemas.microsoft.com/office/drawing/2010/main">
                 <a:effectLst>
                   <a:outerShdw dist="35921" dir="2700000" algn="ctr" rotWithShape="0">
@@ -6728,218 +6730,14 @@
       </p:pic>
       <p:sp>
         <p:nvSpPr>
-          <p:cNvPr id="8" name="ZoneTexte 7"/>
+          <p:cNvPr id="6" name="ZoneTexte 5"/>
           <p:cNvSpPr txBox="1"/>
           <p:nvPr/>
         </p:nvSpPr>
         <p:spPr>
           <a:xfrm>
-            <a:off x="6472500" y="4212538"/>
-            <a:ext cx="2502609" cy="584775"/>
-          </a:xfrm>
-          <a:prstGeom prst="rect">
-            <a:avLst/>
-          </a:prstGeom>
-          <a:solidFill>
-            <a:schemeClr val="bg1"/>
-          </a:solidFill>
-          <a:ln w="12700">
-            <a:solidFill>
-              <a:schemeClr val="tx1"/>
-            </a:solidFill>
-            <a:prstDash val="sysDash"/>
-          </a:ln>
-        </p:spPr>
-        <p:txBody>
-          <a:bodyPr wrap="none" rtlCol="0">
-            <a:spAutoFit/>
-          </a:bodyPr>
-          <a:lstStyle/>
-          <a:p>
-            <a:pPr algn="ctr"/>
-            <a:r>
-              <a:rPr lang="fr-FR" sz="1600" dirty="0" smtClean="0"/>
-              <a:t>200 </a:t>
-            </a:r>
-            <a:r>
-              <a:rPr lang="fr-FR" sz="1600" dirty="0" err="1" smtClean="0"/>
-              <a:t>loops</a:t>
-            </a:r>
-            <a:r>
-              <a:rPr lang="fr-FR" sz="1600" dirty="0" smtClean="0"/>
-              <a:t> </a:t>
-            </a:r>
-          </a:p>
-          <a:p>
-            <a:pPr algn="ctr"/>
-            <a:r>
-              <a:rPr lang="fr-FR" sz="1600" dirty="0" err="1" smtClean="0"/>
-              <a:t>Milled</a:t>
-            </a:r>
-            <a:r>
-              <a:rPr lang="fr-FR" sz="1600" dirty="0" smtClean="0"/>
-              <a:t> </a:t>
-            </a:r>
-            <a:r>
-              <a:rPr lang="fr-FR" sz="1600" dirty="0" err="1" smtClean="0"/>
-              <a:t>through</a:t>
-            </a:r>
-            <a:r>
-              <a:rPr lang="fr-FR" sz="1600" dirty="0" smtClean="0"/>
-              <a:t> for 2,8 </a:t>
-            </a:r>
-            <a:r>
-              <a:rPr lang="fr-FR" sz="1600" dirty="0" err="1" smtClean="0"/>
-              <a:t>pC</a:t>
-            </a:r>
-            <a:endParaRPr lang="fr-FR" sz="1600" dirty="0"/>
-          </a:p>
-        </p:txBody>
-      </p:sp>
-      <p:pic>
-        <p:nvPicPr>
-          <p:cNvPr id="4098" name="Picture 2"/>
-          <p:cNvPicPr>
-            <a:picLocks noChangeAspect="1" noChangeArrowheads="1"/>
-          </p:cNvPicPr>
-          <p:nvPr/>
-        </p:nvPicPr>
-        <p:blipFill>
-          <a:blip r:embed="rId4">
-            <a:extLst>
-              <a:ext uri="{28A0092B-C50C-407E-A947-70E740481C1C}">
-                <a14:useLocalDpi xmlns:a14="http://schemas.microsoft.com/office/drawing/2010/main" val="0"/>
-              </a:ext>
-            </a:extLst>
-          </a:blip>
-          <a:srcRect/>
-          <a:stretch>
-            <a:fillRect/>
-          </a:stretch>
-        </p:blipFill>
-        <p:spPr bwMode="auto">
-          <a:xfrm>
-            <a:off x="3491880" y="1768460"/>
-            <a:ext cx="2861908" cy="2444078"/>
-          </a:xfrm>
-          <a:prstGeom prst="rect">
-            <a:avLst/>
-          </a:prstGeom>
-          <a:noFill/>
-          <a:ln>
-            <a:noFill/>
-          </a:ln>
-          <a:effectLst/>
-          <a:extLst>
-            <a:ext uri="{909E8E84-426E-40dd-AFC4-6F175D3DCCD1}">
-              <a14:hiddenFill xmlns:a14="http://schemas.microsoft.com/office/drawing/2010/main">
-                <a:solidFill>
-                  <a:schemeClr val="accent1"/>
-                </a:solidFill>
-              </a14:hiddenFill>
-            </a:ext>
-            <a:ext uri="{91240B29-F687-4f45-9708-019B960494DF}">
-              <a14:hiddenLine xmlns:a14="http://schemas.microsoft.com/office/drawing/2010/main" w="9525">
-                <a:solidFill>
-                  <a:schemeClr val="tx1"/>
-                </a:solidFill>
-                <a:miter lim="800000"/>
-                <a:headEnd/>
-                <a:tailEnd/>
-              </a14:hiddenLine>
-            </a:ext>
-            <a:ext uri="{AF507438-7753-43e0-B8FC-AC1667EBCBE1}">
-              <a14:hiddenEffects xmlns:a14="http://schemas.microsoft.com/office/drawing/2010/main">
-                <a:effectLst>
-                  <a:outerShdw dist="35921" dir="2700000" algn="ctr" rotWithShape="0">
-                    <a:schemeClr val="bg2"/>
-                  </a:outerShdw>
-                </a:effectLst>
-              </a14:hiddenEffects>
-            </a:ext>
-          </a:extLst>
-        </p:spPr>
-      </p:pic>
-      <p:sp>
-        <p:nvSpPr>
-          <p:cNvPr id="10" name="ZoneTexte 9"/>
-          <p:cNvSpPr txBox="1"/>
-          <p:nvPr/>
-        </p:nvSpPr>
-        <p:spPr>
-          <a:xfrm>
-            <a:off x="3674735" y="4212538"/>
-            <a:ext cx="2496197" cy="584775"/>
-          </a:xfrm>
-          <a:prstGeom prst="rect">
-            <a:avLst/>
-          </a:prstGeom>
-          <a:solidFill>
-            <a:schemeClr val="bg1"/>
-          </a:solidFill>
-          <a:ln w="12700">
-            <a:solidFill>
-              <a:schemeClr val="tx1"/>
-            </a:solidFill>
-            <a:prstDash val="sysDash"/>
-          </a:ln>
-        </p:spPr>
-        <p:txBody>
-          <a:bodyPr wrap="none" rtlCol="0">
-            <a:spAutoFit/>
-          </a:bodyPr>
-          <a:lstStyle/>
-          <a:p>
-            <a:pPr algn="ctr"/>
-            <a:r>
-              <a:rPr lang="fr-FR" sz="1600" dirty="0" smtClean="0"/>
-              <a:t>20 </a:t>
-            </a:r>
-            <a:r>
-              <a:rPr lang="fr-FR" sz="1600" dirty="0" err="1" smtClean="0"/>
-              <a:t>loops</a:t>
-            </a:r>
-            <a:r>
-              <a:rPr lang="fr-FR" sz="1600" dirty="0" smtClean="0"/>
-              <a:t> </a:t>
-            </a:r>
-          </a:p>
-          <a:p>
-            <a:pPr algn="ctr"/>
-            <a:r>
-              <a:rPr lang="fr-FR" sz="1600" dirty="0" err="1" smtClean="0"/>
-              <a:t>Milled</a:t>
-            </a:r>
-            <a:r>
-              <a:rPr lang="fr-FR" sz="1600" dirty="0" smtClean="0"/>
-              <a:t> </a:t>
-            </a:r>
-            <a:r>
-              <a:rPr lang="fr-FR" sz="1600" dirty="0" err="1" smtClean="0"/>
-              <a:t>through</a:t>
-            </a:r>
-            <a:r>
-              <a:rPr lang="fr-FR" sz="1600" dirty="0" smtClean="0"/>
-              <a:t> for 2,4 </a:t>
-            </a:r>
-            <a:r>
-              <a:rPr lang="fr-FR" sz="1600" dirty="0" err="1" smtClean="0"/>
-              <a:t>pC</a:t>
-            </a:r>
-            <a:endParaRPr lang="fr-FR" sz="1600" dirty="0"/>
-          </a:p>
-        </p:txBody>
-      </p:sp>
-      <p:sp>
-        <p:nvSpPr>
-          <p:cNvPr id="9" name="ZoneTexte 8"/>
-          <p:cNvSpPr txBox="1"/>
-          <p:nvPr/>
-        </p:nvSpPr>
-        <p:spPr>
-          <a:xfrm>
-            <a:off x="2551233" y="5538920"/>
-            <a:ext cx="2247004" cy="646331"/>
+            <a:off x="4932040" y="4437112"/>
+            <a:ext cx="4211960" cy="1477328"/>
           </a:xfrm>
           <a:prstGeom prst="rect">
             <a:avLst/>
@@ -6952,251 +6750,93 @@
           </a:bodyPr>
           <a:lstStyle/>
           <a:p>
+            <a:pPr>
+              <a:lnSpc>
+                <a:spcPct val="200000"/>
+              </a:lnSpc>
+            </a:pPr>
+            <a:r>
+              <a:rPr lang="fr-FR" u="sng" dirty="0" err="1" smtClean="0"/>
+              <a:t>Parameters</a:t>
+            </a:r>
+            <a:r>
+              <a:rPr lang="fr-FR" u="sng" dirty="0" smtClean="0"/>
+              <a:t>:</a:t>
+            </a:r>
+          </a:p>
+          <a:p>
+            <a:pPr>
+              <a:spcAft>
+                <a:spcPts val="3000"/>
+              </a:spcAft>
+            </a:pPr>
             <a:r>
               <a:rPr lang="fr-FR" dirty="0" err="1" smtClean="0"/>
-              <a:t>Resolution</a:t>
+              <a:t>Column</a:t>
             </a:r>
             <a:r>
               <a:rPr lang="fr-FR" dirty="0" smtClean="0"/>
-              <a:t> ~ 45 nm </a:t>
+              <a:t>: Voltage - Aperture – </a:t>
             </a:r>
             <a:r>
               <a:rPr lang="fr-FR" dirty="0" err="1" smtClean="0"/>
-              <a:t>at</a:t>
+              <a:t>Current</a:t>
             </a:r>
             <a:r>
               <a:rPr lang="fr-FR" dirty="0" smtClean="0"/>
-              <a:t> 6,5 </a:t>
+              <a:t/>
+            </a:r>
+            <a:br>
+              <a:rPr lang="fr-FR" dirty="0" smtClean="0"/>
+            </a:br>
+            <a:r>
+              <a:rPr lang="fr-FR" dirty="0" smtClean="0"/>
+              <a:t>Dot, line and area doses (</a:t>
             </a:r>
             <a:r>
               <a:rPr lang="fr-FR" dirty="0" err="1" smtClean="0"/>
-              <a:t>pA</a:t>
+              <a:t>pC</a:t>
+            </a:r>
+            <a:r>
+              <a:rPr lang="fr-FR" dirty="0" smtClean="0"/>
+              <a:t>)</a:t>
+            </a:r>
+            <a:br>
+              <a:rPr lang="fr-FR" dirty="0" smtClean="0"/>
+            </a:br>
+            <a:r>
+              <a:rPr lang="fr-FR" dirty="0" err="1" smtClean="0"/>
+              <a:t>Number</a:t>
+            </a:r>
+            <a:r>
+              <a:rPr lang="fr-FR" dirty="0" smtClean="0"/>
+              <a:t> of </a:t>
+            </a:r>
+            <a:r>
+              <a:rPr lang="fr-FR" dirty="0" err="1" smtClean="0"/>
+              <a:t>loops</a:t>
             </a:r>
             <a:endParaRPr lang="fr-FR" dirty="0"/>
-          </a:p>
-        </p:txBody>
-      </p:sp>
-      <p:sp>
-        <p:nvSpPr>
-          <p:cNvPr id="11" name="Flèche droite 10"/>
-          <p:cNvSpPr/>
-          <p:nvPr/>
-        </p:nvSpPr>
-        <p:spPr>
-          <a:xfrm flipV="1">
-            <a:off x="4935401" y="5695148"/>
-            <a:ext cx="432048" cy="323165"/>
-          </a:xfrm>
-          <a:prstGeom prst="rightArrow">
-            <a:avLst/>
-          </a:prstGeom>
-        </p:spPr>
-        <p:style>
-          <a:lnRef idx="2">
-            <a:schemeClr val="accent1">
-              <a:shade val="50000"/>
-            </a:schemeClr>
-          </a:lnRef>
-          <a:fillRef idx="1">
-            <a:schemeClr val="accent1"/>
-          </a:fillRef>
-          <a:effectRef idx="0">
-            <a:schemeClr val="accent1"/>
-          </a:effectRef>
-          <a:fontRef idx="minor">
-            <a:schemeClr val="lt1"/>
-          </a:fontRef>
-        </p:style>
-        <p:txBody>
-          <a:bodyPr rtlCol="0" anchor="ctr"/>
-          <a:lstStyle/>
-          <a:p>
-            <a:pPr algn="ctr"/>
-            <a:endParaRPr lang="fr-FR"/>
-          </a:p>
-        </p:txBody>
-      </p:sp>
-      <p:sp>
-        <p:nvSpPr>
-          <p:cNvPr id="12" name="ZoneTexte 11"/>
-          <p:cNvSpPr txBox="1"/>
-          <p:nvPr/>
-        </p:nvSpPr>
-        <p:spPr>
-          <a:xfrm>
-            <a:off x="5824428" y="5648981"/>
-            <a:ext cx="1296144" cy="369332"/>
-          </a:xfrm>
-          <a:prstGeom prst="rect">
-            <a:avLst/>
-          </a:prstGeom>
-          <a:noFill/>
-        </p:spPr>
-        <p:txBody>
-          <a:bodyPr wrap="square" rtlCol="0">
-            <a:spAutoFit/>
-          </a:bodyPr>
-          <a:lstStyle/>
-          <a:p>
-            <a:r>
-              <a:rPr lang="fr-FR" dirty="0" smtClean="0"/>
-              <a:t>SEM</a:t>
-            </a:r>
-            <a:endParaRPr lang="fr-FR" dirty="0"/>
-          </a:p>
-        </p:txBody>
-      </p:sp>
-      <p:sp>
-        <p:nvSpPr>
-          <p:cNvPr id="13" name="Ellipse 12"/>
-          <p:cNvSpPr/>
-          <p:nvPr/>
-        </p:nvSpPr>
-        <p:spPr>
-          <a:xfrm>
-            <a:off x="1331640" y="2461167"/>
-            <a:ext cx="454032" cy="425595"/>
-          </a:xfrm>
-          <a:prstGeom prst="ellipse">
-            <a:avLst/>
-          </a:prstGeom>
-          <a:noFill/>
-          <a:ln w="28575">
-            <a:solidFill>
-              <a:srgbClr val="C00000"/>
-            </a:solidFill>
-            <a:prstDash val="solid"/>
-          </a:ln>
-        </p:spPr>
-        <p:style>
-          <a:lnRef idx="2">
-            <a:schemeClr val="accent1">
-              <a:shade val="50000"/>
-            </a:schemeClr>
-          </a:lnRef>
-          <a:fillRef idx="1">
-            <a:schemeClr val="accent1"/>
-          </a:fillRef>
-          <a:effectRef idx="0">
-            <a:schemeClr val="accent1"/>
-          </a:effectRef>
-          <a:fontRef idx="minor">
-            <a:schemeClr val="lt1"/>
-          </a:fontRef>
-        </p:style>
-        <p:txBody>
-          <a:bodyPr rtlCol="0" anchor="ctr"/>
-          <a:lstStyle/>
-          <a:p>
-            <a:pPr algn="ctr"/>
-            <a:endParaRPr lang="fr-FR"/>
-          </a:p>
-        </p:txBody>
-      </p:sp>
-      <p:sp>
-        <p:nvSpPr>
-          <p:cNvPr id="15" name="Ellipse 14"/>
-          <p:cNvSpPr/>
-          <p:nvPr/>
-        </p:nvSpPr>
-        <p:spPr>
-          <a:xfrm>
-            <a:off x="5367449" y="2060262"/>
-            <a:ext cx="454032" cy="425595"/>
-          </a:xfrm>
-          <a:prstGeom prst="ellipse">
-            <a:avLst/>
-          </a:prstGeom>
-          <a:noFill/>
-          <a:ln w="28575">
-            <a:solidFill>
-              <a:srgbClr val="C00000"/>
-            </a:solidFill>
-            <a:prstDash val="solid"/>
-          </a:ln>
-        </p:spPr>
-        <p:style>
-          <a:lnRef idx="2">
-            <a:schemeClr val="accent1">
-              <a:shade val="50000"/>
-            </a:schemeClr>
-          </a:lnRef>
-          <a:fillRef idx="1">
-            <a:schemeClr val="accent1"/>
-          </a:fillRef>
-          <a:effectRef idx="0">
-            <a:schemeClr val="accent1"/>
-          </a:effectRef>
-          <a:fontRef idx="minor">
-            <a:schemeClr val="lt1"/>
-          </a:fontRef>
-        </p:style>
-        <p:txBody>
-          <a:bodyPr rtlCol="0" anchor="ctr"/>
-          <a:lstStyle/>
-          <a:p>
-            <a:pPr algn="ctr"/>
-            <a:endParaRPr lang="fr-FR"/>
-          </a:p>
-        </p:txBody>
-      </p:sp>
-      <p:sp>
-        <p:nvSpPr>
-          <p:cNvPr id="16" name="Ellipse 15"/>
-          <p:cNvSpPr/>
-          <p:nvPr/>
-        </p:nvSpPr>
-        <p:spPr>
-          <a:xfrm>
-            <a:off x="8523317" y="2060261"/>
-            <a:ext cx="454032" cy="425595"/>
-          </a:xfrm>
-          <a:prstGeom prst="ellipse">
-            <a:avLst/>
-          </a:prstGeom>
-          <a:noFill/>
-          <a:ln w="28575">
-            <a:solidFill>
-              <a:srgbClr val="C00000"/>
-            </a:solidFill>
-            <a:prstDash val="solid"/>
-          </a:ln>
-        </p:spPr>
-        <p:style>
-          <a:lnRef idx="2">
-            <a:schemeClr val="accent1">
-              <a:shade val="50000"/>
-            </a:schemeClr>
-          </a:lnRef>
-          <a:fillRef idx="1">
-            <a:schemeClr val="accent1"/>
-          </a:fillRef>
-          <a:effectRef idx="0">
-            <a:schemeClr val="accent1"/>
-          </a:effectRef>
-          <a:fontRef idx="minor">
-            <a:schemeClr val="lt1"/>
-          </a:fontRef>
-        </p:style>
-        <p:txBody>
-          <a:bodyPr rtlCol="0" anchor="ctr"/>
-          <a:lstStyle/>
-          <a:p>
-            <a:pPr algn="ctr"/>
-            <a:endParaRPr lang="fr-FR"/>
           </a:p>
         </p:txBody>
       </p:sp>
     </p:spTree>
     <p:extLst>
       <p:ext uri="{BB962C8B-B14F-4D97-AF65-F5344CB8AC3E}">
-        <p14:creationId xmlns:p14="http://schemas.microsoft.com/office/powerpoint/2010/main" val="3559933728"/>
+        <p14:creationId xmlns:p14="http://schemas.microsoft.com/office/powerpoint/2010/main" val="1739118144"/>
       </p:ext>
     </p:extLst>
   </p:cSld>
   <p:clrMapOvr>
     <a:masterClrMapping/>
   </p:clrMapOvr>
+  <p:timing>
+    <p:tnLst>
+      <p:par>
+        <p:cTn id="1" dur="indefinite" restart="never" nodeType="tmRoot"/>
+      </p:par>
+    </p:tnLst>
+  </p:timing>
 </p:sld>
 </file>
 
@@ -7484,14 +7124,14 @@
             </a:ln>
             <a:effectLst/>
             <a:extLst>
-              <a:ext uri="{909E8E84-426E-40dd-AFC4-6F175D3DCCD1}">
+              <a:ext uri="{909E8E84-426E-40DD-AFC4-6F175D3DCCD1}">
                 <a14:hiddenFill xmlns:a14="http://schemas.microsoft.com/office/drawing/2010/main">
                   <a:solidFill>
                     <a:schemeClr val="accent1"/>
                   </a:solidFill>
                 </a14:hiddenFill>
               </a:ext>
-              <a:ext uri="{91240B29-F687-4f45-9708-019B960494DF}">
+              <a:ext uri="{91240B29-F687-4F45-9708-019B960494DF}">
                 <a14:hiddenLine xmlns:a14="http://schemas.microsoft.com/office/drawing/2010/main" w="9525">
                   <a:solidFill>
                     <a:schemeClr val="tx1"/>
@@ -7501,7 +7141,7 @@
                   <a:tailEnd/>
                 </a14:hiddenLine>
               </a:ext>
-              <a:ext uri="{AF507438-7753-43e0-B8FC-AC1667EBCBE1}">
+              <a:ext uri="{AF507438-7753-43E0-B8FC-AC1667EBCBE1}">
                 <a14:hiddenEffects xmlns:a14="http://schemas.microsoft.com/office/drawing/2010/main">
                   <a:effectLst>
                     <a:outerShdw dist="35921" dir="2700000" algn="ctr" rotWithShape="0">
@@ -7546,14 +7186,14 @@
             </a:ln>
             <a:effectLst/>
             <a:extLst>
-              <a:ext uri="{909E8E84-426E-40dd-AFC4-6F175D3DCCD1}">
+              <a:ext uri="{909E8E84-426E-40DD-AFC4-6F175D3DCCD1}">
                 <a14:hiddenFill xmlns:a14="http://schemas.microsoft.com/office/drawing/2010/main">
                   <a:solidFill>
                     <a:schemeClr val="accent1"/>
                   </a:solidFill>
                 </a14:hiddenFill>
               </a:ext>
-              <a:ext uri="{91240B29-F687-4f45-9708-019B960494DF}">
+              <a:ext uri="{91240B29-F687-4F45-9708-019B960494DF}">
                 <a14:hiddenLine xmlns:a14="http://schemas.microsoft.com/office/drawing/2010/main" w="9525">
                   <a:solidFill>
                     <a:schemeClr val="tx1"/>
@@ -7563,7 +7203,7 @@
                   <a:tailEnd/>
                 </a14:hiddenLine>
               </a:ext>
-              <a:ext uri="{AF507438-7753-43e0-B8FC-AC1667EBCBE1}">
+              <a:ext uri="{AF507438-7753-43E0-B8FC-AC1667EBCBE1}">
                 <a14:hiddenEffects xmlns:a14="http://schemas.microsoft.com/office/drawing/2010/main">
                   <a:effectLst>
                     <a:outerShdw dist="35921" dir="2700000" algn="ctr" rotWithShape="0">
@@ -7824,14 +7464,14 @@
             </a:ln>
             <a:effectLst/>
             <a:extLst>
-              <a:ext uri="{909E8E84-426E-40dd-AFC4-6F175D3DCCD1}">
+              <a:ext uri="{909E8E84-426E-40DD-AFC4-6F175D3DCCD1}">
                 <a14:hiddenFill xmlns:a14="http://schemas.microsoft.com/office/drawing/2010/main">
                   <a:solidFill>
                     <a:schemeClr val="accent1"/>
                   </a:solidFill>
                 </a14:hiddenFill>
               </a:ext>
-              <a:ext uri="{91240B29-F687-4f45-9708-019B960494DF}">
+              <a:ext uri="{91240B29-F687-4F45-9708-019B960494DF}">
                 <a14:hiddenLine xmlns:a14="http://schemas.microsoft.com/office/drawing/2010/main" w="9525">
                   <a:solidFill>
                     <a:schemeClr val="tx1"/>
@@ -7841,7 +7481,7 @@
                   <a:tailEnd/>
                 </a14:hiddenLine>
               </a:ext>
-              <a:ext uri="{AF507438-7753-43e0-B8FC-AC1667EBCBE1}">
+              <a:ext uri="{AF507438-7753-43E0-B8FC-AC1667EBCBE1}">
                 <a14:hiddenEffects xmlns:a14="http://schemas.microsoft.com/office/drawing/2010/main">
                   <a:effectLst>
                     <a:outerShdw dist="35921" dir="2700000" algn="ctr" rotWithShape="0">
@@ -8069,7 +7709,7 @@
     </p:spTree>
     <p:extLst>
       <p:ext uri="{BB962C8B-B14F-4D97-AF65-F5344CB8AC3E}">
-        <p14:creationId xmlns:p14="http://schemas.microsoft.com/office/powerpoint/2010/main" val="4023936288"/>
+        <p14:creationId xmlns:p14="http://schemas.microsoft.com/office/powerpoint/2010/main" val="4210284558"/>
       </p:ext>
     </p:extLst>
   </p:cSld>
@@ -8079,7 +7719,7 @@
   <p:timing>
     <p:tnLst>
       <p:par>
-        <p:cTn xmlns:p14="http://schemas.microsoft.com/office/powerpoint/2010/main" id="1" dur="indefinite" restart="never" nodeType="tmRoot"/>
+        <p:cTn id="1" dur="indefinite" restart="never" nodeType="tmRoot"/>
       </p:par>
     </p:tnLst>
   </p:timing>
@@ -8180,14 +7820,14 @@
           </a:ln>
           <a:effectLst/>
           <a:extLst>
-            <a:ext uri="{909E8E84-426E-40dd-AFC4-6F175D3DCCD1}">
+            <a:ext uri="{909E8E84-426E-40DD-AFC4-6F175D3DCCD1}">
               <a14:hiddenFill xmlns:a14="http://schemas.microsoft.com/office/drawing/2010/main">
                 <a:solidFill>
                   <a:schemeClr val="accent1"/>
                 </a:solidFill>
               </a14:hiddenFill>
             </a:ext>
-            <a:ext uri="{AF507438-7753-43e0-B8FC-AC1667EBCBE1}">
+            <a:ext uri="{AF507438-7753-43E0-B8FC-AC1667EBCBE1}">
               <a14:hiddenEffects xmlns:a14="http://schemas.microsoft.com/office/drawing/2010/main">
                 <a:effectLst>
                   <a:outerShdw dist="35921" dir="2700000" algn="ctr" rotWithShape="0">
@@ -8239,14 +7879,14 @@
           </a:ln>
           <a:effectLst/>
           <a:extLst>
-            <a:ext uri="{909E8E84-426E-40dd-AFC4-6F175D3DCCD1}">
+            <a:ext uri="{909E8E84-426E-40DD-AFC4-6F175D3DCCD1}">
               <a14:hiddenFill xmlns:a14="http://schemas.microsoft.com/office/drawing/2010/main">
                 <a:solidFill>
                   <a:schemeClr val="accent1"/>
                 </a:solidFill>
               </a14:hiddenFill>
             </a:ext>
-            <a:ext uri="{AF507438-7753-43e0-B8FC-AC1667EBCBE1}">
+            <a:ext uri="{AF507438-7753-43E0-B8FC-AC1667EBCBE1}">
               <a14:hiddenEffects xmlns:a14="http://schemas.microsoft.com/office/drawing/2010/main">
                 <a:effectLst>
                   <a:outerShdw dist="35921" dir="2700000" algn="ctr" rotWithShape="0">
@@ -8379,7 +8019,7 @@
     </p:spTree>
     <p:extLst>
       <p:ext uri="{BB962C8B-B14F-4D97-AF65-F5344CB8AC3E}">
-        <p14:creationId xmlns:p14="http://schemas.microsoft.com/office/powerpoint/2010/main" val="311896214"/>
+        <p14:creationId xmlns:p14="http://schemas.microsoft.com/office/powerpoint/2010/main" val="2586010149"/>
       </p:ext>
     </p:extLst>
   </p:cSld>
@@ -8389,7 +8029,7 @@
   <p:timing>
     <p:tnLst>
       <p:par>
-        <p:cTn xmlns:p14="http://schemas.microsoft.com/office/powerpoint/2010/main" id="1" dur="indefinite" restart="never" nodeType="tmRoot"/>
+        <p:cTn id="1" dur="indefinite" restart="never" nodeType="tmRoot"/>
       </p:par>
     </p:tnLst>
   </p:timing>
@@ -8729,7 +8369,7 @@
           </a:prstGeom>
           <a:noFill/>
           <a:extLst>
-            <a:ext uri="{909E8E84-426E-40dd-AFC4-6F175D3DCCD1}">
+            <a:ext uri="{909E8E84-426E-40DD-AFC4-6F175D3DCCD1}">
               <a14:hiddenFill xmlns:a14="http://schemas.microsoft.com/office/drawing/2010/main">
                 <a:solidFill>
                   <a:srgbClr val="FFFFFF"/>
@@ -8739,10 +8379,67 @@
           </a:extLst>
         </p:spPr>
       </p:pic>
+      <p:sp>
+        <p:nvSpPr>
+          <p:cNvPr id="2" name="ZoneTexte 1"/>
+          <p:cNvSpPr txBox="1"/>
+          <p:nvPr/>
+        </p:nvSpPr>
+        <p:spPr>
+          <a:xfrm>
+            <a:off x="339612" y="5143783"/>
+            <a:ext cx="4136069" cy="584775"/>
+          </a:xfrm>
+          <a:prstGeom prst="rect">
+            <a:avLst/>
+          </a:prstGeom>
+          <a:noFill/>
+        </p:spPr>
+        <p:txBody>
+          <a:bodyPr wrap="none" rtlCol="0">
+            <a:spAutoFit/>
+          </a:bodyPr>
+          <a:lstStyle/>
+          <a:p>
+            <a:r>
+              <a:rPr lang="en-AU" sz="1600" dirty="0" smtClean="0"/>
+              <a:t>Dot dose to pierce is </a:t>
+            </a:r>
+            <a:r>
+              <a:rPr lang="en-AU" sz="1600" dirty="0"/>
+              <a:t>between 1.2 and 1.6 </a:t>
+            </a:r>
+            <a:r>
+              <a:rPr lang="en-AU" sz="1600" dirty="0" err="1" smtClean="0"/>
+              <a:t>pC</a:t>
+            </a:r>
+            <a:endParaRPr lang="en-AU" sz="1600" dirty="0" smtClean="0"/>
+          </a:p>
+          <a:p>
+            <a:r>
+              <a:rPr lang="en-AU" sz="1600" dirty="0" smtClean="0"/>
+              <a:t>Line dose is </a:t>
+            </a:r>
+            <a:r>
+              <a:rPr lang="en-AU" sz="1600" dirty="0"/>
+              <a:t>between 1152 and </a:t>
+            </a:r>
+            <a:r>
+              <a:rPr lang="en-AU" sz="1600" dirty="0" smtClean="0"/>
+              <a:t>2304 µC</a:t>
+            </a:r>
+            <a:r>
+              <a:rPr lang="en-AU" sz="1600" b="1" dirty="0"/>
+              <a:t>. </a:t>
+            </a:r>
+            <a:endParaRPr lang="fr-FR" sz="1600" dirty="0"/>
+          </a:p>
+        </p:txBody>
+      </p:sp>
     </p:spTree>
     <p:extLst>
       <p:ext uri="{BB962C8B-B14F-4D97-AF65-F5344CB8AC3E}">
-        <p14:creationId xmlns:p14="http://schemas.microsoft.com/office/powerpoint/2010/main" val="4083486582"/>
+        <p14:creationId xmlns:p14="http://schemas.microsoft.com/office/powerpoint/2010/main" val="3252430335"/>
       </p:ext>
     </p:extLst>
   </p:cSld>
@@ -8752,7 +8449,7 @@
   <p:timing>
     <p:tnLst>
       <p:par>
-        <p:cTn xmlns:p14="http://schemas.microsoft.com/office/powerpoint/2010/main" id="1" dur="indefinite" restart="never" nodeType="tmRoot"/>
+        <p:cTn id="1" dur="indefinite" restart="never" nodeType="tmRoot"/>
       </p:par>
     </p:tnLst>
   </p:timing>
@@ -8778,47 +8475,6 @@
       </p:grpSpPr>
       <p:sp>
         <p:nvSpPr>
-          <p:cNvPr id="4" name="Titre 1"/>
-          <p:cNvSpPr>
-            <a:spLocks noGrp="1"/>
-          </p:cNvSpPr>
-          <p:nvPr>
-            <p:ph type="title"/>
-          </p:nvPr>
-        </p:nvSpPr>
-        <p:spPr>
-          <a:xfrm>
-            <a:off x="179512" y="0"/>
-            <a:ext cx="8229600" cy="877824"/>
-          </a:xfrm>
-        </p:spPr>
-        <p:txBody>
-          <a:bodyPr>
-            <a:normAutofit/>
-          </a:bodyPr>
-          <a:lstStyle/>
-          <a:p>
-            <a:r>
-              <a:rPr lang="fr-FR" sz="3200" dirty="0" err="1"/>
-              <a:t>Focused</a:t>
-            </a:r>
-            <a:r>
-              <a:rPr lang="fr-FR" sz="3200" dirty="0"/>
-              <a:t> Ion </a:t>
-            </a:r>
-            <a:r>
-              <a:rPr lang="fr-FR" sz="3200" dirty="0" err="1"/>
-              <a:t>Beam</a:t>
-            </a:r>
-            <a:r>
-              <a:rPr lang="fr-FR" sz="3200" dirty="0"/>
-              <a:t> and membranes</a:t>
-            </a:r>
-          </a:p>
-        </p:txBody>
-      </p:sp>
-      <p:sp>
-        <p:nvSpPr>
           <p:cNvPr id="3" name="Espace réservé du contenu 2"/>
           <p:cNvSpPr>
             <a:spLocks noGrp="1"/>
@@ -8832,22 +8488,22 @@
           <a:bodyPr/>
           <a:lstStyle/>
           <a:p>
-            <a:endParaRPr lang="fr-FR" dirty="0" smtClean="0"/>
-          </a:p>
-          <a:p>
-            <a:endParaRPr lang="fr-FR" dirty="0"/>
+            <a:endParaRPr lang="en-AU" dirty="0" smtClean="0"/>
+          </a:p>
+          <a:p>
+            <a:endParaRPr lang="en-AU" dirty="0"/>
           </a:p>
         </p:txBody>
       </p:sp>
       <p:pic>
         <p:nvPicPr>
-          <p:cNvPr id="2050" name="Picture 2"/>
+          <p:cNvPr id="3076" name="Picture 4"/>
           <p:cNvPicPr>
             <a:picLocks noChangeAspect="1" noChangeArrowheads="1"/>
           </p:cNvPicPr>
           <p:nvPr/>
         </p:nvPicPr>
-        <p:blipFill rotWithShape="1">
+        <p:blipFill>
           <a:blip r:embed="rId2">
             <a:extLst>
               <a:ext uri="{28A0092B-C50C-407E-A947-70E740481C1C}">
@@ -8855,13 +8511,15 @@
               </a:ext>
             </a:extLst>
           </a:blip>
-          <a:srcRect l="35943" t="8218" r="19850"/>
-          <a:stretch/>
+          <a:srcRect/>
+          <a:stretch>
+            <a:fillRect/>
+          </a:stretch>
         </p:blipFill>
         <p:spPr bwMode="auto">
           <a:xfrm>
-            <a:off x="5772116" y="1844824"/>
-            <a:ext cx="2185416" cy="1687259"/>
+            <a:off x="323528" y="1700809"/>
+            <a:ext cx="4824536" cy="2700120"/>
           </a:xfrm>
           <a:prstGeom prst="rect">
             <a:avLst/>
@@ -8872,14 +8530,14 @@
           </a:ln>
           <a:effectLst/>
           <a:extLst>
-            <a:ext uri="{909E8E84-426E-40dd-AFC4-6F175D3DCCD1}">
+            <a:ext uri="{909E8E84-426E-40DD-AFC4-6F175D3DCCD1}">
               <a14:hiddenFill xmlns:a14="http://schemas.microsoft.com/office/drawing/2010/main">
                 <a:solidFill>
                   <a:schemeClr val="accent1"/>
                 </a:solidFill>
               </a14:hiddenFill>
             </a:ext>
-            <a:ext uri="{91240B29-F687-4f45-9708-019B960494DF}">
+            <a:ext uri="{91240B29-F687-4F45-9708-019B960494DF}">
               <a14:hiddenLine xmlns:a14="http://schemas.microsoft.com/office/drawing/2010/main" w="9525">
                 <a:solidFill>
                   <a:schemeClr val="tx1"/>
@@ -8889,7 +8547,7 @@
                 <a:tailEnd/>
               </a14:hiddenLine>
             </a:ext>
-            <a:ext uri="{AF507438-7753-43e0-B8FC-AC1667EBCBE1}">
+            <a:ext uri="{AF507438-7753-43E0-B8FC-AC1667EBCBE1}">
               <a14:hiddenEffects xmlns:a14="http://schemas.microsoft.com/office/drawing/2010/main">
                 <a:effectLst>
                   <a:outerShdw dist="35921" dir="2700000" algn="ctr" rotWithShape="0">
@@ -8903,14 +8561,14 @@
       </p:pic>
       <p:sp>
         <p:nvSpPr>
-          <p:cNvPr id="2" name="ZoneTexte 1"/>
+          <p:cNvPr id="23" name="ZoneTexte 22"/>
           <p:cNvSpPr txBox="1"/>
           <p:nvPr/>
         </p:nvSpPr>
         <p:spPr>
           <a:xfrm>
-            <a:off x="5532676" y="3532082"/>
-            <a:ext cx="2664296" cy="584775"/>
+            <a:off x="5508104" y="1988840"/>
+            <a:ext cx="4392488" cy="1200329"/>
           </a:xfrm>
           <a:prstGeom prst="rect">
             <a:avLst/>
@@ -8923,38 +8581,81 @@
           </a:bodyPr>
           <a:lstStyle/>
           <a:p>
-            <a:pPr algn="ctr"/>
-            <a:r>
-              <a:rPr lang="fr-FR" sz="1600" dirty="0" err="1" smtClean="0"/>
-              <a:t>Thickness</a:t>
-            </a:r>
-            <a:r>
-              <a:rPr lang="fr-FR" sz="1600" dirty="0" smtClean="0"/>
-              <a:t>: ~100 nm</a:t>
-            </a:r>
-          </a:p>
-          <a:p>
-            <a:pPr algn="ctr"/>
-            <a:r>
-              <a:rPr lang="fr-FR" sz="1600" dirty="0" err="1" smtClean="0"/>
-              <a:t>Coating</a:t>
-            </a:r>
-            <a:r>
-              <a:rPr lang="fr-FR" sz="1600" dirty="0" smtClean="0"/>
-              <a:t>: 5 nm Cr</a:t>
-            </a:r>
-          </a:p>
-        </p:txBody>
-      </p:sp>
+            <a:r>
+              <a:rPr lang="en-AU" dirty="0" smtClean="0"/>
+              <a:t>Repeatability</a:t>
+            </a:r>
+          </a:p>
+          <a:p>
+            <a:r>
+              <a:rPr lang="en-AU" dirty="0" smtClean="0"/>
+              <a:t>Step between dots</a:t>
+            </a:r>
+          </a:p>
+          <a:p>
+            <a:r>
+              <a:rPr lang="en-AU" dirty="0" smtClean="0"/>
+              <a:t>Total charge to mill through</a:t>
+            </a:r>
+          </a:p>
+          <a:p>
+            <a:r>
+              <a:rPr lang="en-AU" dirty="0" smtClean="0"/>
+              <a:t>	Hole size</a:t>
+            </a:r>
+            <a:r>
+              <a:rPr lang="fr-FR" dirty="0" smtClean="0"/>
+              <a:t> </a:t>
+            </a:r>
+            <a:endParaRPr lang="fr-FR" dirty="0"/>
+          </a:p>
+        </p:txBody>
+      </p:sp>
+      <p:cxnSp>
+        <p:nvCxnSpPr>
+          <p:cNvPr id="25" name="Connecteur droit avec flèche 24"/>
+          <p:cNvCxnSpPr/>
+          <p:nvPr/>
+        </p:nvCxnSpPr>
+        <p:spPr>
+          <a:xfrm>
+            <a:off x="5940152" y="2996952"/>
+            <a:ext cx="432048" cy="0"/>
+          </a:xfrm>
+          <a:prstGeom prst="straightConnector1">
+            <a:avLst/>
+          </a:prstGeom>
+          <a:ln w="28575">
+            <a:solidFill>
+              <a:schemeClr val="tx1"/>
+            </a:solidFill>
+            <a:tailEnd type="arrow"/>
+          </a:ln>
+        </p:spPr>
+        <p:style>
+          <a:lnRef idx="1">
+            <a:schemeClr val="accent1"/>
+          </a:lnRef>
+          <a:fillRef idx="0">
+            <a:schemeClr val="accent1"/>
+          </a:fillRef>
+          <a:effectRef idx="0">
+            <a:schemeClr val="accent1"/>
+          </a:effectRef>
+          <a:fontRef idx="minor">
+            <a:schemeClr val="tx1"/>
+          </a:fontRef>
+        </p:style>
+      </p:cxnSp>
       <p:pic>
         <p:nvPicPr>
-          <p:cNvPr id="2051" name="Picture 3"/>
+          <p:cNvPr id="3080" name="Picture 8"/>
           <p:cNvPicPr>
             <a:picLocks noChangeAspect="1" noChangeArrowheads="1"/>
           </p:cNvPicPr>
           <p:nvPr/>
         </p:nvPicPr>
-        <p:blipFill rotWithShape="1">
+        <p:blipFill>
           <a:blip r:embed="rId3">
             <a:extLst>
               <a:ext uri="{28A0092B-C50C-407E-A947-70E740481C1C}">
@@ -8962,13 +8663,15 @@
               </a:ext>
             </a:extLst>
           </a:blip>
-          <a:srcRect l="14919"/>
-          <a:stretch/>
+          <a:srcRect/>
+          <a:stretch>
+            <a:fillRect/>
+          </a:stretch>
         </p:blipFill>
         <p:spPr bwMode="auto">
           <a:xfrm>
-            <a:off x="395536" y="1628800"/>
-            <a:ext cx="4176464" cy="4400194"/>
+            <a:off x="349051" y="4581128"/>
+            <a:ext cx="5765701" cy="1743119"/>
           </a:xfrm>
           <a:prstGeom prst="rect">
             <a:avLst/>
@@ -8979,14 +8682,14 @@
           </a:ln>
           <a:effectLst/>
           <a:extLst>
-            <a:ext uri="{909E8E84-426E-40dd-AFC4-6F175D3DCCD1}">
+            <a:ext uri="{909E8E84-426E-40DD-AFC4-6F175D3DCCD1}">
               <a14:hiddenFill xmlns:a14="http://schemas.microsoft.com/office/drawing/2010/main">
                 <a:solidFill>
                   <a:schemeClr val="accent1"/>
                 </a:solidFill>
               </a14:hiddenFill>
             </a:ext>
-            <a:ext uri="{91240B29-F687-4f45-9708-019B960494DF}">
+            <a:ext uri="{91240B29-F687-4F45-9708-019B960494DF}">
               <a14:hiddenLine xmlns:a14="http://schemas.microsoft.com/office/drawing/2010/main" w="9525">
                 <a:solidFill>
                   <a:schemeClr val="tx1"/>
@@ -8996,7 +8699,7 @@
                 <a:tailEnd/>
               </a14:hiddenLine>
             </a:ext>
-            <a:ext uri="{AF507438-7753-43e0-B8FC-AC1667EBCBE1}">
+            <a:ext uri="{AF507438-7753-43E0-B8FC-AC1667EBCBE1}">
               <a14:hiddenEffects xmlns:a14="http://schemas.microsoft.com/office/drawing/2010/main">
                 <a:effectLst>
                   <a:outerShdw dist="35921" dir="2700000" algn="ctr" rotWithShape="0">
@@ -9010,91 +8713,251 @@
       </p:pic>
       <p:sp>
         <p:nvSpPr>
-          <p:cNvPr id="6" name="ZoneTexte 5"/>
+          <p:cNvPr id="26" name="ZoneTexte 25"/>
           <p:cNvSpPr txBox="1"/>
           <p:nvPr/>
         </p:nvSpPr>
         <p:spPr>
           <a:xfrm>
-            <a:off x="4932040" y="4437112"/>
-            <a:ext cx="4211960" cy="1477328"/>
+            <a:off x="464613" y="5894164"/>
+            <a:ext cx="2145139" cy="369332"/>
           </a:xfrm>
           <a:prstGeom prst="rect">
             <a:avLst/>
           </a:prstGeom>
-          <a:noFill/>
-        </p:spPr>
-        <p:txBody>
-          <a:bodyPr wrap="square" rtlCol="0">
+          <a:solidFill>
+            <a:schemeClr val="bg1"/>
+          </a:solidFill>
+        </p:spPr>
+        <p:txBody>
+          <a:bodyPr wrap="none" rtlCol="0">
             <a:spAutoFit/>
           </a:bodyPr>
           <a:lstStyle/>
           <a:p>
-            <a:pPr>
-              <a:lnSpc>
-                <a:spcPct val="200000"/>
-              </a:lnSpc>
-            </a:pPr>
-            <a:r>
-              <a:rPr lang="fr-FR" u="sng" dirty="0" err="1" smtClean="0"/>
-              <a:t>Parameters</a:t>
-            </a:r>
-            <a:r>
-              <a:rPr lang="fr-FR" u="sng" dirty="0" smtClean="0"/>
-              <a:t>:</a:t>
-            </a:r>
-          </a:p>
-          <a:p>
-            <a:pPr>
-              <a:spcAft>
-                <a:spcPts val="3000"/>
-              </a:spcAft>
-            </a:pPr>
+            <a:r>
+              <a:rPr lang="fr-FR" dirty="0" smtClean="0"/>
+              <a:t>Not </a:t>
+            </a:r>
             <a:r>
               <a:rPr lang="fr-FR" dirty="0" err="1" smtClean="0"/>
-              <a:t>Column</a:t>
+              <a:t>milled</a:t>
             </a:r>
             <a:r>
               <a:rPr lang="fr-FR" dirty="0" smtClean="0"/>
-              <a:t>: Voltage - Aperture – </a:t>
+              <a:t> </a:t>
             </a:r>
             <a:r>
               <a:rPr lang="fr-FR" dirty="0" err="1" smtClean="0"/>
-              <a:t>Current</a:t>
-            </a:r>
+              <a:t>through</a:t>
+            </a:r>
+            <a:endParaRPr lang="fr-FR" dirty="0"/>
+          </a:p>
+        </p:txBody>
+      </p:sp>
+      <p:sp>
+        <p:nvSpPr>
+          <p:cNvPr id="36" name="ZoneTexte 35"/>
+          <p:cNvSpPr txBox="1"/>
+          <p:nvPr/>
+        </p:nvSpPr>
+        <p:spPr>
+          <a:xfrm>
+            <a:off x="3954177" y="5894164"/>
+            <a:ext cx="1923925" cy="369332"/>
+          </a:xfrm>
+          <a:prstGeom prst="rect">
+            <a:avLst/>
+          </a:prstGeom>
+          <a:solidFill>
+            <a:schemeClr val="bg1"/>
+          </a:solidFill>
+        </p:spPr>
+        <p:txBody>
+          <a:bodyPr wrap="none" rtlCol="0">
+            <a:spAutoFit/>
+          </a:bodyPr>
+          <a:lstStyle/>
+          <a:p>
             <a:r>
               <a:rPr lang="fr-FR" dirty="0" smtClean="0"/>
-              <a:t/>
-            </a:r>
-            <a:br>
+              <a:t>~ </a:t>
+            </a:r>
+            <a:r>
+              <a:rPr lang="fr-FR" dirty="0" err="1" smtClean="0"/>
+              <a:t>Milled</a:t>
+            </a:r>
+            <a:r>
               <a:rPr lang="fr-FR" dirty="0" smtClean="0"/>
-            </a:br>
+              <a:t> </a:t>
+            </a:r>
+            <a:r>
+              <a:rPr lang="fr-FR" dirty="0" err="1" smtClean="0"/>
+              <a:t>through</a:t>
+            </a:r>
+            <a:endParaRPr lang="fr-FR" dirty="0"/>
+          </a:p>
+        </p:txBody>
+      </p:sp>
+      <p:pic>
+        <p:nvPicPr>
+          <p:cNvPr id="3081" name="Picture 9"/>
+          <p:cNvPicPr>
+            <a:picLocks noChangeAspect="1" noChangeArrowheads="1"/>
+          </p:cNvPicPr>
+          <p:nvPr/>
+        </p:nvPicPr>
+        <p:blipFill>
+          <a:blip r:embed="rId4">
+            <a:extLst>
+              <a:ext uri="{28A0092B-C50C-407E-A947-70E740481C1C}">
+                <a14:useLocalDpi xmlns:a14="http://schemas.microsoft.com/office/drawing/2010/main" val="0"/>
+              </a:ext>
+            </a:extLst>
+          </a:blip>
+          <a:srcRect/>
+          <a:stretch>
+            <a:fillRect/>
+          </a:stretch>
+        </p:blipFill>
+        <p:spPr bwMode="auto">
+          <a:xfrm>
+            <a:off x="6804248" y="3857703"/>
+            <a:ext cx="1409700" cy="1990725"/>
+          </a:xfrm>
+          <a:prstGeom prst="rect">
+            <a:avLst/>
+          </a:prstGeom>
+          <a:noFill/>
+          <a:ln>
+            <a:noFill/>
+          </a:ln>
+          <a:effectLst/>
+          <a:extLst>
+            <a:ext uri="{909E8E84-426E-40DD-AFC4-6F175D3DCCD1}">
+              <a14:hiddenFill xmlns:a14="http://schemas.microsoft.com/office/drawing/2010/main">
+                <a:solidFill>
+                  <a:schemeClr val="accent1"/>
+                </a:solidFill>
+              </a14:hiddenFill>
+            </a:ext>
+            <a:ext uri="{91240B29-F687-4F45-9708-019B960494DF}">
+              <a14:hiddenLine xmlns:a14="http://schemas.microsoft.com/office/drawing/2010/main" w="9525">
+                <a:solidFill>
+                  <a:schemeClr val="tx1"/>
+                </a:solidFill>
+                <a:miter lim="800000"/>
+                <a:headEnd/>
+                <a:tailEnd/>
+              </a14:hiddenLine>
+            </a:ext>
+            <a:ext uri="{AF507438-7753-43E0-B8FC-AC1667EBCBE1}">
+              <a14:hiddenEffects xmlns:a14="http://schemas.microsoft.com/office/drawing/2010/main">
+                <a:effectLst>
+                  <a:outerShdw dist="35921" dir="2700000" algn="ctr" rotWithShape="0">
+                    <a:schemeClr val="bg2"/>
+                  </a:outerShdw>
+                </a:effectLst>
+              </a14:hiddenEffects>
+            </a:ext>
+          </a:extLst>
+        </p:spPr>
+      </p:pic>
+      <p:sp>
+        <p:nvSpPr>
+          <p:cNvPr id="38" name="ZoneTexte 37"/>
+          <p:cNvSpPr txBox="1"/>
+          <p:nvPr/>
+        </p:nvSpPr>
+        <p:spPr>
+          <a:xfrm>
+            <a:off x="6516216" y="5894164"/>
+            <a:ext cx="2182008" cy="369332"/>
+          </a:xfrm>
+          <a:prstGeom prst="rect">
+            <a:avLst/>
+          </a:prstGeom>
+          <a:solidFill>
+            <a:schemeClr val="bg1"/>
+          </a:solidFill>
+        </p:spPr>
+        <p:txBody>
+          <a:bodyPr wrap="none" rtlCol="0">
+            <a:spAutoFit/>
+          </a:bodyPr>
+          <a:lstStyle/>
+          <a:p>
             <a:r>
               <a:rPr lang="fr-FR" dirty="0" smtClean="0"/>
-              <a:t>Dot, line and area doses (</a:t>
+              <a:t>Not </a:t>
             </a:r>
             <a:r>
               <a:rPr lang="fr-FR" dirty="0" err="1" smtClean="0"/>
-              <a:t>pC</a:t>
-            </a:r>
+              <a:t>distinguishable</a:t>
+            </a:r>
+            <a:endParaRPr lang="fr-FR" dirty="0"/>
+          </a:p>
+        </p:txBody>
+      </p:sp>
+      <p:sp>
+        <p:nvSpPr>
+          <p:cNvPr id="39" name="ZoneTexte 38"/>
+          <p:cNvSpPr txBox="1"/>
+          <p:nvPr/>
+        </p:nvSpPr>
+        <p:spPr>
+          <a:xfrm>
+            <a:off x="6601962" y="3429000"/>
+            <a:ext cx="1784463" cy="369332"/>
+          </a:xfrm>
+          <a:prstGeom prst="rect">
+            <a:avLst/>
+          </a:prstGeom>
+          <a:solidFill>
+            <a:schemeClr val="bg1"/>
+          </a:solidFill>
+        </p:spPr>
+        <p:txBody>
+          <a:bodyPr wrap="none" rtlCol="0">
+            <a:spAutoFit/>
+          </a:bodyPr>
+          <a:lstStyle/>
+          <a:p>
+            <a:r>
+              <a:rPr lang="fr-FR" dirty="0" err="1" smtClean="0"/>
+              <a:t>Distinguishable</a:t>
+            </a:r>
+            <a:endParaRPr lang="fr-FR" dirty="0"/>
+          </a:p>
+        </p:txBody>
+      </p:sp>
+      <p:sp>
+        <p:nvSpPr>
+          <p:cNvPr id="42" name="Titre 1"/>
+          <p:cNvSpPr>
+            <a:spLocks noGrp="1"/>
+          </p:cNvSpPr>
+          <p:nvPr>
+            <p:ph type="title"/>
+          </p:nvPr>
+        </p:nvSpPr>
+        <p:spPr>
+          <a:xfrm>
+            <a:off x="301752" y="228600"/>
+            <a:ext cx="8534400" cy="758952"/>
+          </a:xfrm>
+        </p:spPr>
+        <p:txBody>
+          <a:bodyPr/>
+          <a:lstStyle/>
+          <a:p>
             <a:r>
               <a:rPr lang="fr-FR" dirty="0" smtClean="0"/>
-              <a:t>)</a:t>
-            </a:r>
-            <a:br>
-              <a:rPr lang="fr-FR" dirty="0" smtClean="0"/>
-            </a:br>
+              <a:t>Tests of </a:t>
+            </a:r>
             <a:r>
               <a:rPr lang="fr-FR" dirty="0" err="1" smtClean="0"/>
-              <a:t>Number</a:t>
-            </a:r>
-            <a:r>
-              <a:rPr lang="fr-FR" dirty="0" smtClean="0"/>
-              <a:t> of </a:t>
-            </a:r>
-            <a:r>
-              <a:rPr lang="fr-FR" dirty="0" err="1" smtClean="0"/>
-              <a:t>loops</a:t>
+              <a:t>resolution</a:t>
             </a:r>
             <a:endParaRPr lang="fr-FR" dirty="0"/>
           </a:p>
@@ -9103,7 +8966,7 @@
     </p:spTree>
     <p:extLst>
       <p:ext uri="{BB962C8B-B14F-4D97-AF65-F5344CB8AC3E}">
-        <p14:creationId xmlns:p14="http://schemas.microsoft.com/office/powerpoint/2010/main" val="3468856319"/>
+        <p14:creationId xmlns:p14="http://schemas.microsoft.com/office/powerpoint/2010/main" val="4047568751"/>
       </p:ext>
     </p:extLst>
   </p:cSld>
@@ -9113,7 +8976,7 @@
   <p:timing>
     <p:tnLst>
       <p:par>
-        <p:cTn xmlns:p14="http://schemas.microsoft.com/office/powerpoint/2010/main" id="1" dur="indefinite" restart="never" nodeType="tmRoot"/>
+        <p:cTn id="1" dur="indefinite" restart="never" nodeType="tmRoot"/>
       </p:par>
     </p:tnLst>
   </p:timing>
@@ -9139,12 +9002,12 @@
       </p:grpSpPr>
       <p:sp>
         <p:nvSpPr>
-          <p:cNvPr id="3" name="Espace réservé du contenu 2"/>
+          <p:cNvPr id="2" name="Titre 1"/>
           <p:cNvSpPr>
             <a:spLocks noGrp="1"/>
           </p:cNvSpPr>
           <p:nvPr>
-            <p:ph sz="quarter" idx="1"/>
+            <p:ph type="title"/>
           </p:nvPr>
         </p:nvSpPr>
         <p:spPr/>
@@ -9152,16 +9015,21 @@
           <a:bodyPr/>
           <a:lstStyle/>
           <a:p>
-            <a:endParaRPr lang="en-AU" dirty="0" smtClean="0"/>
-          </a:p>
-          <a:p>
-            <a:endParaRPr lang="en-AU" dirty="0"/>
+            <a:r>
+              <a:rPr lang="fr-FR" dirty="0" smtClean="0"/>
+              <a:t>Tests of </a:t>
+            </a:r>
+            <a:r>
+              <a:rPr lang="fr-FR" dirty="0" err="1" smtClean="0"/>
+              <a:t>resolution</a:t>
+            </a:r>
+            <a:endParaRPr lang="fr-FR" dirty="0"/>
           </a:p>
         </p:txBody>
       </p:sp>
       <p:pic>
         <p:nvPicPr>
-          <p:cNvPr id="3076" name="Picture 4"/>
+          <p:cNvPr id="5" name="Picture 6"/>
           <p:cNvPicPr>
             <a:picLocks noChangeAspect="1" noChangeArrowheads="1"/>
           </p:cNvPicPr>
@@ -9182,8 +9050,8 @@
         </p:blipFill>
         <p:spPr bwMode="auto">
           <a:xfrm>
-            <a:off x="323528" y="1700809"/>
-            <a:ext cx="4824536" cy="2700120"/>
+            <a:off x="175558" y="1768460"/>
+            <a:ext cx="3364245" cy="3460740"/>
           </a:xfrm>
           <a:prstGeom prst="rect">
             <a:avLst/>
@@ -9194,14 +9062,14 @@
           </a:ln>
           <a:effectLst/>
           <a:extLst>
-            <a:ext uri="{909E8E84-426E-40dd-AFC4-6F175D3DCCD1}">
+            <a:ext uri="{909E8E84-426E-40DD-AFC4-6F175D3DCCD1}">
               <a14:hiddenFill xmlns:a14="http://schemas.microsoft.com/office/drawing/2010/main">
                 <a:solidFill>
                   <a:schemeClr val="accent1"/>
                 </a:solidFill>
               </a14:hiddenFill>
             </a:ext>
-            <a:ext uri="{91240B29-F687-4f45-9708-019B960494DF}">
+            <a:ext uri="{91240B29-F687-4F45-9708-019B960494DF}">
               <a14:hiddenLine xmlns:a14="http://schemas.microsoft.com/office/drawing/2010/main" w="9525">
                 <a:solidFill>
                   <a:schemeClr val="tx1"/>
@@ -9211,7 +9079,7 @@
                 <a:tailEnd/>
               </a14:hiddenLine>
             </a:ext>
-            <a:ext uri="{AF507438-7753-43e0-B8FC-AC1667EBCBE1}">
+            <a:ext uri="{AF507438-7753-43E0-B8FC-AC1667EBCBE1}">
               <a14:hiddenEffects xmlns:a14="http://schemas.microsoft.com/office/drawing/2010/main">
                 <a:effectLst>
                   <a:outerShdw dist="35921" dir="2700000" algn="ctr" rotWithShape="0">
@@ -9225,102 +9093,84 @@
       </p:pic>
       <p:sp>
         <p:nvSpPr>
-          <p:cNvPr id="23" name="ZoneTexte 22"/>
+          <p:cNvPr id="6" name="ZoneTexte 5"/>
           <p:cNvSpPr txBox="1"/>
           <p:nvPr/>
         </p:nvSpPr>
         <p:spPr>
           <a:xfrm>
-            <a:off x="5508104" y="1988840"/>
-            <a:ext cx="4392488" cy="1200329"/>
+            <a:off x="899592" y="4081427"/>
+            <a:ext cx="2468946" cy="584775"/>
           </a:xfrm>
           <a:prstGeom prst="rect">
             <a:avLst/>
           </a:prstGeom>
-          <a:noFill/>
-        </p:spPr>
-        <p:txBody>
-          <a:bodyPr wrap="square" rtlCol="0">
-            <a:spAutoFit/>
-          </a:bodyPr>
-          <a:lstStyle/>
-          <a:p>
-            <a:r>
-              <a:rPr lang="en-AU" dirty="0" smtClean="0"/>
-              <a:t>Repeatability</a:t>
-            </a:r>
-          </a:p>
-          <a:p>
-            <a:r>
-              <a:rPr lang="en-AU" dirty="0" smtClean="0"/>
-              <a:t>Step between dots</a:t>
-            </a:r>
-          </a:p>
-          <a:p>
-            <a:r>
-              <a:rPr lang="en-AU" dirty="0" smtClean="0"/>
-              <a:t>Total charge to mill through</a:t>
-            </a:r>
-          </a:p>
-          <a:p>
-            <a:r>
-              <a:rPr lang="en-AU" dirty="0" smtClean="0"/>
-              <a:t>	Hole size</a:t>
-            </a:r>
-            <a:r>
-              <a:rPr lang="fr-FR" dirty="0" smtClean="0"/>
-              <a:t> </a:t>
-            </a:r>
-            <a:endParaRPr lang="fr-FR" dirty="0"/>
-          </a:p>
-        </p:txBody>
-      </p:sp>
-      <p:cxnSp>
-        <p:nvCxnSpPr>
-          <p:cNvPr id="25" name="Connecteur droit avec flèche 24"/>
-          <p:cNvCxnSpPr/>
-          <p:nvPr/>
-        </p:nvCxnSpPr>
-        <p:spPr>
-          <a:xfrm>
-            <a:off x="5940152" y="2996952"/>
-            <a:ext cx="432048" cy="0"/>
-          </a:xfrm>
-          <a:prstGeom prst="straightConnector1">
-            <a:avLst/>
-          </a:prstGeom>
-          <a:ln w="28575">
+          <a:solidFill>
+            <a:schemeClr val="bg1"/>
+          </a:solidFill>
+          <a:ln w="12700">
             <a:solidFill>
               <a:schemeClr val="tx1"/>
             </a:solidFill>
-            <a:tailEnd type="arrow"/>
+            <a:prstDash val="sysDash"/>
           </a:ln>
         </p:spPr>
-        <p:style>
-          <a:lnRef idx="1">
-            <a:schemeClr val="accent1"/>
-          </a:lnRef>
-          <a:fillRef idx="0">
-            <a:schemeClr val="accent1"/>
-          </a:fillRef>
-          <a:effectRef idx="0">
-            <a:schemeClr val="accent1"/>
-          </a:effectRef>
-          <a:fontRef idx="minor">
-            <a:schemeClr val="tx1"/>
-          </a:fontRef>
-        </p:style>
-      </p:cxnSp>
+        <p:txBody>
+          <a:bodyPr wrap="none" rtlCol="0">
+            <a:spAutoFit/>
+          </a:bodyPr>
+          <a:lstStyle/>
+          <a:p>
+            <a:pPr algn="ctr"/>
+            <a:r>
+              <a:rPr lang="fr-FR" sz="1600" dirty="0" smtClean="0"/>
+              <a:t>1 </a:t>
+            </a:r>
+            <a:r>
+              <a:rPr lang="fr-FR" sz="1600" dirty="0" err="1" smtClean="0"/>
+              <a:t>loop</a:t>
+            </a:r>
+            <a:r>
+              <a:rPr lang="fr-FR" sz="1600" dirty="0" smtClean="0"/>
+              <a:t> </a:t>
+            </a:r>
+          </a:p>
+          <a:p>
+            <a:pPr algn="ctr"/>
+            <a:r>
+              <a:rPr lang="fr-FR" sz="1600" dirty="0" err="1" smtClean="0"/>
+              <a:t>Milled</a:t>
+            </a:r>
+            <a:r>
+              <a:rPr lang="fr-FR" sz="1600" dirty="0" smtClean="0"/>
+              <a:t> </a:t>
+            </a:r>
+            <a:r>
+              <a:rPr lang="fr-FR" sz="1600" dirty="0" err="1" smtClean="0"/>
+              <a:t>through</a:t>
+            </a:r>
+            <a:r>
+              <a:rPr lang="fr-FR" sz="1600" dirty="0" smtClean="0"/>
+              <a:t> for 1,6 </a:t>
+            </a:r>
+            <a:r>
+              <a:rPr lang="fr-FR" sz="1600" dirty="0" err="1" smtClean="0"/>
+              <a:t>pC</a:t>
+            </a:r>
+            <a:endParaRPr lang="fr-FR" sz="1600" dirty="0"/>
+          </a:p>
+        </p:txBody>
+      </p:sp>
       <p:pic>
         <p:nvPicPr>
-          <p:cNvPr id="3080" name="Picture 8"/>
+          <p:cNvPr id="7" name="Picture 7"/>
           <p:cNvPicPr>
             <a:picLocks noChangeAspect="1" noChangeArrowheads="1"/>
           </p:cNvPicPr>
           <p:nvPr/>
         </p:nvPicPr>
         <p:blipFill>
-          <a:blip r:embed="rId3">
+          <a:blip r:embed="rId3" cstate="print">
             <a:extLst>
               <a:ext uri="{28A0092B-C50C-407E-A947-70E740481C1C}">
                 <a14:useLocalDpi xmlns:a14="http://schemas.microsoft.com/office/drawing/2010/main" val="0"/>
@@ -9334,8 +9184,8 @@
         </p:blipFill>
         <p:spPr bwMode="auto">
           <a:xfrm>
-            <a:off x="349051" y="4581128"/>
-            <a:ext cx="5765701" cy="1743119"/>
+            <a:off x="6372200" y="1768460"/>
+            <a:ext cx="2601805" cy="2236604"/>
           </a:xfrm>
           <a:prstGeom prst="rect">
             <a:avLst/>
@@ -9346,14 +9196,14 @@
           </a:ln>
           <a:effectLst/>
           <a:extLst>
-            <a:ext uri="{909E8E84-426E-40dd-AFC4-6F175D3DCCD1}">
+            <a:ext uri="{909E8E84-426E-40DD-AFC4-6F175D3DCCD1}">
               <a14:hiddenFill xmlns:a14="http://schemas.microsoft.com/office/drawing/2010/main">
                 <a:solidFill>
                   <a:schemeClr val="accent1"/>
                 </a:solidFill>
               </a14:hiddenFill>
             </a:ext>
-            <a:ext uri="{91240B29-F687-4f45-9708-019B960494DF}">
+            <a:ext uri="{91240B29-F687-4F45-9708-019B960494DF}">
               <a14:hiddenLine xmlns:a14="http://schemas.microsoft.com/office/drawing/2010/main" w="9525">
                 <a:solidFill>
                   <a:schemeClr val="tx1"/>
@@ -9363,7 +9213,7 @@
                 <a:tailEnd/>
               </a14:hiddenLine>
             </a:ext>
-            <a:ext uri="{AF507438-7753-43e0-B8FC-AC1667EBCBE1}">
+            <a:ext uri="{AF507438-7753-43E0-B8FC-AC1667EBCBE1}">
               <a14:hiddenEffects xmlns:a14="http://schemas.microsoft.com/office/drawing/2010/main">
                 <a:effectLst>
                   <a:outerShdw dist="35921" dir="2700000" algn="ctr" rotWithShape="0">
@@ -9377,14 +9227,14 @@
       </p:pic>
       <p:sp>
         <p:nvSpPr>
-          <p:cNvPr id="26" name="ZoneTexte 25"/>
+          <p:cNvPr id="8" name="ZoneTexte 7"/>
           <p:cNvSpPr txBox="1"/>
           <p:nvPr/>
         </p:nvSpPr>
         <p:spPr>
           <a:xfrm>
-            <a:off x="464613" y="5894164"/>
-            <a:ext cx="2145139" cy="369332"/>
+            <a:off x="6472500" y="4212538"/>
+            <a:ext cx="2502609" cy="584775"/>
           </a:xfrm>
           <a:prstGeom prst="rect">
             <a:avLst/>
@@ -9392,6 +9242,12 @@
           <a:solidFill>
             <a:schemeClr val="bg1"/>
           </a:solidFill>
+          <a:ln w="12700">
+            <a:solidFill>
+              <a:schemeClr val="tx1"/>
+            </a:solidFill>
+            <a:prstDash val="sysDash"/>
+          </a:ln>
         </p:spPr>
         <p:txBody>
           <a:bodyPr wrap="none" rtlCol="0">
@@ -9399,73 +9255,49 @@
           </a:bodyPr>
           <a:lstStyle/>
           <a:p>
-            <a:r>
-              <a:rPr lang="fr-FR" dirty="0" smtClean="0"/>
-              <a:t>Not </a:t>
-            </a:r>
-            <a:r>
-              <a:rPr lang="fr-FR" dirty="0" err="1" smtClean="0"/>
-              <a:t>milled</a:t>
-            </a:r>
-            <a:r>
-              <a:rPr lang="fr-FR" dirty="0" smtClean="0"/>
+            <a:pPr algn="ctr"/>
+            <a:r>
+              <a:rPr lang="fr-FR" sz="1600" dirty="0" smtClean="0"/>
+              <a:t>200 </a:t>
+            </a:r>
+            <a:r>
+              <a:rPr lang="fr-FR" sz="1600" dirty="0" err="1" smtClean="0"/>
+              <a:t>loops</a:t>
+            </a:r>
+            <a:r>
+              <a:rPr lang="fr-FR" sz="1600" dirty="0" smtClean="0"/>
               <a:t> </a:t>
             </a:r>
-            <a:r>
-              <a:rPr lang="fr-FR" dirty="0" err="1" smtClean="0"/>
+          </a:p>
+          <a:p>
+            <a:pPr algn="ctr"/>
+            <a:r>
+              <a:rPr lang="fr-FR" sz="1600" dirty="0" err="1" smtClean="0"/>
+              <a:t>Milled</a:t>
+            </a:r>
+            <a:r>
+              <a:rPr lang="fr-FR" sz="1600" dirty="0" smtClean="0"/>
+              <a:t> </a:t>
+            </a:r>
+            <a:r>
+              <a:rPr lang="fr-FR" sz="1600" dirty="0" err="1" smtClean="0"/>
               <a:t>through</a:t>
             </a:r>
-            <a:endParaRPr lang="fr-FR" dirty="0"/>
-          </a:p>
-        </p:txBody>
-      </p:sp>
-      <p:sp>
-        <p:nvSpPr>
-          <p:cNvPr id="36" name="ZoneTexte 35"/>
-          <p:cNvSpPr txBox="1"/>
-          <p:nvPr/>
-        </p:nvSpPr>
-        <p:spPr>
-          <a:xfrm>
-            <a:off x="3954177" y="5894164"/>
-            <a:ext cx="1923925" cy="369332"/>
-          </a:xfrm>
-          <a:prstGeom prst="rect">
-            <a:avLst/>
-          </a:prstGeom>
-          <a:solidFill>
-            <a:schemeClr val="bg1"/>
-          </a:solidFill>
-        </p:spPr>
-        <p:txBody>
-          <a:bodyPr wrap="none" rtlCol="0">
-            <a:spAutoFit/>
-          </a:bodyPr>
-          <a:lstStyle/>
-          <a:p>
-            <a:r>
-              <a:rPr lang="fr-FR" dirty="0" smtClean="0"/>
-              <a:t>~ </a:t>
-            </a:r>
-            <a:r>
-              <a:rPr lang="fr-FR" dirty="0" err="1" smtClean="0"/>
-              <a:t>Milled</a:t>
-            </a:r>
-            <a:r>
-              <a:rPr lang="fr-FR" dirty="0" smtClean="0"/>
-              <a:t> </a:t>
-            </a:r>
-            <a:r>
-              <a:rPr lang="fr-FR" dirty="0" err="1" smtClean="0"/>
-              <a:t>through</a:t>
-            </a:r>
-            <a:endParaRPr lang="fr-FR" dirty="0"/>
+            <a:r>
+              <a:rPr lang="fr-FR" sz="1600" dirty="0" smtClean="0"/>
+              <a:t> for 2,8 </a:t>
+            </a:r>
+            <a:r>
+              <a:rPr lang="fr-FR" sz="1600" dirty="0" err="1" smtClean="0"/>
+              <a:t>pC</a:t>
+            </a:r>
+            <a:endParaRPr lang="fr-FR" sz="1600" dirty="0"/>
           </a:p>
         </p:txBody>
       </p:sp>
       <p:pic>
         <p:nvPicPr>
-          <p:cNvPr id="3081" name="Picture 9"/>
+          <p:cNvPr id="4098" name="Picture 2"/>
           <p:cNvPicPr>
             <a:picLocks noChangeAspect="1" noChangeArrowheads="1"/>
           </p:cNvPicPr>
@@ -9486,8 +9318,8 @@
         </p:blipFill>
         <p:spPr bwMode="auto">
           <a:xfrm>
-            <a:off x="6804248" y="3857703"/>
-            <a:ext cx="1409700" cy="1990725"/>
+            <a:off x="3491880" y="1768460"/>
+            <a:ext cx="2861908" cy="2444078"/>
           </a:xfrm>
           <a:prstGeom prst="rect">
             <a:avLst/>
@@ -9498,14 +9330,14 @@
           </a:ln>
           <a:effectLst/>
           <a:extLst>
-            <a:ext uri="{909E8E84-426E-40dd-AFC4-6F175D3DCCD1}">
+            <a:ext uri="{909E8E84-426E-40DD-AFC4-6F175D3DCCD1}">
               <a14:hiddenFill xmlns:a14="http://schemas.microsoft.com/office/drawing/2010/main">
                 <a:solidFill>
                   <a:schemeClr val="accent1"/>
                 </a:solidFill>
               </a14:hiddenFill>
             </a:ext>
-            <a:ext uri="{91240B29-F687-4f45-9708-019B960494DF}">
+            <a:ext uri="{91240B29-F687-4F45-9708-019B960494DF}">
               <a14:hiddenLine xmlns:a14="http://schemas.microsoft.com/office/drawing/2010/main" w="9525">
                 <a:solidFill>
                   <a:schemeClr val="tx1"/>
@@ -9515,7 +9347,7 @@
                 <a:tailEnd/>
               </a14:hiddenLine>
             </a:ext>
-            <a:ext uri="{AF507438-7753-43e0-B8FC-AC1667EBCBE1}">
+            <a:ext uri="{AF507438-7753-43E0-B8FC-AC1667EBCBE1}">
               <a14:hiddenEffects xmlns:a14="http://schemas.microsoft.com/office/drawing/2010/main">
                 <a:effectLst>
                   <a:outerShdw dist="35921" dir="2700000" algn="ctr" rotWithShape="0">
@@ -9529,14 +9361,14 @@
       </p:pic>
       <p:sp>
         <p:nvSpPr>
-          <p:cNvPr id="38" name="ZoneTexte 37"/>
+          <p:cNvPr id="10" name="ZoneTexte 9"/>
           <p:cNvSpPr txBox="1"/>
           <p:nvPr/>
         </p:nvSpPr>
         <p:spPr>
           <a:xfrm>
-            <a:off x="6516216" y="5894164"/>
-            <a:ext cx="2182008" cy="369332"/>
+            <a:off x="3674735" y="4212538"/>
+            <a:ext cx="2496197" cy="584775"/>
           </a:xfrm>
           <a:prstGeom prst="rect">
             <a:avLst/>
@@ -9544,6 +9376,12 @@
           <a:solidFill>
             <a:schemeClr val="bg1"/>
           </a:solidFill>
+          <a:ln w="12700">
+            <a:solidFill>
+              <a:schemeClr val="tx1"/>
+            </a:solidFill>
+            <a:prstDash val="sysDash"/>
+          </a:ln>
         </p:spPr>
         <p:txBody>
           <a:bodyPr wrap="none" rtlCol="0">
@@ -9551,45 +9389,91 @@
           </a:bodyPr>
           <a:lstStyle/>
           <a:p>
-            <a:r>
-              <a:rPr lang="fr-FR" dirty="0" smtClean="0"/>
-              <a:t>Not </a:t>
-            </a:r>
-            <a:r>
-              <a:rPr lang="fr-FR" dirty="0" err="1" smtClean="0"/>
-              <a:t>distinguishable</a:t>
-            </a:r>
-            <a:endParaRPr lang="fr-FR" dirty="0"/>
-          </a:p>
-        </p:txBody>
-      </p:sp>
-      <p:sp>
-        <p:nvSpPr>
-          <p:cNvPr id="39" name="ZoneTexte 38"/>
+            <a:pPr algn="ctr"/>
+            <a:r>
+              <a:rPr lang="fr-FR" sz="1600" dirty="0" smtClean="0"/>
+              <a:t>20 </a:t>
+            </a:r>
+            <a:r>
+              <a:rPr lang="fr-FR" sz="1600" dirty="0" err="1" smtClean="0"/>
+              <a:t>loops</a:t>
+            </a:r>
+            <a:r>
+              <a:rPr lang="fr-FR" sz="1600" dirty="0" smtClean="0"/>
+              <a:t> </a:t>
+            </a:r>
+          </a:p>
+          <a:p>
+            <a:pPr algn="ctr"/>
+            <a:r>
+              <a:rPr lang="fr-FR" sz="1600" dirty="0" err="1" smtClean="0"/>
+              <a:t>Milled</a:t>
+            </a:r>
+            <a:r>
+              <a:rPr lang="fr-FR" sz="1600" dirty="0" smtClean="0"/>
+              <a:t> </a:t>
+            </a:r>
+            <a:r>
+              <a:rPr lang="fr-FR" sz="1600" dirty="0" err="1" smtClean="0"/>
+              <a:t>through</a:t>
+            </a:r>
+            <a:r>
+              <a:rPr lang="fr-FR" sz="1600" dirty="0" smtClean="0"/>
+              <a:t> for 2,4 </a:t>
+            </a:r>
+            <a:r>
+              <a:rPr lang="fr-FR" sz="1600" dirty="0" err="1" smtClean="0"/>
+              <a:t>pC</a:t>
+            </a:r>
+            <a:endParaRPr lang="fr-FR" sz="1600" dirty="0"/>
+          </a:p>
+        </p:txBody>
+      </p:sp>
+      <p:sp>
+        <p:nvSpPr>
+          <p:cNvPr id="9" name="ZoneTexte 8"/>
           <p:cNvSpPr txBox="1"/>
           <p:nvPr/>
         </p:nvSpPr>
         <p:spPr>
           <a:xfrm>
-            <a:off x="6601962" y="3429000"/>
-            <a:ext cx="1784463" cy="369332"/>
+            <a:off x="2551233" y="5538920"/>
+            <a:ext cx="2247004" cy="646331"/>
           </a:xfrm>
           <a:prstGeom prst="rect">
             <a:avLst/>
           </a:prstGeom>
-          <a:solidFill>
-            <a:schemeClr val="bg1"/>
-          </a:solidFill>
-        </p:spPr>
-        <p:txBody>
-          <a:bodyPr wrap="none" rtlCol="0">
+          <a:noFill/>
+        </p:spPr>
+        <p:txBody>
+          <a:bodyPr wrap="square" rtlCol="0">
             <a:spAutoFit/>
           </a:bodyPr>
           <a:lstStyle/>
           <a:p>
             <a:r>
               <a:rPr lang="fr-FR" dirty="0" err="1" smtClean="0"/>
-              <a:t>Distinguishable</a:t>
+              <a:t>Hole</a:t>
+            </a:r>
+            <a:r>
+              <a:rPr lang="fr-FR" dirty="0" smtClean="0"/>
+              <a:t> size </a:t>
+            </a:r>
+            <a:r>
+              <a:rPr lang="fr-FR" dirty="0" smtClean="0"/>
+              <a:t>~ 45 nm </a:t>
+            </a:r>
+            <a:r>
+              <a:rPr lang="fr-FR" dirty="0" err="1" smtClean="0"/>
+              <a:t>at</a:t>
+            </a:r>
+            <a:r>
+              <a:rPr lang="fr-FR" dirty="0" smtClean="0"/>
+              <a:t> 6,5 </a:t>
+            </a:r>
+            <a:r>
+              <a:rPr lang="fr-FR" dirty="0" err="1" smtClean="0"/>
+              <a:t>pA</a:t>
             </a:r>
             <a:endParaRPr lang="fr-FR" dirty="0"/>
           </a:p>
@@ -9597,53 +9481,225 @@
       </p:sp>
       <p:sp>
         <p:nvSpPr>
-          <p:cNvPr id="42" name="Titre 1"/>
-          <p:cNvSpPr>
-            <a:spLocks noGrp="1"/>
-          </p:cNvSpPr>
-          <p:nvPr>
-            <p:ph type="title"/>
-          </p:nvPr>
+          <p:cNvPr id="11" name="Flèche droite 10"/>
+          <p:cNvSpPr/>
+          <p:nvPr/>
         </p:nvSpPr>
         <p:spPr>
-          <a:xfrm>
-            <a:off x="301752" y="228600"/>
-            <a:ext cx="8534400" cy="758952"/>
-          </a:xfrm>
-        </p:spPr>
-        <p:txBody>
-          <a:bodyPr/>
+          <a:xfrm flipV="1">
+            <a:off x="4935401" y="5695148"/>
+            <a:ext cx="432048" cy="323165"/>
+          </a:xfrm>
+          <a:prstGeom prst="rightArrow">
+            <a:avLst/>
+          </a:prstGeom>
+        </p:spPr>
+        <p:style>
+          <a:lnRef idx="2">
+            <a:schemeClr val="accent1">
+              <a:shade val="50000"/>
+            </a:schemeClr>
+          </a:lnRef>
+          <a:fillRef idx="1">
+            <a:schemeClr val="accent1"/>
+          </a:fillRef>
+          <a:effectRef idx="0">
+            <a:schemeClr val="accent1"/>
+          </a:effectRef>
+          <a:fontRef idx="minor">
+            <a:schemeClr val="lt1"/>
+          </a:fontRef>
+        </p:style>
+        <p:txBody>
+          <a:bodyPr rtlCol="0" anchor="ctr"/>
+          <a:lstStyle/>
+          <a:p>
+            <a:pPr algn="ctr"/>
+            <a:endParaRPr lang="fr-FR"/>
+          </a:p>
+        </p:txBody>
+      </p:sp>
+      <p:sp>
+        <p:nvSpPr>
+          <p:cNvPr id="12" name="ZoneTexte 11"/>
+          <p:cNvSpPr txBox="1"/>
+          <p:nvPr/>
+        </p:nvSpPr>
+        <p:spPr>
+          <a:xfrm>
+            <a:off x="5824428" y="5648981"/>
+            <a:ext cx="1296144" cy="369332"/>
+          </a:xfrm>
+          <a:prstGeom prst="rect">
+            <a:avLst/>
+          </a:prstGeom>
+          <a:noFill/>
+        </p:spPr>
+        <p:txBody>
+          <a:bodyPr wrap="square" rtlCol="0">
+            <a:spAutoFit/>
+          </a:bodyPr>
           <a:lstStyle/>
           <a:p>
             <a:r>
               <a:rPr lang="fr-FR" dirty="0" smtClean="0"/>
-              <a:t>Tests of </a:t>
-            </a:r>
-            <a:r>
-              <a:rPr lang="fr-FR" dirty="0" err="1" smtClean="0"/>
-              <a:t>resolution</a:t>
+              <a:t>SEM</a:t>
             </a:r>
             <a:endParaRPr lang="fr-FR" dirty="0"/>
+          </a:p>
+        </p:txBody>
+      </p:sp>
+      <p:sp>
+        <p:nvSpPr>
+          <p:cNvPr id="13" name="Ellipse 12"/>
+          <p:cNvSpPr/>
+          <p:nvPr/>
+        </p:nvSpPr>
+        <p:spPr>
+          <a:xfrm>
+            <a:off x="1331640" y="2461167"/>
+            <a:ext cx="454032" cy="425595"/>
+          </a:xfrm>
+          <a:prstGeom prst="ellipse">
+            <a:avLst/>
+          </a:prstGeom>
+          <a:noFill/>
+          <a:ln w="28575">
+            <a:solidFill>
+              <a:srgbClr val="C00000"/>
+            </a:solidFill>
+            <a:prstDash val="solid"/>
+          </a:ln>
+        </p:spPr>
+        <p:style>
+          <a:lnRef idx="2">
+            <a:schemeClr val="accent1">
+              <a:shade val="50000"/>
+            </a:schemeClr>
+          </a:lnRef>
+          <a:fillRef idx="1">
+            <a:schemeClr val="accent1"/>
+          </a:fillRef>
+          <a:effectRef idx="0">
+            <a:schemeClr val="accent1"/>
+          </a:effectRef>
+          <a:fontRef idx="minor">
+            <a:schemeClr val="lt1"/>
+          </a:fontRef>
+        </p:style>
+        <p:txBody>
+          <a:bodyPr rtlCol="0" anchor="ctr"/>
+          <a:lstStyle/>
+          <a:p>
+            <a:pPr algn="ctr"/>
+            <a:endParaRPr lang="fr-FR"/>
+          </a:p>
+        </p:txBody>
+      </p:sp>
+      <p:sp>
+        <p:nvSpPr>
+          <p:cNvPr id="15" name="Ellipse 14"/>
+          <p:cNvSpPr/>
+          <p:nvPr/>
+        </p:nvSpPr>
+        <p:spPr>
+          <a:xfrm>
+            <a:off x="5367449" y="2060262"/>
+            <a:ext cx="454032" cy="425595"/>
+          </a:xfrm>
+          <a:prstGeom prst="ellipse">
+            <a:avLst/>
+          </a:prstGeom>
+          <a:noFill/>
+          <a:ln w="28575">
+            <a:solidFill>
+              <a:srgbClr val="C00000"/>
+            </a:solidFill>
+            <a:prstDash val="solid"/>
+          </a:ln>
+        </p:spPr>
+        <p:style>
+          <a:lnRef idx="2">
+            <a:schemeClr val="accent1">
+              <a:shade val="50000"/>
+            </a:schemeClr>
+          </a:lnRef>
+          <a:fillRef idx="1">
+            <a:schemeClr val="accent1"/>
+          </a:fillRef>
+          <a:effectRef idx="0">
+            <a:schemeClr val="accent1"/>
+          </a:effectRef>
+          <a:fontRef idx="minor">
+            <a:schemeClr val="lt1"/>
+          </a:fontRef>
+        </p:style>
+        <p:txBody>
+          <a:bodyPr rtlCol="0" anchor="ctr"/>
+          <a:lstStyle/>
+          <a:p>
+            <a:pPr algn="ctr"/>
+            <a:endParaRPr lang="fr-FR"/>
+          </a:p>
+        </p:txBody>
+      </p:sp>
+      <p:sp>
+        <p:nvSpPr>
+          <p:cNvPr id="16" name="Ellipse 15"/>
+          <p:cNvSpPr/>
+          <p:nvPr/>
+        </p:nvSpPr>
+        <p:spPr>
+          <a:xfrm>
+            <a:off x="8523317" y="2060261"/>
+            <a:ext cx="454032" cy="425595"/>
+          </a:xfrm>
+          <a:prstGeom prst="ellipse">
+            <a:avLst/>
+          </a:prstGeom>
+          <a:noFill/>
+          <a:ln w="28575">
+            <a:solidFill>
+              <a:srgbClr val="C00000"/>
+            </a:solidFill>
+            <a:prstDash val="solid"/>
+          </a:ln>
+        </p:spPr>
+        <p:style>
+          <a:lnRef idx="2">
+            <a:schemeClr val="accent1">
+              <a:shade val="50000"/>
+            </a:schemeClr>
+          </a:lnRef>
+          <a:fillRef idx="1">
+            <a:schemeClr val="accent1"/>
+          </a:fillRef>
+          <a:effectRef idx="0">
+            <a:schemeClr val="accent1"/>
+          </a:effectRef>
+          <a:fontRef idx="minor">
+            <a:schemeClr val="lt1"/>
+          </a:fontRef>
+        </p:style>
+        <p:txBody>
+          <a:bodyPr rtlCol="0" anchor="ctr"/>
+          <a:lstStyle/>
+          <a:p>
+            <a:pPr algn="ctr"/>
+            <a:endParaRPr lang="fr-FR"/>
           </a:p>
         </p:txBody>
       </p:sp>
     </p:spTree>
     <p:extLst>
       <p:ext uri="{BB962C8B-B14F-4D97-AF65-F5344CB8AC3E}">
-        <p14:creationId xmlns:p14="http://schemas.microsoft.com/office/powerpoint/2010/main" val="2117400454"/>
+        <p14:creationId xmlns:p14="http://schemas.microsoft.com/office/powerpoint/2010/main" val="3559933728"/>
       </p:ext>
     </p:extLst>
   </p:cSld>
   <p:clrMapOvr>
     <a:masterClrMapping/>
   </p:clrMapOvr>
-  <p:timing>
-    <p:tnLst>
-      <p:par>
-        <p:cTn xmlns:p14="http://schemas.microsoft.com/office/powerpoint/2010/main" id="1" dur="indefinite" restart="never" nodeType="tmRoot"/>
-      </p:par>
-    </p:tnLst>
-  </p:timing>
 </p:sld>
 </file>
 
